--- a/GestaoFinancaPessoal/GestaoFinancaPessoal/Documentos/525/casos_de_teste01.pptx
+++ b/GestaoFinancaPessoal/GestaoFinancaPessoal/Documentos/525/casos_de_teste01.pptx
@@ -106,6 +106,11 @@
       </a:defRPr>
     </a:lvl9pPr>
   </p:defaultTextStyle>
+  <p:extLst>
+    <p:ext uri="{EFAFB233-063F-42B5-8137-9DF3F51BA10A}">
+      <p15:sldGuideLst xmlns:p15="http://schemas.microsoft.com/office/powerpoint/2012/main"/>
+    </p:ext>
+  </p:extLst>
 </p:presentation>
 </file>
 
@@ -256,7 +261,7 @@
           <a:p>
             <a:fld id="{3D0AA6D3-4C61-4108-BE34-3E098F1835F8}" type="datetimeFigureOut">
               <a:rPr lang="pt-BR" smtClean="0"/>
-              <a:t>04/04/2019</a:t>
+              <a:t>08/04/2019</a:t>
             </a:fld>
             <a:endParaRPr lang="pt-BR"/>
           </a:p>
@@ -454,7 +459,7 @@
           <a:p>
             <a:fld id="{3D0AA6D3-4C61-4108-BE34-3E098F1835F8}" type="datetimeFigureOut">
               <a:rPr lang="pt-BR" smtClean="0"/>
-              <a:t>04/04/2019</a:t>
+              <a:t>08/04/2019</a:t>
             </a:fld>
             <a:endParaRPr lang="pt-BR"/>
           </a:p>
@@ -662,7 +667,7 @@
           <a:p>
             <a:fld id="{3D0AA6D3-4C61-4108-BE34-3E098F1835F8}" type="datetimeFigureOut">
               <a:rPr lang="pt-BR" smtClean="0"/>
-              <a:t>04/04/2019</a:t>
+              <a:t>08/04/2019</a:t>
             </a:fld>
             <a:endParaRPr lang="pt-BR"/>
           </a:p>
@@ -860,7 +865,7 @@
           <a:p>
             <a:fld id="{3D0AA6D3-4C61-4108-BE34-3E098F1835F8}" type="datetimeFigureOut">
               <a:rPr lang="pt-BR" smtClean="0"/>
-              <a:t>04/04/2019</a:t>
+              <a:t>08/04/2019</a:t>
             </a:fld>
             <a:endParaRPr lang="pt-BR"/>
           </a:p>
@@ -1135,7 +1140,7 @@
           <a:p>
             <a:fld id="{3D0AA6D3-4C61-4108-BE34-3E098F1835F8}" type="datetimeFigureOut">
               <a:rPr lang="pt-BR" smtClean="0"/>
-              <a:t>04/04/2019</a:t>
+              <a:t>08/04/2019</a:t>
             </a:fld>
             <a:endParaRPr lang="pt-BR"/>
           </a:p>
@@ -1400,7 +1405,7 @@
           <a:p>
             <a:fld id="{3D0AA6D3-4C61-4108-BE34-3E098F1835F8}" type="datetimeFigureOut">
               <a:rPr lang="pt-BR" smtClean="0"/>
-              <a:t>04/04/2019</a:t>
+              <a:t>08/04/2019</a:t>
             </a:fld>
             <a:endParaRPr lang="pt-BR"/>
           </a:p>
@@ -1812,7 +1817,7 @@
           <a:p>
             <a:fld id="{3D0AA6D3-4C61-4108-BE34-3E098F1835F8}" type="datetimeFigureOut">
               <a:rPr lang="pt-BR" smtClean="0"/>
-              <a:t>04/04/2019</a:t>
+              <a:t>08/04/2019</a:t>
             </a:fld>
             <a:endParaRPr lang="pt-BR"/>
           </a:p>
@@ -1953,7 +1958,7 @@
           <a:p>
             <a:fld id="{3D0AA6D3-4C61-4108-BE34-3E098F1835F8}" type="datetimeFigureOut">
               <a:rPr lang="pt-BR" smtClean="0"/>
-              <a:t>04/04/2019</a:t>
+              <a:t>08/04/2019</a:t>
             </a:fld>
             <a:endParaRPr lang="pt-BR"/>
           </a:p>
@@ -2066,7 +2071,7 @@
           <a:p>
             <a:fld id="{3D0AA6D3-4C61-4108-BE34-3E098F1835F8}" type="datetimeFigureOut">
               <a:rPr lang="pt-BR" smtClean="0"/>
-              <a:t>04/04/2019</a:t>
+              <a:t>08/04/2019</a:t>
             </a:fld>
             <a:endParaRPr lang="pt-BR"/>
           </a:p>
@@ -2377,7 +2382,7 @@
           <a:p>
             <a:fld id="{3D0AA6D3-4C61-4108-BE34-3E098F1835F8}" type="datetimeFigureOut">
               <a:rPr lang="pt-BR" smtClean="0"/>
-              <a:t>04/04/2019</a:t>
+              <a:t>08/04/2019</a:t>
             </a:fld>
             <a:endParaRPr lang="pt-BR"/>
           </a:p>
@@ -2665,7 +2670,7 @@
           <a:p>
             <a:fld id="{3D0AA6D3-4C61-4108-BE34-3E098F1835F8}" type="datetimeFigureOut">
               <a:rPr lang="pt-BR" smtClean="0"/>
-              <a:t>04/04/2019</a:t>
+              <a:t>08/04/2019</a:t>
             </a:fld>
             <a:endParaRPr lang="pt-BR"/>
           </a:p>
@@ -2906,7 +2911,7 @@
           <a:p>
             <a:fld id="{3D0AA6D3-4C61-4108-BE34-3E098F1835F8}" type="datetimeFigureOut">
               <a:rPr lang="pt-BR" smtClean="0"/>
-              <a:t>04/04/2019</a:t>
+              <a:t>08/04/2019</a:t>
             </a:fld>
             <a:endParaRPr lang="pt-BR"/>
           </a:p>
@@ -3338,7 +3343,7 @@
           <p:nvPr>
             <p:extLst>
               <p:ext uri="{D42A27DB-BD31-4B8C-83A1-F6EECF244321}">
-                <p14:modId xmlns:p14="http://schemas.microsoft.com/office/powerpoint/2010/main" val="1241066956"/>
+                <p14:modId xmlns:p14="http://schemas.microsoft.com/office/powerpoint/2010/main" val="896418195"/>
               </p:ext>
             </p:extLst>
           </p:nvPr>
@@ -4826,7 +4831,7 @@
                         </a:tabLst>
                       </a:pPr>
                       <a:r>
-                        <a:rPr kumimoji="0" lang="pt-BR" altLang="pt-BR" sz="1600" b="1" i="1" u="none" strike="noStrike" cap="none" normalizeH="0" baseline="0">
+                        <a:rPr kumimoji="0" lang="pt-BR" altLang="pt-BR" sz="1600" b="1" i="1" u="none" strike="noStrike" cap="none" normalizeH="0" baseline="0" dirty="0">
                           <a:ln>
                             <a:noFill/>
                           </a:ln>
@@ -5214,7 +5219,7 @@
                           <a:ea typeface="DejaVu Sans" charset="0"/>
                           <a:cs typeface="DejaVu Sans" charset="0"/>
                         </a:rPr>
-                        <a:t>1. </a:t>
+                        <a:t>1. Escolher a opção “Criar Conta”</a:t>
                       </a:r>
                     </a:p>
                   </a:txBody>
@@ -5576,18 +5581,67 @@
                           <a:tab pos="10058400" algn="l"/>
                         </a:tabLst>
                       </a:pPr>
-                      <a:endParaRPr kumimoji="0" lang="pt-BR" altLang="pt-BR" sz="1400" b="1" i="0" u="none" strike="noStrike" cap="none" normalizeH="0" baseline="0" dirty="0">
-                        <a:ln>
-                          <a:noFill/>
-                        </a:ln>
-                        <a:solidFill>
-                          <a:srgbClr val="000000"/>
-                        </a:solidFill>
-                        <a:effectLst/>
-                        <a:latin typeface="Tahoma" pitchFamily="34" charset="0"/>
-                        <a:ea typeface="DejaVu Sans" charset="0"/>
-                        <a:cs typeface="DejaVu Sans" charset="0"/>
-                      </a:endParaRPr>
+                      <a:r>
+                        <a:rPr kumimoji="0" lang="pt-BR" altLang="pt-BR" sz="1400" b="1" i="0" u="none" strike="noStrike" cap="none" normalizeH="0" baseline="0" dirty="0">
+                          <a:ln>
+                            <a:noFill/>
+                          </a:ln>
+                          <a:solidFill>
+                            <a:srgbClr val="000000"/>
+                          </a:solidFill>
+                          <a:effectLst/>
+                          <a:latin typeface="Tahoma" pitchFamily="34" charset="0"/>
+                          <a:ea typeface="DejaVu Sans" charset="0"/>
+                          <a:cs typeface="DejaVu Sans" charset="0"/>
+                        </a:rPr>
+                        <a:t>Deve aparecer uma tela</a:t>
+                      </a:r>
+                    </a:p>
+                    <a:p>
+                      <a:pPr marL="0" marR="0" lvl="0" indent="0" algn="l" defTabSz="449263" rtl="0" eaLnBrk="1" fontAlgn="base" latinLnBrk="0" hangingPunct="1">
+                        <a:lnSpc>
+                          <a:spcPct val="98000"/>
+                        </a:lnSpc>
+                        <a:spcBef>
+                          <a:spcPct val="0"/>
+                        </a:spcBef>
+                        <a:spcAft>
+                          <a:spcPct val="0"/>
+                        </a:spcAft>
+                        <a:buClrTx/>
+                        <a:buSzPct val="100000"/>
+                        <a:buFontTx/>
+                        <a:buNone/>
+                        <a:tabLst>
+                          <a:tab pos="0" algn="l"/>
+                          <a:tab pos="914400" algn="l"/>
+                          <a:tab pos="1828800" algn="l"/>
+                          <a:tab pos="2743200" algn="l"/>
+                          <a:tab pos="3657600" algn="l"/>
+                          <a:tab pos="4572000" algn="l"/>
+                          <a:tab pos="5486400" algn="l"/>
+                          <a:tab pos="6400800" algn="l"/>
+                          <a:tab pos="7315200" algn="l"/>
+                          <a:tab pos="8229600" algn="l"/>
+                          <a:tab pos="9144000" algn="l"/>
+                          <a:tab pos="10058400" algn="l"/>
+                        </a:tabLst>
+                      </a:pPr>
+                      <a:r>
+                        <a:rPr kumimoji="0" lang="pt-BR" altLang="pt-BR" sz="1400" b="1" i="0" u="none" strike="noStrike" cap="none" normalizeH="0" baseline="0" dirty="0">
+                          <a:ln>
+                            <a:noFill/>
+                          </a:ln>
+                          <a:solidFill>
+                            <a:srgbClr val="000000"/>
+                          </a:solidFill>
+                          <a:effectLst/>
+                          <a:latin typeface="Tahoma" pitchFamily="34" charset="0"/>
+                          <a:ea typeface="DejaVu Sans" charset="0"/>
+                          <a:cs typeface="DejaVu Sans" charset="0"/>
+                        </a:rPr>
+                        <a:t>solicitando as informações da conta.</a:t>
+                      </a:r>
                     </a:p>
                   </a:txBody>
                   <a:tcPr marL="90000" marR="90000" marT="49249" marB="45721" horzOverflow="overflow">
@@ -5968,7 +6022,191 @@
                           <a:ea typeface="DejaVu Sans" charset="0"/>
                           <a:cs typeface="DejaVu Sans" charset="0"/>
                         </a:rPr>
-                        <a:t>2. </a:t>
+                        <a:t>2. Informar o nome da conta</a:t>
+                      </a:r>
+                    </a:p>
+                    <a:p>
+                      <a:pPr marL="0" marR="0" lvl="0" indent="0" algn="l" defTabSz="449263" rtl="0" eaLnBrk="1" fontAlgn="base" latinLnBrk="0" hangingPunct="1">
+                        <a:lnSpc>
+                          <a:spcPct val="98000"/>
+                        </a:lnSpc>
+                        <a:spcBef>
+                          <a:spcPct val="0"/>
+                        </a:spcBef>
+                        <a:spcAft>
+                          <a:spcPct val="0"/>
+                        </a:spcAft>
+                        <a:buClrTx/>
+                        <a:buSzPct val="100000"/>
+                        <a:buFontTx/>
+                        <a:buNone/>
+                        <a:tabLst>
+                          <a:tab pos="0" algn="l"/>
+                          <a:tab pos="914400" algn="l"/>
+                          <a:tab pos="1828800" algn="l"/>
+                          <a:tab pos="2743200" algn="l"/>
+                          <a:tab pos="3657600" algn="l"/>
+                          <a:tab pos="4572000" algn="l"/>
+                          <a:tab pos="5486400" algn="l"/>
+                          <a:tab pos="6400800" algn="l"/>
+                          <a:tab pos="7315200" algn="l"/>
+                          <a:tab pos="8229600" algn="l"/>
+                          <a:tab pos="9144000" algn="l"/>
+                          <a:tab pos="10058400" algn="l"/>
+                        </a:tabLst>
+                      </a:pPr>
+                      <a:r>
+                        <a:rPr kumimoji="0" lang="pt-BR" altLang="pt-BR" sz="1400" b="1" i="0" u="none" strike="noStrike" cap="none" normalizeH="0" baseline="0" dirty="0">
+                          <a:ln>
+                            <a:noFill/>
+                          </a:ln>
+                          <a:solidFill>
+                            <a:srgbClr val="000000"/>
+                          </a:solidFill>
+                          <a:effectLst/>
+                          <a:latin typeface="Tahoma" pitchFamily="34" charset="0"/>
+                          <a:ea typeface="DejaVu Sans" charset="0"/>
+                          <a:cs typeface="DejaVu Sans" charset="0"/>
+                        </a:rPr>
+                        <a:t>(“Santander”) e as outras</a:t>
+                      </a:r>
+                    </a:p>
+                    <a:p>
+                      <a:pPr marL="0" marR="0" lvl="0" indent="0" algn="l" defTabSz="449263" rtl="0" eaLnBrk="1" fontAlgn="base" latinLnBrk="0" hangingPunct="1">
+                        <a:lnSpc>
+                          <a:spcPct val="98000"/>
+                        </a:lnSpc>
+                        <a:spcBef>
+                          <a:spcPct val="0"/>
+                        </a:spcBef>
+                        <a:spcAft>
+                          <a:spcPct val="0"/>
+                        </a:spcAft>
+                        <a:buClrTx/>
+                        <a:buSzPct val="100000"/>
+                        <a:buFontTx/>
+                        <a:buNone/>
+                        <a:tabLst>
+                          <a:tab pos="0" algn="l"/>
+                          <a:tab pos="914400" algn="l"/>
+                          <a:tab pos="1828800" algn="l"/>
+                          <a:tab pos="2743200" algn="l"/>
+                          <a:tab pos="3657600" algn="l"/>
+                          <a:tab pos="4572000" algn="l"/>
+                          <a:tab pos="5486400" algn="l"/>
+                          <a:tab pos="6400800" algn="l"/>
+                          <a:tab pos="7315200" algn="l"/>
+                          <a:tab pos="8229600" algn="l"/>
+                          <a:tab pos="9144000" algn="l"/>
+                          <a:tab pos="10058400" algn="l"/>
+                        </a:tabLst>
+                      </a:pPr>
+                      <a:r>
+                        <a:rPr kumimoji="0" lang="pt-BR" altLang="pt-BR" sz="1400" b="1" i="0" u="none" strike="noStrike" cap="none" normalizeH="0" baseline="0" dirty="0">
+                          <a:ln>
+                            <a:noFill/>
+                          </a:ln>
+                          <a:solidFill>
+                            <a:srgbClr val="000000"/>
+                          </a:solidFill>
+                          <a:effectLst/>
+                          <a:latin typeface="Tahoma" pitchFamily="34" charset="0"/>
+                          <a:ea typeface="DejaVu Sans" charset="0"/>
+                          <a:cs typeface="DejaVu Sans" charset="0"/>
+                        </a:rPr>
+                        <a:t>informações, e finalizar o</a:t>
+                      </a:r>
+                    </a:p>
+                    <a:p>
+                      <a:pPr marL="0" marR="0" lvl="0" indent="0" algn="l" defTabSz="449263" rtl="0" eaLnBrk="1" fontAlgn="base" latinLnBrk="0" hangingPunct="1">
+                        <a:lnSpc>
+                          <a:spcPct val="98000"/>
+                        </a:lnSpc>
+                        <a:spcBef>
+                          <a:spcPct val="0"/>
+                        </a:spcBef>
+                        <a:spcAft>
+                          <a:spcPct val="0"/>
+                        </a:spcAft>
+                        <a:buClrTx/>
+                        <a:buSzPct val="100000"/>
+                        <a:buFontTx/>
+                        <a:buNone/>
+                        <a:tabLst>
+                          <a:tab pos="0" algn="l"/>
+                          <a:tab pos="914400" algn="l"/>
+                          <a:tab pos="1828800" algn="l"/>
+                          <a:tab pos="2743200" algn="l"/>
+                          <a:tab pos="3657600" algn="l"/>
+                          <a:tab pos="4572000" algn="l"/>
+                          <a:tab pos="5486400" algn="l"/>
+                          <a:tab pos="6400800" algn="l"/>
+                          <a:tab pos="7315200" algn="l"/>
+                          <a:tab pos="8229600" algn="l"/>
+                          <a:tab pos="9144000" algn="l"/>
+                          <a:tab pos="10058400" algn="l"/>
+                        </a:tabLst>
+                      </a:pPr>
+                      <a:r>
+                        <a:rPr kumimoji="0" lang="pt-BR" altLang="pt-BR" sz="1400" b="1" i="0" u="none" strike="noStrike" cap="none" normalizeH="0" baseline="0" dirty="0">
+                          <a:ln>
+                            <a:noFill/>
+                          </a:ln>
+                          <a:solidFill>
+                            <a:srgbClr val="000000"/>
+                          </a:solidFill>
+                          <a:effectLst/>
+                          <a:latin typeface="Tahoma" pitchFamily="34" charset="0"/>
+                          <a:ea typeface="DejaVu Sans" charset="0"/>
+                          <a:cs typeface="DejaVu Sans" charset="0"/>
+                        </a:rPr>
+                        <a:t>procedimento escolhendo</a:t>
+                      </a:r>
+                    </a:p>
+                    <a:p>
+                      <a:pPr marL="0" marR="0" lvl="0" indent="0" algn="l" defTabSz="449263" rtl="0" eaLnBrk="1" fontAlgn="base" latinLnBrk="0" hangingPunct="1">
+                        <a:lnSpc>
+                          <a:spcPct val="98000"/>
+                        </a:lnSpc>
+                        <a:spcBef>
+                          <a:spcPct val="0"/>
+                        </a:spcBef>
+                        <a:spcAft>
+                          <a:spcPct val="0"/>
+                        </a:spcAft>
+                        <a:buClrTx/>
+                        <a:buSzPct val="100000"/>
+                        <a:buFontTx/>
+                        <a:buNone/>
+                        <a:tabLst>
+                          <a:tab pos="0" algn="l"/>
+                          <a:tab pos="914400" algn="l"/>
+                          <a:tab pos="1828800" algn="l"/>
+                          <a:tab pos="2743200" algn="l"/>
+                          <a:tab pos="3657600" algn="l"/>
+                          <a:tab pos="4572000" algn="l"/>
+                          <a:tab pos="5486400" algn="l"/>
+                          <a:tab pos="6400800" algn="l"/>
+                          <a:tab pos="7315200" algn="l"/>
+                          <a:tab pos="8229600" algn="l"/>
+                          <a:tab pos="9144000" algn="l"/>
+                          <a:tab pos="10058400" algn="l"/>
+                        </a:tabLst>
+                      </a:pPr>
+                      <a:r>
+                        <a:rPr kumimoji="0" lang="pt-BR" altLang="pt-BR" sz="1400" b="1" i="0" u="none" strike="noStrike" cap="none" normalizeH="0" baseline="0" dirty="0">
+                          <a:ln>
+                            <a:noFill/>
+                          </a:ln>
+                          <a:solidFill>
+                            <a:srgbClr val="000000"/>
+                          </a:solidFill>
+                          <a:effectLst/>
+                          <a:latin typeface="Tahoma" pitchFamily="34" charset="0"/>
+                          <a:ea typeface="DejaVu Sans" charset="0"/>
+                          <a:cs typeface="DejaVu Sans" charset="0"/>
+                        </a:rPr>
+                        <a:t>“Salvar”.</a:t>
                       </a:r>
                     </a:p>
                   </a:txBody>
@@ -6330,18 +6568,67 @@
                           <a:tab pos="10058400" algn="l"/>
                         </a:tabLst>
                       </a:pPr>
-                      <a:endParaRPr kumimoji="0" lang="pt-BR" altLang="pt-BR" sz="1400" b="1" i="0" u="none" strike="noStrike" cap="none" normalizeH="0" baseline="0" dirty="0">
-                        <a:ln>
-                          <a:noFill/>
-                        </a:ln>
-                        <a:solidFill>
-                          <a:srgbClr val="000000"/>
-                        </a:solidFill>
-                        <a:effectLst/>
-                        <a:latin typeface="Tahoma" pitchFamily="34" charset="0"/>
-                        <a:ea typeface="DejaVu Sans" charset="0"/>
-                        <a:cs typeface="DejaVu Sans" charset="0"/>
-                      </a:endParaRPr>
+                      <a:r>
+                        <a:rPr kumimoji="0" lang="pt-BR" altLang="pt-BR" sz="1400" b="1" i="0" u="none" strike="noStrike" cap="none" normalizeH="0" baseline="0" dirty="0">
+                          <a:ln>
+                            <a:noFill/>
+                          </a:ln>
+                          <a:solidFill>
+                            <a:srgbClr val="000000"/>
+                          </a:solidFill>
+                          <a:effectLst/>
+                          <a:latin typeface="Tahoma" pitchFamily="34" charset="0"/>
+                          <a:ea typeface="DejaVu Sans" charset="0"/>
+                          <a:cs typeface="DejaVu Sans" charset="0"/>
+                        </a:rPr>
+                        <a:t>Aparece uma tela com a</a:t>
+                      </a:r>
+                    </a:p>
+                    <a:p>
+                      <a:pPr marL="0" marR="0" lvl="0" indent="0" algn="l" defTabSz="449263" rtl="0" eaLnBrk="1" fontAlgn="base" latinLnBrk="0" hangingPunct="1">
+                        <a:lnSpc>
+                          <a:spcPct val="98000"/>
+                        </a:lnSpc>
+                        <a:spcBef>
+                          <a:spcPct val="0"/>
+                        </a:spcBef>
+                        <a:spcAft>
+                          <a:spcPct val="0"/>
+                        </a:spcAft>
+                        <a:buClrTx/>
+                        <a:buSzPct val="100000"/>
+                        <a:buFontTx/>
+                        <a:buNone/>
+                        <a:tabLst>
+                          <a:tab pos="0" algn="l"/>
+                          <a:tab pos="914400" algn="l"/>
+                          <a:tab pos="1828800" algn="l"/>
+                          <a:tab pos="2743200" algn="l"/>
+                          <a:tab pos="3657600" algn="l"/>
+                          <a:tab pos="4572000" algn="l"/>
+                          <a:tab pos="5486400" algn="l"/>
+                          <a:tab pos="6400800" algn="l"/>
+                          <a:tab pos="7315200" algn="l"/>
+                          <a:tab pos="8229600" algn="l"/>
+                          <a:tab pos="9144000" algn="l"/>
+                          <a:tab pos="10058400" algn="l"/>
+                        </a:tabLst>
+                      </a:pPr>
+                      <a:r>
+                        <a:rPr kumimoji="0" lang="pt-BR" altLang="pt-BR" sz="1400" b="1" i="0" u="none" strike="noStrike" cap="none" normalizeH="0" baseline="0" dirty="0">
+                          <a:ln>
+                            <a:noFill/>
+                          </a:ln>
+                          <a:solidFill>
+                            <a:srgbClr val="000000"/>
+                          </a:solidFill>
+                          <a:effectLst/>
+                          <a:latin typeface="Tahoma" pitchFamily="34" charset="0"/>
+                          <a:ea typeface="DejaVu Sans" charset="0"/>
+                          <a:cs typeface="DejaVu Sans" charset="0"/>
+                        </a:rPr>
+                        <a:t>seguinte mensagem: “Salvo com sucesso!”.</a:t>
+                      </a:r>
                     </a:p>
                   </a:txBody>
                   <a:tcPr marL="90000" marR="90000" marT="49249" marB="45721" horzOverflow="overflow">
@@ -6722,7 +7009,99 @@
                           <a:ea typeface="DejaVu Sans" charset="0"/>
                           <a:cs typeface="DejaVu Sans" charset="0"/>
                         </a:rPr>
-                        <a:t>3. </a:t>
+                        <a:t>3. Criar uma nova conta</a:t>
+                      </a:r>
+                    </a:p>
+                    <a:p>
+                      <a:pPr marL="0" marR="0" lvl="0" indent="0" algn="l" defTabSz="449263" rtl="0" eaLnBrk="1" fontAlgn="base" latinLnBrk="0" hangingPunct="1">
+                        <a:lnSpc>
+                          <a:spcPct val="98000"/>
+                        </a:lnSpc>
+                        <a:spcBef>
+                          <a:spcPct val="0"/>
+                        </a:spcBef>
+                        <a:spcAft>
+                          <a:spcPct val="0"/>
+                        </a:spcAft>
+                        <a:buClrTx/>
+                        <a:buSzPct val="100000"/>
+                        <a:buFontTx/>
+                        <a:buNone/>
+                        <a:tabLst>
+                          <a:tab pos="0" algn="l"/>
+                          <a:tab pos="914400" algn="l"/>
+                          <a:tab pos="1828800" algn="l"/>
+                          <a:tab pos="2743200" algn="l"/>
+                          <a:tab pos="3657600" algn="l"/>
+                          <a:tab pos="4572000" algn="l"/>
+                          <a:tab pos="5486400" algn="l"/>
+                          <a:tab pos="6400800" algn="l"/>
+                          <a:tab pos="7315200" algn="l"/>
+                          <a:tab pos="8229600" algn="l"/>
+                          <a:tab pos="9144000" algn="l"/>
+                          <a:tab pos="10058400" algn="l"/>
+                        </a:tabLst>
+                      </a:pPr>
+                      <a:r>
+                        <a:rPr kumimoji="0" lang="pt-BR" altLang="pt-BR" sz="1400" b="1" i="0" u="none" strike="noStrike" cap="none" normalizeH="0" baseline="0" dirty="0">
+                          <a:ln>
+                            <a:noFill/>
+                          </a:ln>
+                          <a:solidFill>
+                            <a:srgbClr val="000000"/>
+                          </a:solidFill>
+                          <a:effectLst/>
+                          <a:latin typeface="Tahoma" pitchFamily="34" charset="0"/>
+                          <a:ea typeface="DejaVu Sans" charset="0"/>
+                          <a:cs typeface="DejaVu Sans" charset="0"/>
+                        </a:rPr>
+                        <a:t>seguindo os passos acima, com</a:t>
+                      </a:r>
+                    </a:p>
+                    <a:p>
+                      <a:pPr marL="0" marR="0" lvl="0" indent="0" algn="l" defTabSz="449263" rtl="0" eaLnBrk="1" fontAlgn="base" latinLnBrk="0" hangingPunct="1">
+                        <a:lnSpc>
+                          <a:spcPct val="98000"/>
+                        </a:lnSpc>
+                        <a:spcBef>
+                          <a:spcPct val="0"/>
+                        </a:spcBef>
+                        <a:spcAft>
+                          <a:spcPct val="0"/>
+                        </a:spcAft>
+                        <a:buClrTx/>
+                        <a:buSzPct val="100000"/>
+                        <a:buFontTx/>
+                        <a:buNone/>
+                        <a:tabLst>
+                          <a:tab pos="0" algn="l"/>
+                          <a:tab pos="914400" algn="l"/>
+                          <a:tab pos="1828800" algn="l"/>
+                          <a:tab pos="2743200" algn="l"/>
+                          <a:tab pos="3657600" algn="l"/>
+                          <a:tab pos="4572000" algn="l"/>
+                          <a:tab pos="5486400" algn="l"/>
+                          <a:tab pos="6400800" algn="l"/>
+                          <a:tab pos="7315200" algn="l"/>
+                          <a:tab pos="8229600" algn="l"/>
+                          <a:tab pos="9144000" algn="l"/>
+                          <a:tab pos="10058400" algn="l"/>
+                        </a:tabLst>
+                      </a:pPr>
+                      <a:r>
+                        <a:rPr kumimoji="0" lang="pt-BR" altLang="pt-BR" sz="1400" b="1" i="0" u="none" strike="noStrike" cap="none" normalizeH="0" baseline="0" dirty="0">
+                          <a:ln>
+                            <a:noFill/>
+                          </a:ln>
+                          <a:solidFill>
+                            <a:srgbClr val="000000"/>
+                          </a:solidFill>
+                          <a:effectLst/>
+                          <a:latin typeface="Tahoma" pitchFamily="34" charset="0"/>
+                          <a:ea typeface="DejaVu Sans" charset="0"/>
+                          <a:cs typeface="DejaVu Sans" charset="0"/>
+                        </a:rPr>
+                        <a:t>o nome de “Santander”.</a:t>
                       </a:r>
                     </a:p>
                   </a:txBody>
@@ -7084,18 +7463,67 @@
                           <a:tab pos="10058400" algn="l"/>
                         </a:tabLst>
                       </a:pPr>
-                      <a:endParaRPr kumimoji="0" lang="pt-BR" altLang="pt-BR" sz="1400" b="1" i="0" u="none" strike="noStrike" cap="none" normalizeH="0" baseline="0" dirty="0">
-                        <a:ln>
-                          <a:noFill/>
-                        </a:ln>
-                        <a:solidFill>
-                          <a:srgbClr val="000000"/>
-                        </a:solidFill>
-                        <a:effectLst/>
-                        <a:latin typeface="Tahoma" pitchFamily="34" charset="0"/>
-                        <a:ea typeface="DejaVu Sans" charset="0"/>
-                        <a:cs typeface="DejaVu Sans" charset="0"/>
-                      </a:endParaRPr>
+                      <a:r>
+                        <a:rPr kumimoji="0" lang="pt-BR" altLang="pt-BR" sz="1400" b="1" i="0" u="none" strike="noStrike" cap="none" normalizeH="0" baseline="0" dirty="0">
+                          <a:ln>
+                            <a:noFill/>
+                          </a:ln>
+                          <a:solidFill>
+                            <a:srgbClr val="000000"/>
+                          </a:solidFill>
+                          <a:effectLst/>
+                          <a:latin typeface="Tahoma" pitchFamily="34" charset="0"/>
+                          <a:ea typeface="DejaVu Sans" charset="0"/>
+                          <a:cs typeface="DejaVu Sans" charset="0"/>
+                        </a:rPr>
+                        <a:t>O sistema emite a seguinte</a:t>
+                      </a:r>
+                    </a:p>
+                    <a:p>
+                      <a:pPr marL="0" marR="0" lvl="0" indent="0" algn="l" defTabSz="449263" rtl="0" eaLnBrk="1" fontAlgn="base" latinLnBrk="0" hangingPunct="1">
+                        <a:lnSpc>
+                          <a:spcPct val="98000"/>
+                        </a:lnSpc>
+                        <a:spcBef>
+                          <a:spcPct val="0"/>
+                        </a:spcBef>
+                        <a:spcAft>
+                          <a:spcPct val="0"/>
+                        </a:spcAft>
+                        <a:buClrTx/>
+                        <a:buSzPct val="100000"/>
+                        <a:buFontTx/>
+                        <a:buNone/>
+                        <a:tabLst>
+                          <a:tab pos="0" algn="l"/>
+                          <a:tab pos="914400" algn="l"/>
+                          <a:tab pos="1828800" algn="l"/>
+                          <a:tab pos="2743200" algn="l"/>
+                          <a:tab pos="3657600" algn="l"/>
+                          <a:tab pos="4572000" algn="l"/>
+                          <a:tab pos="5486400" algn="l"/>
+                          <a:tab pos="6400800" algn="l"/>
+                          <a:tab pos="7315200" algn="l"/>
+                          <a:tab pos="8229600" algn="l"/>
+                          <a:tab pos="9144000" algn="l"/>
+                          <a:tab pos="10058400" algn="l"/>
+                        </a:tabLst>
+                      </a:pPr>
+                      <a:r>
+                        <a:rPr kumimoji="0" lang="pt-BR" altLang="pt-BR" sz="1400" b="1" i="0" u="none" strike="noStrike" cap="none" normalizeH="0" baseline="0" dirty="0">
+                          <a:ln>
+                            <a:noFill/>
+                          </a:ln>
+                          <a:solidFill>
+                            <a:srgbClr val="000000"/>
+                          </a:solidFill>
+                          <a:effectLst/>
+                          <a:latin typeface="Tahoma" pitchFamily="34" charset="0"/>
+                          <a:ea typeface="DejaVu Sans" charset="0"/>
+                          <a:cs typeface="DejaVu Sans" charset="0"/>
+                        </a:rPr>
+                        <a:t>mensagem: “Conta já cadastrada”.</a:t>
+                      </a:r>
                     </a:p>
                   </a:txBody>
                   <a:tcPr marL="90000" marR="90000" marT="49249" marB="45721" horzOverflow="overflow">
@@ -11019,6 +11447,2555 @@
           </a:graphicData>
         </a:graphic>
       </p:graphicFrame>
+      <p:graphicFrame>
+        <p:nvGraphicFramePr>
+          <p:cNvPr id="2" name="Tabela 1">
+            <a:extLst>
+              <a:ext uri="{FF2B5EF4-FFF2-40B4-BE49-F238E27FC236}">
+                <a16:creationId xmlns:a16="http://schemas.microsoft.com/office/drawing/2014/main" id="{B6FC2DF2-2BB9-405A-A767-A5C300B8D231}"/>
+              </a:ext>
+            </a:extLst>
+          </p:cNvPr>
+          <p:cNvGraphicFramePr>
+            <a:graphicFrameLocks noGrp="1"/>
+          </p:cNvGraphicFramePr>
+          <p:nvPr>
+            <p:extLst>
+              <p:ext uri="{D42A27DB-BD31-4B8C-83A1-F6EECF244321}">
+                <p14:modId xmlns:p14="http://schemas.microsoft.com/office/powerpoint/2010/main" val="835894025"/>
+              </p:ext>
+            </p:extLst>
+          </p:nvPr>
+        </p:nvGraphicFramePr>
+        <p:xfrm>
+          <a:off x="3047206" y="2715337"/>
+          <a:ext cx="6097588" cy="2912731"/>
+        </p:xfrm>
+        <a:graphic>
+          <a:graphicData uri="http://schemas.openxmlformats.org/drawingml/2006/table">
+            <a:tbl>
+              <a:tblPr/>
+              <a:tblGrid>
+                <a:gridCol w="3049588">
+                  <a:extLst>
+                    <a:ext uri="{9D8B030D-6E8A-4147-A177-3AD203B41FA5}">
+                      <a16:colId xmlns:a16="http://schemas.microsoft.com/office/drawing/2014/main" val="2471950142"/>
+                    </a:ext>
+                  </a:extLst>
+                </a:gridCol>
+                <a:gridCol w="3048000">
+                  <a:extLst>
+                    <a:ext uri="{9D8B030D-6E8A-4147-A177-3AD203B41FA5}">
+                      <a16:colId xmlns:a16="http://schemas.microsoft.com/office/drawing/2014/main" val="3542249317"/>
+                    </a:ext>
+                  </a:extLst>
+                </a:gridCol>
+              </a:tblGrid>
+              <a:tr h="731859">
+                <a:tc>
+                  <a:txBody>
+                    <a:bodyPr/>
+                    <a:lstStyle>
+                      <a:lvl1pPr eaLnBrk="0" hangingPunct="0">
+                        <a:spcBef>
+                          <a:spcPts val="800"/>
+                        </a:spcBef>
+                        <a:tabLst>
+                          <a:tab pos="0" algn="l"/>
+                          <a:tab pos="914400" algn="l"/>
+                          <a:tab pos="1828800" algn="l"/>
+                          <a:tab pos="2743200" algn="l"/>
+                          <a:tab pos="3657600" algn="l"/>
+                          <a:tab pos="4572000" algn="l"/>
+                          <a:tab pos="5486400" algn="l"/>
+                          <a:tab pos="6400800" algn="l"/>
+                          <a:tab pos="7315200" algn="l"/>
+                          <a:tab pos="8229600" algn="l"/>
+                          <a:tab pos="9144000" algn="l"/>
+                          <a:tab pos="10058400" algn="l"/>
+                        </a:tabLst>
+                        <a:defRPr>
+                          <a:solidFill>
+                            <a:srgbClr val="000000"/>
+                          </a:solidFill>
+                          <a:latin typeface="Tahoma" pitchFamily="34" charset="0"/>
+                          <a:ea typeface="DejaVu Sans" charset="0"/>
+                          <a:cs typeface="DejaVu Sans" charset="0"/>
+                        </a:defRPr>
+                      </a:lvl1pPr>
+                      <a:lvl2pPr eaLnBrk="0" hangingPunct="0">
+                        <a:spcBef>
+                          <a:spcPts val="700"/>
+                        </a:spcBef>
+                        <a:tabLst>
+                          <a:tab pos="0" algn="l"/>
+                          <a:tab pos="914400" algn="l"/>
+                          <a:tab pos="1828800" algn="l"/>
+                          <a:tab pos="2743200" algn="l"/>
+                          <a:tab pos="3657600" algn="l"/>
+                          <a:tab pos="4572000" algn="l"/>
+                          <a:tab pos="5486400" algn="l"/>
+                          <a:tab pos="6400800" algn="l"/>
+                          <a:tab pos="7315200" algn="l"/>
+                          <a:tab pos="8229600" algn="l"/>
+                          <a:tab pos="9144000" algn="l"/>
+                          <a:tab pos="10058400" algn="l"/>
+                        </a:tabLst>
+                        <a:defRPr sz="2400">
+                          <a:solidFill>
+                            <a:srgbClr val="000000"/>
+                          </a:solidFill>
+                          <a:latin typeface="Tahoma" pitchFamily="34" charset="0"/>
+                          <a:ea typeface="DejaVu Sans" charset="0"/>
+                          <a:cs typeface="DejaVu Sans" charset="0"/>
+                        </a:defRPr>
+                      </a:lvl2pPr>
+                      <a:lvl3pPr eaLnBrk="0" hangingPunct="0">
+                        <a:spcBef>
+                          <a:spcPts val="600"/>
+                        </a:spcBef>
+                        <a:tabLst>
+                          <a:tab pos="0" algn="l"/>
+                          <a:tab pos="914400" algn="l"/>
+                          <a:tab pos="1828800" algn="l"/>
+                          <a:tab pos="2743200" algn="l"/>
+                          <a:tab pos="3657600" algn="l"/>
+                          <a:tab pos="4572000" algn="l"/>
+                          <a:tab pos="5486400" algn="l"/>
+                          <a:tab pos="6400800" algn="l"/>
+                          <a:tab pos="7315200" algn="l"/>
+                          <a:tab pos="8229600" algn="l"/>
+                          <a:tab pos="9144000" algn="l"/>
+                          <a:tab pos="10058400" algn="l"/>
+                        </a:tabLst>
+                        <a:defRPr sz="2000">
+                          <a:solidFill>
+                            <a:srgbClr val="000000"/>
+                          </a:solidFill>
+                          <a:latin typeface="Tahoma" pitchFamily="34" charset="0"/>
+                          <a:ea typeface="DejaVu Sans" charset="0"/>
+                          <a:cs typeface="DejaVu Sans" charset="0"/>
+                        </a:defRPr>
+                      </a:lvl3pPr>
+                      <a:lvl4pPr eaLnBrk="0" hangingPunct="0">
+                        <a:spcBef>
+                          <a:spcPts val="500"/>
+                        </a:spcBef>
+                        <a:tabLst>
+                          <a:tab pos="0" algn="l"/>
+                          <a:tab pos="914400" algn="l"/>
+                          <a:tab pos="1828800" algn="l"/>
+                          <a:tab pos="2743200" algn="l"/>
+                          <a:tab pos="3657600" algn="l"/>
+                          <a:tab pos="4572000" algn="l"/>
+                          <a:tab pos="5486400" algn="l"/>
+                          <a:tab pos="6400800" algn="l"/>
+                          <a:tab pos="7315200" algn="l"/>
+                          <a:tab pos="8229600" algn="l"/>
+                          <a:tab pos="9144000" algn="l"/>
+                          <a:tab pos="10058400" algn="l"/>
+                        </a:tabLst>
+                        <a:defRPr>
+                          <a:solidFill>
+                            <a:srgbClr val="000000"/>
+                          </a:solidFill>
+                          <a:latin typeface="Tahoma" pitchFamily="34" charset="0"/>
+                          <a:ea typeface="DejaVu Sans" charset="0"/>
+                          <a:cs typeface="DejaVu Sans" charset="0"/>
+                        </a:defRPr>
+                      </a:lvl4pPr>
+                      <a:lvl5pPr eaLnBrk="0" hangingPunct="0">
+                        <a:spcBef>
+                          <a:spcPts val="500"/>
+                        </a:spcBef>
+                        <a:tabLst>
+                          <a:tab pos="0" algn="l"/>
+                          <a:tab pos="914400" algn="l"/>
+                          <a:tab pos="1828800" algn="l"/>
+                          <a:tab pos="2743200" algn="l"/>
+                          <a:tab pos="3657600" algn="l"/>
+                          <a:tab pos="4572000" algn="l"/>
+                          <a:tab pos="5486400" algn="l"/>
+                          <a:tab pos="6400800" algn="l"/>
+                          <a:tab pos="7315200" algn="l"/>
+                          <a:tab pos="8229600" algn="l"/>
+                          <a:tab pos="9144000" algn="l"/>
+                          <a:tab pos="10058400" algn="l"/>
+                        </a:tabLst>
+                        <a:defRPr>
+                          <a:solidFill>
+                            <a:srgbClr val="000000"/>
+                          </a:solidFill>
+                          <a:latin typeface="Tahoma" pitchFamily="34" charset="0"/>
+                          <a:ea typeface="DejaVu Sans" charset="0"/>
+                          <a:cs typeface="DejaVu Sans" charset="0"/>
+                        </a:defRPr>
+                      </a:lvl5pPr>
+                      <a:lvl6pPr marL="2514600" indent="-228600" defTabSz="449263" eaLnBrk="0" fontAlgn="base" hangingPunct="0">
+                        <a:spcBef>
+                          <a:spcPts val="500"/>
+                        </a:spcBef>
+                        <a:spcAft>
+                          <a:spcPct val="0"/>
+                        </a:spcAft>
+                        <a:buClr>
+                          <a:srgbClr val="000000"/>
+                        </a:buClr>
+                        <a:buSzPct val="100000"/>
+                        <a:buFont typeface="Times New Roman" pitchFamily="18" charset="0"/>
+                        <a:tabLst>
+                          <a:tab pos="0" algn="l"/>
+                          <a:tab pos="914400" algn="l"/>
+                          <a:tab pos="1828800" algn="l"/>
+                          <a:tab pos="2743200" algn="l"/>
+                          <a:tab pos="3657600" algn="l"/>
+                          <a:tab pos="4572000" algn="l"/>
+                          <a:tab pos="5486400" algn="l"/>
+                          <a:tab pos="6400800" algn="l"/>
+                          <a:tab pos="7315200" algn="l"/>
+                          <a:tab pos="8229600" algn="l"/>
+                          <a:tab pos="9144000" algn="l"/>
+                          <a:tab pos="10058400" algn="l"/>
+                        </a:tabLst>
+                        <a:defRPr>
+                          <a:solidFill>
+                            <a:srgbClr val="000000"/>
+                          </a:solidFill>
+                          <a:latin typeface="Tahoma" pitchFamily="34" charset="0"/>
+                          <a:ea typeface="DejaVu Sans" charset="0"/>
+                          <a:cs typeface="DejaVu Sans" charset="0"/>
+                        </a:defRPr>
+                      </a:lvl6pPr>
+                      <a:lvl7pPr marL="2971800" indent="-228600" defTabSz="449263" eaLnBrk="0" fontAlgn="base" hangingPunct="0">
+                        <a:spcBef>
+                          <a:spcPts val="500"/>
+                        </a:spcBef>
+                        <a:spcAft>
+                          <a:spcPct val="0"/>
+                        </a:spcAft>
+                        <a:buClr>
+                          <a:srgbClr val="000000"/>
+                        </a:buClr>
+                        <a:buSzPct val="100000"/>
+                        <a:buFont typeface="Times New Roman" pitchFamily="18" charset="0"/>
+                        <a:tabLst>
+                          <a:tab pos="0" algn="l"/>
+                          <a:tab pos="914400" algn="l"/>
+                          <a:tab pos="1828800" algn="l"/>
+                          <a:tab pos="2743200" algn="l"/>
+                          <a:tab pos="3657600" algn="l"/>
+                          <a:tab pos="4572000" algn="l"/>
+                          <a:tab pos="5486400" algn="l"/>
+                          <a:tab pos="6400800" algn="l"/>
+                          <a:tab pos="7315200" algn="l"/>
+                          <a:tab pos="8229600" algn="l"/>
+                          <a:tab pos="9144000" algn="l"/>
+                          <a:tab pos="10058400" algn="l"/>
+                        </a:tabLst>
+                        <a:defRPr>
+                          <a:solidFill>
+                            <a:srgbClr val="000000"/>
+                          </a:solidFill>
+                          <a:latin typeface="Tahoma" pitchFamily="34" charset="0"/>
+                          <a:ea typeface="DejaVu Sans" charset="0"/>
+                          <a:cs typeface="DejaVu Sans" charset="0"/>
+                        </a:defRPr>
+                      </a:lvl7pPr>
+                      <a:lvl8pPr marL="3429000" indent="-228600" defTabSz="449263" eaLnBrk="0" fontAlgn="base" hangingPunct="0">
+                        <a:spcBef>
+                          <a:spcPts val="500"/>
+                        </a:spcBef>
+                        <a:spcAft>
+                          <a:spcPct val="0"/>
+                        </a:spcAft>
+                        <a:buClr>
+                          <a:srgbClr val="000000"/>
+                        </a:buClr>
+                        <a:buSzPct val="100000"/>
+                        <a:buFont typeface="Times New Roman" pitchFamily="18" charset="0"/>
+                        <a:tabLst>
+                          <a:tab pos="0" algn="l"/>
+                          <a:tab pos="914400" algn="l"/>
+                          <a:tab pos="1828800" algn="l"/>
+                          <a:tab pos="2743200" algn="l"/>
+                          <a:tab pos="3657600" algn="l"/>
+                          <a:tab pos="4572000" algn="l"/>
+                          <a:tab pos="5486400" algn="l"/>
+                          <a:tab pos="6400800" algn="l"/>
+                          <a:tab pos="7315200" algn="l"/>
+                          <a:tab pos="8229600" algn="l"/>
+                          <a:tab pos="9144000" algn="l"/>
+                          <a:tab pos="10058400" algn="l"/>
+                        </a:tabLst>
+                        <a:defRPr>
+                          <a:solidFill>
+                            <a:srgbClr val="000000"/>
+                          </a:solidFill>
+                          <a:latin typeface="Tahoma" pitchFamily="34" charset="0"/>
+                          <a:ea typeface="DejaVu Sans" charset="0"/>
+                          <a:cs typeface="DejaVu Sans" charset="0"/>
+                        </a:defRPr>
+                      </a:lvl8pPr>
+                      <a:lvl9pPr marL="3886200" indent="-228600" defTabSz="449263" eaLnBrk="0" fontAlgn="base" hangingPunct="0">
+                        <a:spcBef>
+                          <a:spcPts val="500"/>
+                        </a:spcBef>
+                        <a:spcAft>
+                          <a:spcPct val="0"/>
+                        </a:spcAft>
+                        <a:buClr>
+                          <a:srgbClr val="000000"/>
+                        </a:buClr>
+                        <a:buSzPct val="100000"/>
+                        <a:buFont typeface="Times New Roman" pitchFamily="18" charset="0"/>
+                        <a:tabLst>
+                          <a:tab pos="0" algn="l"/>
+                          <a:tab pos="914400" algn="l"/>
+                          <a:tab pos="1828800" algn="l"/>
+                          <a:tab pos="2743200" algn="l"/>
+                          <a:tab pos="3657600" algn="l"/>
+                          <a:tab pos="4572000" algn="l"/>
+                          <a:tab pos="5486400" algn="l"/>
+                          <a:tab pos="6400800" algn="l"/>
+                          <a:tab pos="7315200" algn="l"/>
+                          <a:tab pos="8229600" algn="l"/>
+                          <a:tab pos="9144000" algn="l"/>
+                          <a:tab pos="10058400" algn="l"/>
+                        </a:tabLst>
+                        <a:defRPr>
+                          <a:solidFill>
+                            <a:srgbClr val="000000"/>
+                          </a:solidFill>
+                          <a:latin typeface="Tahoma" pitchFamily="34" charset="0"/>
+                          <a:ea typeface="DejaVu Sans" charset="0"/>
+                          <a:cs typeface="DejaVu Sans" charset="0"/>
+                        </a:defRPr>
+                      </a:lvl9pPr>
+                    </a:lstStyle>
+                    <a:p>
+                      <a:pPr marL="0" marR="0" lvl="0" indent="0" algn="l" defTabSz="449263" rtl="0" eaLnBrk="1" fontAlgn="base" latinLnBrk="0" hangingPunct="1">
+                        <a:lnSpc>
+                          <a:spcPct val="98000"/>
+                        </a:lnSpc>
+                        <a:spcBef>
+                          <a:spcPct val="0"/>
+                        </a:spcBef>
+                        <a:spcAft>
+                          <a:spcPct val="0"/>
+                        </a:spcAft>
+                        <a:buClrTx/>
+                        <a:buSzPct val="100000"/>
+                        <a:buFontTx/>
+                        <a:buNone/>
+                        <a:tabLst>
+                          <a:tab pos="0" algn="l"/>
+                          <a:tab pos="914400" algn="l"/>
+                          <a:tab pos="1828800" algn="l"/>
+                          <a:tab pos="2743200" algn="l"/>
+                          <a:tab pos="3657600" algn="l"/>
+                          <a:tab pos="4572000" algn="l"/>
+                          <a:tab pos="5486400" algn="l"/>
+                          <a:tab pos="6400800" algn="l"/>
+                          <a:tab pos="7315200" algn="l"/>
+                          <a:tab pos="8229600" algn="l"/>
+                          <a:tab pos="9144000" algn="l"/>
+                          <a:tab pos="10058400" algn="l"/>
+                        </a:tabLst>
+                      </a:pPr>
+                      <a:r>
+                        <a:rPr kumimoji="0" lang="pt-BR" altLang="pt-BR" sz="1400" b="1" i="0" u="none" strike="noStrike" cap="none" normalizeH="0" baseline="0" dirty="0">
+                          <a:ln>
+                            <a:noFill/>
+                          </a:ln>
+                          <a:solidFill>
+                            <a:srgbClr val="000000"/>
+                          </a:solidFill>
+                          <a:effectLst/>
+                          <a:latin typeface="Tahoma" pitchFamily="34" charset="0"/>
+                          <a:ea typeface="DejaVu Sans" charset="0"/>
+                          <a:cs typeface="DejaVu Sans" charset="0"/>
+                        </a:rPr>
+                        <a:t>1. Escolher a opção “Criar Conta”</a:t>
+                      </a:r>
+                    </a:p>
+                  </a:txBody>
+                  <a:tcPr marL="90000" marR="90000" marT="49249" marB="45721" horzOverflow="overflow">
+                    <a:lnL w="2880" cap="flat" cmpd="sng" algn="ctr">
+                      <a:solidFill>
+                        <a:srgbClr val="FFFFFF"/>
+                      </a:solidFill>
+                      <a:prstDash val="solid"/>
+                      <a:round/>
+                      <a:headEnd type="none" w="med" len="med"/>
+                      <a:tailEnd type="none" w="med" len="med"/>
+                    </a:lnL>
+                    <a:lnR w="2880" cap="flat" cmpd="sng" algn="ctr">
+                      <a:solidFill>
+                        <a:srgbClr val="FFFFFF"/>
+                      </a:solidFill>
+                      <a:prstDash val="solid"/>
+                      <a:round/>
+                      <a:headEnd type="none" w="med" len="med"/>
+                      <a:tailEnd type="none" w="med" len="med"/>
+                    </a:lnR>
+                    <a:lnT w="2880" cap="flat" cmpd="sng" algn="ctr">
+                      <a:solidFill>
+                        <a:srgbClr val="FFFFFF"/>
+                      </a:solidFill>
+                      <a:prstDash val="solid"/>
+                      <a:round/>
+                      <a:headEnd type="none" w="med" len="med"/>
+                      <a:tailEnd type="none" w="med" len="med"/>
+                    </a:lnT>
+                    <a:lnB w="2880" cap="flat" cmpd="sng" algn="ctr">
+                      <a:solidFill>
+                        <a:srgbClr val="FFFFFF"/>
+                      </a:solidFill>
+                      <a:prstDash val="solid"/>
+                      <a:round/>
+                      <a:headEnd type="none" w="med" len="med"/>
+                      <a:tailEnd type="none" w="med" len="med"/>
+                    </a:lnB>
+                    <a:lnTlToBr>
+                      <a:noFill/>
+                    </a:lnTlToBr>
+                    <a:lnBlToTr>
+                      <a:noFill/>
+                    </a:lnBlToTr>
+                    <a:solidFill>
+                      <a:srgbClr val="CCD1E1"/>
+                    </a:solidFill>
+                  </a:tcPr>
+                </a:tc>
+                <a:tc>
+                  <a:txBody>
+                    <a:bodyPr/>
+                    <a:lstStyle>
+                      <a:lvl1pPr eaLnBrk="0" hangingPunct="0">
+                        <a:spcBef>
+                          <a:spcPts val="800"/>
+                        </a:spcBef>
+                        <a:tabLst>
+                          <a:tab pos="0" algn="l"/>
+                          <a:tab pos="914400" algn="l"/>
+                          <a:tab pos="1828800" algn="l"/>
+                          <a:tab pos="2743200" algn="l"/>
+                          <a:tab pos="3657600" algn="l"/>
+                          <a:tab pos="4572000" algn="l"/>
+                          <a:tab pos="5486400" algn="l"/>
+                          <a:tab pos="6400800" algn="l"/>
+                          <a:tab pos="7315200" algn="l"/>
+                          <a:tab pos="8229600" algn="l"/>
+                          <a:tab pos="9144000" algn="l"/>
+                          <a:tab pos="10058400" algn="l"/>
+                        </a:tabLst>
+                        <a:defRPr>
+                          <a:solidFill>
+                            <a:srgbClr val="000000"/>
+                          </a:solidFill>
+                          <a:latin typeface="Tahoma" pitchFamily="34" charset="0"/>
+                          <a:ea typeface="DejaVu Sans" charset="0"/>
+                          <a:cs typeface="DejaVu Sans" charset="0"/>
+                        </a:defRPr>
+                      </a:lvl1pPr>
+                      <a:lvl2pPr eaLnBrk="0" hangingPunct="0">
+                        <a:spcBef>
+                          <a:spcPts val="700"/>
+                        </a:spcBef>
+                        <a:tabLst>
+                          <a:tab pos="0" algn="l"/>
+                          <a:tab pos="914400" algn="l"/>
+                          <a:tab pos="1828800" algn="l"/>
+                          <a:tab pos="2743200" algn="l"/>
+                          <a:tab pos="3657600" algn="l"/>
+                          <a:tab pos="4572000" algn="l"/>
+                          <a:tab pos="5486400" algn="l"/>
+                          <a:tab pos="6400800" algn="l"/>
+                          <a:tab pos="7315200" algn="l"/>
+                          <a:tab pos="8229600" algn="l"/>
+                          <a:tab pos="9144000" algn="l"/>
+                          <a:tab pos="10058400" algn="l"/>
+                        </a:tabLst>
+                        <a:defRPr sz="2400">
+                          <a:solidFill>
+                            <a:srgbClr val="000000"/>
+                          </a:solidFill>
+                          <a:latin typeface="Tahoma" pitchFamily="34" charset="0"/>
+                          <a:ea typeface="DejaVu Sans" charset="0"/>
+                          <a:cs typeface="DejaVu Sans" charset="0"/>
+                        </a:defRPr>
+                      </a:lvl2pPr>
+                      <a:lvl3pPr eaLnBrk="0" hangingPunct="0">
+                        <a:spcBef>
+                          <a:spcPts val="600"/>
+                        </a:spcBef>
+                        <a:tabLst>
+                          <a:tab pos="0" algn="l"/>
+                          <a:tab pos="914400" algn="l"/>
+                          <a:tab pos="1828800" algn="l"/>
+                          <a:tab pos="2743200" algn="l"/>
+                          <a:tab pos="3657600" algn="l"/>
+                          <a:tab pos="4572000" algn="l"/>
+                          <a:tab pos="5486400" algn="l"/>
+                          <a:tab pos="6400800" algn="l"/>
+                          <a:tab pos="7315200" algn="l"/>
+                          <a:tab pos="8229600" algn="l"/>
+                          <a:tab pos="9144000" algn="l"/>
+                          <a:tab pos="10058400" algn="l"/>
+                        </a:tabLst>
+                        <a:defRPr sz="2000">
+                          <a:solidFill>
+                            <a:srgbClr val="000000"/>
+                          </a:solidFill>
+                          <a:latin typeface="Tahoma" pitchFamily="34" charset="0"/>
+                          <a:ea typeface="DejaVu Sans" charset="0"/>
+                          <a:cs typeface="DejaVu Sans" charset="0"/>
+                        </a:defRPr>
+                      </a:lvl3pPr>
+                      <a:lvl4pPr eaLnBrk="0" hangingPunct="0">
+                        <a:spcBef>
+                          <a:spcPts val="500"/>
+                        </a:spcBef>
+                        <a:tabLst>
+                          <a:tab pos="0" algn="l"/>
+                          <a:tab pos="914400" algn="l"/>
+                          <a:tab pos="1828800" algn="l"/>
+                          <a:tab pos="2743200" algn="l"/>
+                          <a:tab pos="3657600" algn="l"/>
+                          <a:tab pos="4572000" algn="l"/>
+                          <a:tab pos="5486400" algn="l"/>
+                          <a:tab pos="6400800" algn="l"/>
+                          <a:tab pos="7315200" algn="l"/>
+                          <a:tab pos="8229600" algn="l"/>
+                          <a:tab pos="9144000" algn="l"/>
+                          <a:tab pos="10058400" algn="l"/>
+                        </a:tabLst>
+                        <a:defRPr>
+                          <a:solidFill>
+                            <a:srgbClr val="000000"/>
+                          </a:solidFill>
+                          <a:latin typeface="Tahoma" pitchFamily="34" charset="0"/>
+                          <a:ea typeface="DejaVu Sans" charset="0"/>
+                          <a:cs typeface="DejaVu Sans" charset="0"/>
+                        </a:defRPr>
+                      </a:lvl4pPr>
+                      <a:lvl5pPr eaLnBrk="0" hangingPunct="0">
+                        <a:spcBef>
+                          <a:spcPts val="500"/>
+                        </a:spcBef>
+                        <a:tabLst>
+                          <a:tab pos="0" algn="l"/>
+                          <a:tab pos="914400" algn="l"/>
+                          <a:tab pos="1828800" algn="l"/>
+                          <a:tab pos="2743200" algn="l"/>
+                          <a:tab pos="3657600" algn="l"/>
+                          <a:tab pos="4572000" algn="l"/>
+                          <a:tab pos="5486400" algn="l"/>
+                          <a:tab pos="6400800" algn="l"/>
+                          <a:tab pos="7315200" algn="l"/>
+                          <a:tab pos="8229600" algn="l"/>
+                          <a:tab pos="9144000" algn="l"/>
+                          <a:tab pos="10058400" algn="l"/>
+                        </a:tabLst>
+                        <a:defRPr>
+                          <a:solidFill>
+                            <a:srgbClr val="000000"/>
+                          </a:solidFill>
+                          <a:latin typeface="Tahoma" pitchFamily="34" charset="0"/>
+                          <a:ea typeface="DejaVu Sans" charset="0"/>
+                          <a:cs typeface="DejaVu Sans" charset="0"/>
+                        </a:defRPr>
+                      </a:lvl5pPr>
+                      <a:lvl6pPr marL="2514600" indent="-228600" defTabSz="449263" eaLnBrk="0" fontAlgn="base" hangingPunct="0">
+                        <a:spcBef>
+                          <a:spcPts val="500"/>
+                        </a:spcBef>
+                        <a:spcAft>
+                          <a:spcPct val="0"/>
+                        </a:spcAft>
+                        <a:buClr>
+                          <a:srgbClr val="000000"/>
+                        </a:buClr>
+                        <a:buSzPct val="100000"/>
+                        <a:buFont typeface="Times New Roman" pitchFamily="18" charset="0"/>
+                        <a:tabLst>
+                          <a:tab pos="0" algn="l"/>
+                          <a:tab pos="914400" algn="l"/>
+                          <a:tab pos="1828800" algn="l"/>
+                          <a:tab pos="2743200" algn="l"/>
+                          <a:tab pos="3657600" algn="l"/>
+                          <a:tab pos="4572000" algn="l"/>
+                          <a:tab pos="5486400" algn="l"/>
+                          <a:tab pos="6400800" algn="l"/>
+                          <a:tab pos="7315200" algn="l"/>
+                          <a:tab pos="8229600" algn="l"/>
+                          <a:tab pos="9144000" algn="l"/>
+                          <a:tab pos="10058400" algn="l"/>
+                        </a:tabLst>
+                        <a:defRPr>
+                          <a:solidFill>
+                            <a:srgbClr val="000000"/>
+                          </a:solidFill>
+                          <a:latin typeface="Tahoma" pitchFamily="34" charset="0"/>
+                          <a:ea typeface="DejaVu Sans" charset="0"/>
+                          <a:cs typeface="DejaVu Sans" charset="0"/>
+                        </a:defRPr>
+                      </a:lvl6pPr>
+                      <a:lvl7pPr marL="2971800" indent="-228600" defTabSz="449263" eaLnBrk="0" fontAlgn="base" hangingPunct="0">
+                        <a:spcBef>
+                          <a:spcPts val="500"/>
+                        </a:spcBef>
+                        <a:spcAft>
+                          <a:spcPct val="0"/>
+                        </a:spcAft>
+                        <a:buClr>
+                          <a:srgbClr val="000000"/>
+                        </a:buClr>
+                        <a:buSzPct val="100000"/>
+                        <a:buFont typeface="Times New Roman" pitchFamily="18" charset="0"/>
+                        <a:tabLst>
+                          <a:tab pos="0" algn="l"/>
+                          <a:tab pos="914400" algn="l"/>
+                          <a:tab pos="1828800" algn="l"/>
+                          <a:tab pos="2743200" algn="l"/>
+                          <a:tab pos="3657600" algn="l"/>
+                          <a:tab pos="4572000" algn="l"/>
+                          <a:tab pos="5486400" algn="l"/>
+                          <a:tab pos="6400800" algn="l"/>
+                          <a:tab pos="7315200" algn="l"/>
+                          <a:tab pos="8229600" algn="l"/>
+                          <a:tab pos="9144000" algn="l"/>
+                          <a:tab pos="10058400" algn="l"/>
+                        </a:tabLst>
+                        <a:defRPr>
+                          <a:solidFill>
+                            <a:srgbClr val="000000"/>
+                          </a:solidFill>
+                          <a:latin typeface="Tahoma" pitchFamily="34" charset="0"/>
+                          <a:ea typeface="DejaVu Sans" charset="0"/>
+                          <a:cs typeface="DejaVu Sans" charset="0"/>
+                        </a:defRPr>
+                      </a:lvl7pPr>
+                      <a:lvl8pPr marL="3429000" indent="-228600" defTabSz="449263" eaLnBrk="0" fontAlgn="base" hangingPunct="0">
+                        <a:spcBef>
+                          <a:spcPts val="500"/>
+                        </a:spcBef>
+                        <a:spcAft>
+                          <a:spcPct val="0"/>
+                        </a:spcAft>
+                        <a:buClr>
+                          <a:srgbClr val="000000"/>
+                        </a:buClr>
+                        <a:buSzPct val="100000"/>
+                        <a:buFont typeface="Times New Roman" pitchFamily="18" charset="0"/>
+                        <a:tabLst>
+                          <a:tab pos="0" algn="l"/>
+                          <a:tab pos="914400" algn="l"/>
+                          <a:tab pos="1828800" algn="l"/>
+                          <a:tab pos="2743200" algn="l"/>
+                          <a:tab pos="3657600" algn="l"/>
+                          <a:tab pos="4572000" algn="l"/>
+                          <a:tab pos="5486400" algn="l"/>
+                          <a:tab pos="6400800" algn="l"/>
+                          <a:tab pos="7315200" algn="l"/>
+                          <a:tab pos="8229600" algn="l"/>
+                          <a:tab pos="9144000" algn="l"/>
+                          <a:tab pos="10058400" algn="l"/>
+                        </a:tabLst>
+                        <a:defRPr>
+                          <a:solidFill>
+                            <a:srgbClr val="000000"/>
+                          </a:solidFill>
+                          <a:latin typeface="Tahoma" pitchFamily="34" charset="0"/>
+                          <a:ea typeface="DejaVu Sans" charset="0"/>
+                          <a:cs typeface="DejaVu Sans" charset="0"/>
+                        </a:defRPr>
+                      </a:lvl8pPr>
+                      <a:lvl9pPr marL="3886200" indent="-228600" defTabSz="449263" eaLnBrk="0" fontAlgn="base" hangingPunct="0">
+                        <a:spcBef>
+                          <a:spcPts val="500"/>
+                        </a:spcBef>
+                        <a:spcAft>
+                          <a:spcPct val="0"/>
+                        </a:spcAft>
+                        <a:buClr>
+                          <a:srgbClr val="000000"/>
+                        </a:buClr>
+                        <a:buSzPct val="100000"/>
+                        <a:buFont typeface="Times New Roman" pitchFamily="18" charset="0"/>
+                        <a:tabLst>
+                          <a:tab pos="0" algn="l"/>
+                          <a:tab pos="914400" algn="l"/>
+                          <a:tab pos="1828800" algn="l"/>
+                          <a:tab pos="2743200" algn="l"/>
+                          <a:tab pos="3657600" algn="l"/>
+                          <a:tab pos="4572000" algn="l"/>
+                          <a:tab pos="5486400" algn="l"/>
+                          <a:tab pos="6400800" algn="l"/>
+                          <a:tab pos="7315200" algn="l"/>
+                          <a:tab pos="8229600" algn="l"/>
+                          <a:tab pos="9144000" algn="l"/>
+                          <a:tab pos="10058400" algn="l"/>
+                        </a:tabLst>
+                        <a:defRPr>
+                          <a:solidFill>
+                            <a:srgbClr val="000000"/>
+                          </a:solidFill>
+                          <a:latin typeface="Tahoma" pitchFamily="34" charset="0"/>
+                          <a:ea typeface="DejaVu Sans" charset="0"/>
+                          <a:cs typeface="DejaVu Sans" charset="0"/>
+                        </a:defRPr>
+                      </a:lvl9pPr>
+                    </a:lstStyle>
+                    <a:p>
+                      <a:pPr marL="0" marR="0" lvl="0" indent="0" algn="l" defTabSz="449263" rtl="0" eaLnBrk="1" fontAlgn="base" latinLnBrk="0" hangingPunct="1">
+                        <a:lnSpc>
+                          <a:spcPct val="98000"/>
+                        </a:lnSpc>
+                        <a:spcBef>
+                          <a:spcPct val="0"/>
+                        </a:spcBef>
+                        <a:spcAft>
+                          <a:spcPct val="0"/>
+                        </a:spcAft>
+                        <a:buClrTx/>
+                        <a:buSzPct val="100000"/>
+                        <a:buFontTx/>
+                        <a:buNone/>
+                        <a:tabLst>
+                          <a:tab pos="0" algn="l"/>
+                          <a:tab pos="914400" algn="l"/>
+                          <a:tab pos="1828800" algn="l"/>
+                          <a:tab pos="2743200" algn="l"/>
+                          <a:tab pos="3657600" algn="l"/>
+                          <a:tab pos="4572000" algn="l"/>
+                          <a:tab pos="5486400" algn="l"/>
+                          <a:tab pos="6400800" algn="l"/>
+                          <a:tab pos="7315200" algn="l"/>
+                          <a:tab pos="8229600" algn="l"/>
+                          <a:tab pos="9144000" algn="l"/>
+                          <a:tab pos="10058400" algn="l"/>
+                        </a:tabLst>
+                      </a:pPr>
+                      <a:r>
+                        <a:rPr kumimoji="0" lang="pt-BR" altLang="pt-BR" sz="1400" b="1" i="0" u="none" strike="noStrike" cap="none" normalizeH="0" baseline="0" dirty="0">
+                          <a:ln>
+                            <a:noFill/>
+                          </a:ln>
+                          <a:solidFill>
+                            <a:srgbClr val="000000"/>
+                          </a:solidFill>
+                          <a:effectLst/>
+                          <a:latin typeface="Tahoma" pitchFamily="34" charset="0"/>
+                          <a:ea typeface="DejaVu Sans" charset="0"/>
+                          <a:cs typeface="DejaVu Sans" charset="0"/>
+                        </a:rPr>
+                        <a:t>Deve aparecer uma tela</a:t>
+                      </a:r>
+                    </a:p>
+                    <a:p>
+                      <a:pPr marL="0" marR="0" lvl="0" indent="0" algn="l" defTabSz="449263" rtl="0" eaLnBrk="1" fontAlgn="base" latinLnBrk="0" hangingPunct="1">
+                        <a:lnSpc>
+                          <a:spcPct val="98000"/>
+                        </a:lnSpc>
+                        <a:spcBef>
+                          <a:spcPct val="0"/>
+                        </a:spcBef>
+                        <a:spcAft>
+                          <a:spcPct val="0"/>
+                        </a:spcAft>
+                        <a:buClrTx/>
+                        <a:buSzPct val="100000"/>
+                        <a:buFontTx/>
+                        <a:buNone/>
+                        <a:tabLst>
+                          <a:tab pos="0" algn="l"/>
+                          <a:tab pos="914400" algn="l"/>
+                          <a:tab pos="1828800" algn="l"/>
+                          <a:tab pos="2743200" algn="l"/>
+                          <a:tab pos="3657600" algn="l"/>
+                          <a:tab pos="4572000" algn="l"/>
+                          <a:tab pos="5486400" algn="l"/>
+                          <a:tab pos="6400800" algn="l"/>
+                          <a:tab pos="7315200" algn="l"/>
+                          <a:tab pos="8229600" algn="l"/>
+                          <a:tab pos="9144000" algn="l"/>
+                          <a:tab pos="10058400" algn="l"/>
+                        </a:tabLst>
+                      </a:pPr>
+                      <a:r>
+                        <a:rPr kumimoji="0" lang="pt-BR" altLang="pt-BR" sz="1400" b="1" i="0" u="none" strike="noStrike" cap="none" normalizeH="0" baseline="0" dirty="0">
+                          <a:ln>
+                            <a:noFill/>
+                          </a:ln>
+                          <a:solidFill>
+                            <a:srgbClr val="000000"/>
+                          </a:solidFill>
+                          <a:effectLst/>
+                          <a:latin typeface="Tahoma" pitchFamily="34" charset="0"/>
+                          <a:ea typeface="DejaVu Sans" charset="0"/>
+                          <a:cs typeface="DejaVu Sans" charset="0"/>
+                        </a:rPr>
+                        <a:t>solicitando as informações da conta.</a:t>
+                      </a:r>
+                    </a:p>
+                  </a:txBody>
+                  <a:tcPr marL="90000" marR="90000" marT="49249" marB="45721" horzOverflow="overflow">
+                    <a:lnL w="2880" cap="flat" cmpd="sng" algn="ctr">
+                      <a:solidFill>
+                        <a:srgbClr val="FFFFFF"/>
+                      </a:solidFill>
+                      <a:prstDash val="solid"/>
+                      <a:round/>
+                      <a:headEnd type="none" w="med" len="med"/>
+                      <a:tailEnd type="none" w="med" len="med"/>
+                    </a:lnL>
+                    <a:lnR w="2880" cap="flat" cmpd="sng" algn="ctr">
+                      <a:solidFill>
+                        <a:srgbClr val="FFFFFF"/>
+                      </a:solidFill>
+                      <a:prstDash val="solid"/>
+                      <a:round/>
+                      <a:headEnd type="none" w="med" len="med"/>
+                      <a:tailEnd type="none" w="med" len="med"/>
+                    </a:lnR>
+                    <a:lnT w="2880" cap="flat" cmpd="sng" algn="ctr">
+                      <a:solidFill>
+                        <a:srgbClr val="FFFFFF"/>
+                      </a:solidFill>
+                      <a:prstDash val="solid"/>
+                      <a:round/>
+                      <a:headEnd type="none" w="med" len="med"/>
+                      <a:tailEnd type="none" w="med" len="med"/>
+                    </a:lnT>
+                    <a:lnB w="2880" cap="flat" cmpd="sng" algn="ctr">
+                      <a:solidFill>
+                        <a:srgbClr val="FFFFFF"/>
+                      </a:solidFill>
+                      <a:prstDash val="solid"/>
+                      <a:round/>
+                      <a:headEnd type="none" w="med" len="med"/>
+                      <a:tailEnd type="none" w="med" len="med"/>
+                    </a:lnB>
+                    <a:lnTlToBr>
+                      <a:noFill/>
+                    </a:lnTlToBr>
+                    <a:lnBlToTr>
+                      <a:noFill/>
+                    </a:lnBlToTr>
+                    <a:solidFill>
+                      <a:srgbClr val="CCD1E1"/>
+                    </a:solidFill>
+                  </a:tcPr>
+                </a:tc>
+                <a:extLst>
+                  <a:ext uri="{0D108BD9-81ED-4DB2-BD59-A6C34878D82A}">
+                    <a16:rowId xmlns:a16="http://schemas.microsoft.com/office/drawing/2014/main" val="288365826"/>
+                  </a:ext>
+                </a:extLst>
+              </a:tr>
+              <a:tr h="1157321">
+                <a:tc>
+                  <a:txBody>
+                    <a:bodyPr/>
+                    <a:lstStyle>
+                      <a:lvl1pPr eaLnBrk="0" hangingPunct="0">
+                        <a:spcBef>
+                          <a:spcPts val="800"/>
+                        </a:spcBef>
+                        <a:tabLst>
+                          <a:tab pos="0" algn="l"/>
+                          <a:tab pos="914400" algn="l"/>
+                          <a:tab pos="1828800" algn="l"/>
+                          <a:tab pos="2743200" algn="l"/>
+                          <a:tab pos="3657600" algn="l"/>
+                          <a:tab pos="4572000" algn="l"/>
+                          <a:tab pos="5486400" algn="l"/>
+                          <a:tab pos="6400800" algn="l"/>
+                          <a:tab pos="7315200" algn="l"/>
+                          <a:tab pos="8229600" algn="l"/>
+                          <a:tab pos="9144000" algn="l"/>
+                          <a:tab pos="10058400" algn="l"/>
+                        </a:tabLst>
+                        <a:defRPr>
+                          <a:solidFill>
+                            <a:srgbClr val="000000"/>
+                          </a:solidFill>
+                          <a:latin typeface="Tahoma" pitchFamily="34" charset="0"/>
+                          <a:ea typeface="DejaVu Sans" charset="0"/>
+                          <a:cs typeface="DejaVu Sans" charset="0"/>
+                        </a:defRPr>
+                      </a:lvl1pPr>
+                      <a:lvl2pPr eaLnBrk="0" hangingPunct="0">
+                        <a:spcBef>
+                          <a:spcPts val="700"/>
+                        </a:spcBef>
+                        <a:tabLst>
+                          <a:tab pos="0" algn="l"/>
+                          <a:tab pos="914400" algn="l"/>
+                          <a:tab pos="1828800" algn="l"/>
+                          <a:tab pos="2743200" algn="l"/>
+                          <a:tab pos="3657600" algn="l"/>
+                          <a:tab pos="4572000" algn="l"/>
+                          <a:tab pos="5486400" algn="l"/>
+                          <a:tab pos="6400800" algn="l"/>
+                          <a:tab pos="7315200" algn="l"/>
+                          <a:tab pos="8229600" algn="l"/>
+                          <a:tab pos="9144000" algn="l"/>
+                          <a:tab pos="10058400" algn="l"/>
+                        </a:tabLst>
+                        <a:defRPr sz="2400">
+                          <a:solidFill>
+                            <a:srgbClr val="000000"/>
+                          </a:solidFill>
+                          <a:latin typeface="Tahoma" pitchFamily="34" charset="0"/>
+                          <a:ea typeface="DejaVu Sans" charset="0"/>
+                          <a:cs typeface="DejaVu Sans" charset="0"/>
+                        </a:defRPr>
+                      </a:lvl2pPr>
+                      <a:lvl3pPr eaLnBrk="0" hangingPunct="0">
+                        <a:spcBef>
+                          <a:spcPts val="600"/>
+                        </a:spcBef>
+                        <a:tabLst>
+                          <a:tab pos="0" algn="l"/>
+                          <a:tab pos="914400" algn="l"/>
+                          <a:tab pos="1828800" algn="l"/>
+                          <a:tab pos="2743200" algn="l"/>
+                          <a:tab pos="3657600" algn="l"/>
+                          <a:tab pos="4572000" algn="l"/>
+                          <a:tab pos="5486400" algn="l"/>
+                          <a:tab pos="6400800" algn="l"/>
+                          <a:tab pos="7315200" algn="l"/>
+                          <a:tab pos="8229600" algn="l"/>
+                          <a:tab pos="9144000" algn="l"/>
+                          <a:tab pos="10058400" algn="l"/>
+                        </a:tabLst>
+                        <a:defRPr sz="2000">
+                          <a:solidFill>
+                            <a:srgbClr val="000000"/>
+                          </a:solidFill>
+                          <a:latin typeface="Tahoma" pitchFamily="34" charset="0"/>
+                          <a:ea typeface="DejaVu Sans" charset="0"/>
+                          <a:cs typeface="DejaVu Sans" charset="0"/>
+                        </a:defRPr>
+                      </a:lvl3pPr>
+                      <a:lvl4pPr eaLnBrk="0" hangingPunct="0">
+                        <a:spcBef>
+                          <a:spcPts val="500"/>
+                        </a:spcBef>
+                        <a:tabLst>
+                          <a:tab pos="0" algn="l"/>
+                          <a:tab pos="914400" algn="l"/>
+                          <a:tab pos="1828800" algn="l"/>
+                          <a:tab pos="2743200" algn="l"/>
+                          <a:tab pos="3657600" algn="l"/>
+                          <a:tab pos="4572000" algn="l"/>
+                          <a:tab pos="5486400" algn="l"/>
+                          <a:tab pos="6400800" algn="l"/>
+                          <a:tab pos="7315200" algn="l"/>
+                          <a:tab pos="8229600" algn="l"/>
+                          <a:tab pos="9144000" algn="l"/>
+                          <a:tab pos="10058400" algn="l"/>
+                        </a:tabLst>
+                        <a:defRPr>
+                          <a:solidFill>
+                            <a:srgbClr val="000000"/>
+                          </a:solidFill>
+                          <a:latin typeface="Tahoma" pitchFamily="34" charset="0"/>
+                          <a:ea typeface="DejaVu Sans" charset="0"/>
+                          <a:cs typeface="DejaVu Sans" charset="0"/>
+                        </a:defRPr>
+                      </a:lvl4pPr>
+                      <a:lvl5pPr eaLnBrk="0" hangingPunct="0">
+                        <a:spcBef>
+                          <a:spcPts val="500"/>
+                        </a:spcBef>
+                        <a:tabLst>
+                          <a:tab pos="0" algn="l"/>
+                          <a:tab pos="914400" algn="l"/>
+                          <a:tab pos="1828800" algn="l"/>
+                          <a:tab pos="2743200" algn="l"/>
+                          <a:tab pos="3657600" algn="l"/>
+                          <a:tab pos="4572000" algn="l"/>
+                          <a:tab pos="5486400" algn="l"/>
+                          <a:tab pos="6400800" algn="l"/>
+                          <a:tab pos="7315200" algn="l"/>
+                          <a:tab pos="8229600" algn="l"/>
+                          <a:tab pos="9144000" algn="l"/>
+                          <a:tab pos="10058400" algn="l"/>
+                        </a:tabLst>
+                        <a:defRPr>
+                          <a:solidFill>
+                            <a:srgbClr val="000000"/>
+                          </a:solidFill>
+                          <a:latin typeface="Tahoma" pitchFamily="34" charset="0"/>
+                          <a:ea typeface="DejaVu Sans" charset="0"/>
+                          <a:cs typeface="DejaVu Sans" charset="0"/>
+                        </a:defRPr>
+                      </a:lvl5pPr>
+                      <a:lvl6pPr marL="2514600" indent="-228600" defTabSz="449263" eaLnBrk="0" fontAlgn="base" hangingPunct="0">
+                        <a:spcBef>
+                          <a:spcPts val="500"/>
+                        </a:spcBef>
+                        <a:spcAft>
+                          <a:spcPct val="0"/>
+                        </a:spcAft>
+                        <a:buClr>
+                          <a:srgbClr val="000000"/>
+                        </a:buClr>
+                        <a:buSzPct val="100000"/>
+                        <a:buFont typeface="Times New Roman" pitchFamily="18" charset="0"/>
+                        <a:tabLst>
+                          <a:tab pos="0" algn="l"/>
+                          <a:tab pos="914400" algn="l"/>
+                          <a:tab pos="1828800" algn="l"/>
+                          <a:tab pos="2743200" algn="l"/>
+                          <a:tab pos="3657600" algn="l"/>
+                          <a:tab pos="4572000" algn="l"/>
+                          <a:tab pos="5486400" algn="l"/>
+                          <a:tab pos="6400800" algn="l"/>
+                          <a:tab pos="7315200" algn="l"/>
+                          <a:tab pos="8229600" algn="l"/>
+                          <a:tab pos="9144000" algn="l"/>
+                          <a:tab pos="10058400" algn="l"/>
+                        </a:tabLst>
+                        <a:defRPr>
+                          <a:solidFill>
+                            <a:srgbClr val="000000"/>
+                          </a:solidFill>
+                          <a:latin typeface="Tahoma" pitchFamily="34" charset="0"/>
+                          <a:ea typeface="DejaVu Sans" charset="0"/>
+                          <a:cs typeface="DejaVu Sans" charset="0"/>
+                        </a:defRPr>
+                      </a:lvl6pPr>
+                      <a:lvl7pPr marL="2971800" indent="-228600" defTabSz="449263" eaLnBrk="0" fontAlgn="base" hangingPunct="0">
+                        <a:spcBef>
+                          <a:spcPts val="500"/>
+                        </a:spcBef>
+                        <a:spcAft>
+                          <a:spcPct val="0"/>
+                        </a:spcAft>
+                        <a:buClr>
+                          <a:srgbClr val="000000"/>
+                        </a:buClr>
+                        <a:buSzPct val="100000"/>
+                        <a:buFont typeface="Times New Roman" pitchFamily="18" charset="0"/>
+                        <a:tabLst>
+                          <a:tab pos="0" algn="l"/>
+                          <a:tab pos="914400" algn="l"/>
+                          <a:tab pos="1828800" algn="l"/>
+                          <a:tab pos="2743200" algn="l"/>
+                          <a:tab pos="3657600" algn="l"/>
+                          <a:tab pos="4572000" algn="l"/>
+                          <a:tab pos="5486400" algn="l"/>
+                          <a:tab pos="6400800" algn="l"/>
+                          <a:tab pos="7315200" algn="l"/>
+                          <a:tab pos="8229600" algn="l"/>
+                          <a:tab pos="9144000" algn="l"/>
+                          <a:tab pos="10058400" algn="l"/>
+                        </a:tabLst>
+                        <a:defRPr>
+                          <a:solidFill>
+                            <a:srgbClr val="000000"/>
+                          </a:solidFill>
+                          <a:latin typeface="Tahoma" pitchFamily="34" charset="0"/>
+                          <a:ea typeface="DejaVu Sans" charset="0"/>
+                          <a:cs typeface="DejaVu Sans" charset="0"/>
+                        </a:defRPr>
+                      </a:lvl7pPr>
+                      <a:lvl8pPr marL="3429000" indent="-228600" defTabSz="449263" eaLnBrk="0" fontAlgn="base" hangingPunct="0">
+                        <a:spcBef>
+                          <a:spcPts val="500"/>
+                        </a:spcBef>
+                        <a:spcAft>
+                          <a:spcPct val="0"/>
+                        </a:spcAft>
+                        <a:buClr>
+                          <a:srgbClr val="000000"/>
+                        </a:buClr>
+                        <a:buSzPct val="100000"/>
+                        <a:buFont typeface="Times New Roman" pitchFamily="18" charset="0"/>
+                        <a:tabLst>
+                          <a:tab pos="0" algn="l"/>
+                          <a:tab pos="914400" algn="l"/>
+                          <a:tab pos="1828800" algn="l"/>
+                          <a:tab pos="2743200" algn="l"/>
+                          <a:tab pos="3657600" algn="l"/>
+                          <a:tab pos="4572000" algn="l"/>
+                          <a:tab pos="5486400" algn="l"/>
+                          <a:tab pos="6400800" algn="l"/>
+                          <a:tab pos="7315200" algn="l"/>
+                          <a:tab pos="8229600" algn="l"/>
+                          <a:tab pos="9144000" algn="l"/>
+                          <a:tab pos="10058400" algn="l"/>
+                        </a:tabLst>
+                        <a:defRPr>
+                          <a:solidFill>
+                            <a:srgbClr val="000000"/>
+                          </a:solidFill>
+                          <a:latin typeface="Tahoma" pitchFamily="34" charset="0"/>
+                          <a:ea typeface="DejaVu Sans" charset="0"/>
+                          <a:cs typeface="DejaVu Sans" charset="0"/>
+                        </a:defRPr>
+                      </a:lvl8pPr>
+                      <a:lvl9pPr marL="3886200" indent="-228600" defTabSz="449263" eaLnBrk="0" fontAlgn="base" hangingPunct="0">
+                        <a:spcBef>
+                          <a:spcPts val="500"/>
+                        </a:spcBef>
+                        <a:spcAft>
+                          <a:spcPct val="0"/>
+                        </a:spcAft>
+                        <a:buClr>
+                          <a:srgbClr val="000000"/>
+                        </a:buClr>
+                        <a:buSzPct val="100000"/>
+                        <a:buFont typeface="Times New Roman" pitchFamily="18" charset="0"/>
+                        <a:tabLst>
+                          <a:tab pos="0" algn="l"/>
+                          <a:tab pos="914400" algn="l"/>
+                          <a:tab pos="1828800" algn="l"/>
+                          <a:tab pos="2743200" algn="l"/>
+                          <a:tab pos="3657600" algn="l"/>
+                          <a:tab pos="4572000" algn="l"/>
+                          <a:tab pos="5486400" algn="l"/>
+                          <a:tab pos="6400800" algn="l"/>
+                          <a:tab pos="7315200" algn="l"/>
+                          <a:tab pos="8229600" algn="l"/>
+                          <a:tab pos="9144000" algn="l"/>
+                          <a:tab pos="10058400" algn="l"/>
+                        </a:tabLst>
+                        <a:defRPr>
+                          <a:solidFill>
+                            <a:srgbClr val="000000"/>
+                          </a:solidFill>
+                          <a:latin typeface="Tahoma" pitchFamily="34" charset="0"/>
+                          <a:ea typeface="DejaVu Sans" charset="0"/>
+                          <a:cs typeface="DejaVu Sans" charset="0"/>
+                        </a:defRPr>
+                      </a:lvl9pPr>
+                    </a:lstStyle>
+                    <a:p>
+                      <a:pPr marL="0" marR="0" lvl="0" indent="0" algn="l" defTabSz="449263" rtl="0" eaLnBrk="1" fontAlgn="base" latinLnBrk="0" hangingPunct="1">
+                        <a:lnSpc>
+                          <a:spcPct val="98000"/>
+                        </a:lnSpc>
+                        <a:spcBef>
+                          <a:spcPct val="0"/>
+                        </a:spcBef>
+                        <a:spcAft>
+                          <a:spcPct val="0"/>
+                        </a:spcAft>
+                        <a:buClrTx/>
+                        <a:buSzPct val="100000"/>
+                        <a:buFontTx/>
+                        <a:buNone/>
+                        <a:tabLst>
+                          <a:tab pos="0" algn="l"/>
+                          <a:tab pos="914400" algn="l"/>
+                          <a:tab pos="1828800" algn="l"/>
+                          <a:tab pos="2743200" algn="l"/>
+                          <a:tab pos="3657600" algn="l"/>
+                          <a:tab pos="4572000" algn="l"/>
+                          <a:tab pos="5486400" algn="l"/>
+                          <a:tab pos="6400800" algn="l"/>
+                          <a:tab pos="7315200" algn="l"/>
+                          <a:tab pos="8229600" algn="l"/>
+                          <a:tab pos="9144000" algn="l"/>
+                          <a:tab pos="10058400" algn="l"/>
+                        </a:tabLst>
+                      </a:pPr>
+                      <a:r>
+                        <a:rPr kumimoji="0" lang="pt-BR" altLang="pt-BR" sz="1400" b="1" i="0" u="none" strike="noStrike" cap="none" normalizeH="0" baseline="0" dirty="0">
+                          <a:ln>
+                            <a:noFill/>
+                          </a:ln>
+                          <a:solidFill>
+                            <a:srgbClr val="000000"/>
+                          </a:solidFill>
+                          <a:effectLst/>
+                          <a:latin typeface="Tahoma" pitchFamily="34" charset="0"/>
+                          <a:ea typeface="DejaVu Sans" charset="0"/>
+                          <a:cs typeface="DejaVu Sans" charset="0"/>
+                        </a:rPr>
+                        <a:t>2. Deixar o campo “Nome da Conta” em branco e finalizar o</a:t>
+                      </a:r>
+                    </a:p>
+                    <a:p>
+                      <a:pPr marL="0" marR="0" lvl="0" indent="0" algn="l" defTabSz="449263" rtl="0" eaLnBrk="1" fontAlgn="base" latinLnBrk="0" hangingPunct="1">
+                        <a:lnSpc>
+                          <a:spcPct val="98000"/>
+                        </a:lnSpc>
+                        <a:spcBef>
+                          <a:spcPct val="0"/>
+                        </a:spcBef>
+                        <a:spcAft>
+                          <a:spcPct val="0"/>
+                        </a:spcAft>
+                        <a:buClrTx/>
+                        <a:buSzPct val="100000"/>
+                        <a:buFontTx/>
+                        <a:buNone/>
+                        <a:tabLst>
+                          <a:tab pos="0" algn="l"/>
+                          <a:tab pos="914400" algn="l"/>
+                          <a:tab pos="1828800" algn="l"/>
+                          <a:tab pos="2743200" algn="l"/>
+                          <a:tab pos="3657600" algn="l"/>
+                          <a:tab pos="4572000" algn="l"/>
+                          <a:tab pos="5486400" algn="l"/>
+                          <a:tab pos="6400800" algn="l"/>
+                          <a:tab pos="7315200" algn="l"/>
+                          <a:tab pos="8229600" algn="l"/>
+                          <a:tab pos="9144000" algn="l"/>
+                          <a:tab pos="10058400" algn="l"/>
+                        </a:tabLst>
+                      </a:pPr>
+                      <a:r>
+                        <a:rPr kumimoji="0" lang="pt-BR" altLang="pt-BR" sz="1400" b="1" i="0" u="none" strike="noStrike" cap="none" normalizeH="0" baseline="0" dirty="0">
+                          <a:ln>
+                            <a:noFill/>
+                          </a:ln>
+                          <a:solidFill>
+                            <a:srgbClr val="000000"/>
+                          </a:solidFill>
+                          <a:effectLst/>
+                          <a:latin typeface="Tahoma" pitchFamily="34" charset="0"/>
+                          <a:ea typeface="DejaVu Sans" charset="0"/>
+                          <a:cs typeface="DejaVu Sans" charset="0"/>
+                        </a:rPr>
+                        <a:t>procedimento escolhendo</a:t>
+                      </a:r>
+                    </a:p>
+                    <a:p>
+                      <a:pPr marL="0" marR="0" lvl="0" indent="0" algn="l" defTabSz="449263" rtl="0" eaLnBrk="1" fontAlgn="base" latinLnBrk="0" hangingPunct="1">
+                        <a:lnSpc>
+                          <a:spcPct val="98000"/>
+                        </a:lnSpc>
+                        <a:spcBef>
+                          <a:spcPct val="0"/>
+                        </a:spcBef>
+                        <a:spcAft>
+                          <a:spcPct val="0"/>
+                        </a:spcAft>
+                        <a:buClrTx/>
+                        <a:buSzPct val="100000"/>
+                        <a:buFontTx/>
+                        <a:buNone/>
+                        <a:tabLst>
+                          <a:tab pos="0" algn="l"/>
+                          <a:tab pos="914400" algn="l"/>
+                          <a:tab pos="1828800" algn="l"/>
+                          <a:tab pos="2743200" algn="l"/>
+                          <a:tab pos="3657600" algn="l"/>
+                          <a:tab pos="4572000" algn="l"/>
+                          <a:tab pos="5486400" algn="l"/>
+                          <a:tab pos="6400800" algn="l"/>
+                          <a:tab pos="7315200" algn="l"/>
+                          <a:tab pos="8229600" algn="l"/>
+                          <a:tab pos="9144000" algn="l"/>
+                          <a:tab pos="10058400" algn="l"/>
+                        </a:tabLst>
+                      </a:pPr>
+                      <a:r>
+                        <a:rPr kumimoji="0" lang="pt-BR" altLang="pt-BR" sz="1400" b="1" i="0" u="none" strike="noStrike" cap="none" normalizeH="0" baseline="0" dirty="0">
+                          <a:ln>
+                            <a:noFill/>
+                          </a:ln>
+                          <a:solidFill>
+                            <a:srgbClr val="000000"/>
+                          </a:solidFill>
+                          <a:effectLst/>
+                          <a:latin typeface="Tahoma" pitchFamily="34" charset="0"/>
+                          <a:ea typeface="DejaVu Sans" charset="0"/>
+                          <a:cs typeface="DejaVu Sans" charset="0"/>
+                        </a:rPr>
+                        <a:t>“Salvar”.</a:t>
+                      </a:r>
+                    </a:p>
+                  </a:txBody>
+                  <a:tcPr marL="90000" marR="90000" marT="49249" marB="45721" horzOverflow="overflow">
+                    <a:lnL w="2880" cap="flat" cmpd="sng" algn="ctr">
+                      <a:solidFill>
+                        <a:srgbClr val="FFFFFF"/>
+                      </a:solidFill>
+                      <a:prstDash val="solid"/>
+                      <a:round/>
+                      <a:headEnd type="none" w="med" len="med"/>
+                      <a:tailEnd type="none" w="med" len="med"/>
+                    </a:lnL>
+                    <a:lnR w="2880" cap="flat" cmpd="sng" algn="ctr">
+                      <a:solidFill>
+                        <a:srgbClr val="FFFFFF"/>
+                      </a:solidFill>
+                      <a:prstDash val="solid"/>
+                      <a:round/>
+                      <a:headEnd type="none" w="med" len="med"/>
+                      <a:tailEnd type="none" w="med" len="med"/>
+                    </a:lnR>
+                    <a:lnT w="2880" cap="flat" cmpd="sng" algn="ctr">
+                      <a:solidFill>
+                        <a:srgbClr val="FFFFFF"/>
+                      </a:solidFill>
+                      <a:prstDash val="solid"/>
+                      <a:round/>
+                      <a:headEnd type="none" w="med" len="med"/>
+                      <a:tailEnd type="none" w="med" len="med"/>
+                    </a:lnT>
+                    <a:lnB w="2880" cap="flat" cmpd="sng" algn="ctr">
+                      <a:solidFill>
+                        <a:srgbClr val="FFFFFF"/>
+                      </a:solidFill>
+                      <a:prstDash val="solid"/>
+                      <a:round/>
+                      <a:headEnd type="none" w="med" len="med"/>
+                      <a:tailEnd type="none" w="med" len="med"/>
+                    </a:lnB>
+                    <a:lnTlToBr>
+                      <a:noFill/>
+                    </a:lnTlToBr>
+                    <a:lnBlToTr>
+                      <a:noFill/>
+                    </a:lnBlToTr>
+                    <a:solidFill>
+                      <a:srgbClr val="E8E9F1"/>
+                    </a:solidFill>
+                  </a:tcPr>
+                </a:tc>
+                <a:tc>
+                  <a:txBody>
+                    <a:bodyPr/>
+                    <a:lstStyle>
+                      <a:lvl1pPr eaLnBrk="0" hangingPunct="0">
+                        <a:spcBef>
+                          <a:spcPts val="800"/>
+                        </a:spcBef>
+                        <a:tabLst>
+                          <a:tab pos="0" algn="l"/>
+                          <a:tab pos="914400" algn="l"/>
+                          <a:tab pos="1828800" algn="l"/>
+                          <a:tab pos="2743200" algn="l"/>
+                          <a:tab pos="3657600" algn="l"/>
+                          <a:tab pos="4572000" algn="l"/>
+                          <a:tab pos="5486400" algn="l"/>
+                          <a:tab pos="6400800" algn="l"/>
+                          <a:tab pos="7315200" algn="l"/>
+                          <a:tab pos="8229600" algn="l"/>
+                          <a:tab pos="9144000" algn="l"/>
+                          <a:tab pos="10058400" algn="l"/>
+                        </a:tabLst>
+                        <a:defRPr>
+                          <a:solidFill>
+                            <a:srgbClr val="000000"/>
+                          </a:solidFill>
+                          <a:latin typeface="Tahoma" pitchFamily="34" charset="0"/>
+                          <a:ea typeface="DejaVu Sans" charset="0"/>
+                          <a:cs typeface="DejaVu Sans" charset="0"/>
+                        </a:defRPr>
+                      </a:lvl1pPr>
+                      <a:lvl2pPr eaLnBrk="0" hangingPunct="0">
+                        <a:spcBef>
+                          <a:spcPts val="700"/>
+                        </a:spcBef>
+                        <a:tabLst>
+                          <a:tab pos="0" algn="l"/>
+                          <a:tab pos="914400" algn="l"/>
+                          <a:tab pos="1828800" algn="l"/>
+                          <a:tab pos="2743200" algn="l"/>
+                          <a:tab pos="3657600" algn="l"/>
+                          <a:tab pos="4572000" algn="l"/>
+                          <a:tab pos="5486400" algn="l"/>
+                          <a:tab pos="6400800" algn="l"/>
+                          <a:tab pos="7315200" algn="l"/>
+                          <a:tab pos="8229600" algn="l"/>
+                          <a:tab pos="9144000" algn="l"/>
+                          <a:tab pos="10058400" algn="l"/>
+                        </a:tabLst>
+                        <a:defRPr sz="2400">
+                          <a:solidFill>
+                            <a:srgbClr val="000000"/>
+                          </a:solidFill>
+                          <a:latin typeface="Tahoma" pitchFamily="34" charset="0"/>
+                          <a:ea typeface="DejaVu Sans" charset="0"/>
+                          <a:cs typeface="DejaVu Sans" charset="0"/>
+                        </a:defRPr>
+                      </a:lvl2pPr>
+                      <a:lvl3pPr eaLnBrk="0" hangingPunct="0">
+                        <a:spcBef>
+                          <a:spcPts val="600"/>
+                        </a:spcBef>
+                        <a:tabLst>
+                          <a:tab pos="0" algn="l"/>
+                          <a:tab pos="914400" algn="l"/>
+                          <a:tab pos="1828800" algn="l"/>
+                          <a:tab pos="2743200" algn="l"/>
+                          <a:tab pos="3657600" algn="l"/>
+                          <a:tab pos="4572000" algn="l"/>
+                          <a:tab pos="5486400" algn="l"/>
+                          <a:tab pos="6400800" algn="l"/>
+                          <a:tab pos="7315200" algn="l"/>
+                          <a:tab pos="8229600" algn="l"/>
+                          <a:tab pos="9144000" algn="l"/>
+                          <a:tab pos="10058400" algn="l"/>
+                        </a:tabLst>
+                        <a:defRPr sz="2000">
+                          <a:solidFill>
+                            <a:srgbClr val="000000"/>
+                          </a:solidFill>
+                          <a:latin typeface="Tahoma" pitchFamily="34" charset="0"/>
+                          <a:ea typeface="DejaVu Sans" charset="0"/>
+                          <a:cs typeface="DejaVu Sans" charset="0"/>
+                        </a:defRPr>
+                      </a:lvl3pPr>
+                      <a:lvl4pPr eaLnBrk="0" hangingPunct="0">
+                        <a:spcBef>
+                          <a:spcPts val="500"/>
+                        </a:spcBef>
+                        <a:tabLst>
+                          <a:tab pos="0" algn="l"/>
+                          <a:tab pos="914400" algn="l"/>
+                          <a:tab pos="1828800" algn="l"/>
+                          <a:tab pos="2743200" algn="l"/>
+                          <a:tab pos="3657600" algn="l"/>
+                          <a:tab pos="4572000" algn="l"/>
+                          <a:tab pos="5486400" algn="l"/>
+                          <a:tab pos="6400800" algn="l"/>
+                          <a:tab pos="7315200" algn="l"/>
+                          <a:tab pos="8229600" algn="l"/>
+                          <a:tab pos="9144000" algn="l"/>
+                          <a:tab pos="10058400" algn="l"/>
+                        </a:tabLst>
+                        <a:defRPr>
+                          <a:solidFill>
+                            <a:srgbClr val="000000"/>
+                          </a:solidFill>
+                          <a:latin typeface="Tahoma" pitchFamily="34" charset="0"/>
+                          <a:ea typeface="DejaVu Sans" charset="0"/>
+                          <a:cs typeface="DejaVu Sans" charset="0"/>
+                        </a:defRPr>
+                      </a:lvl4pPr>
+                      <a:lvl5pPr eaLnBrk="0" hangingPunct="0">
+                        <a:spcBef>
+                          <a:spcPts val="500"/>
+                        </a:spcBef>
+                        <a:tabLst>
+                          <a:tab pos="0" algn="l"/>
+                          <a:tab pos="914400" algn="l"/>
+                          <a:tab pos="1828800" algn="l"/>
+                          <a:tab pos="2743200" algn="l"/>
+                          <a:tab pos="3657600" algn="l"/>
+                          <a:tab pos="4572000" algn="l"/>
+                          <a:tab pos="5486400" algn="l"/>
+                          <a:tab pos="6400800" algn="l"/>
+                          <a:tab pos="7315200" algn="l"/>
+                          <a:tab pos="8229600" algn="l"/>
+                          <a:tab pos="9144000" algn="l"/>
+                          <a:tab pos="10058400" algn="l"/>
+                        </a:tabLst>
+                        <a:defRPr>
+                          <a:solidFill>
+                            <a:srgbClr val="000000"/>
+                          </a:solidFill>
+                          <a:latin typeface="Tahoma" pitchFamily="34" charset="0"/>
+                          <a:ea typeface="DejaVu Sans" charset="0"/>
+                          <a:cs typeface="DejaVu Sans" charset="0"/>
+                        </a:defRPr>
+                      </a:lvl5pPr>
+                      <a:lvl6pPr marL="2514600" indent="-228600" defTabSz="449263" eaLnBrk="0" fontAlgn="base" hangingPunct="0">
+                        <a:spcBef>
+                          <a:spcPts val="500"/>
+                        </a:spcBef>
+                        <a:spcAft>
+                          <a:spcPct val="0"/>
+                        </a:spcAft>
+                        <a:buClr>
+                          <a:srgbClr val="000000"/>
+                        </a:buClr>
+                        <a:buSzPct val="100000"/>
+                        <a:buFont typeface="Times New Roman" pitchFamily="18" charset="0"/>
+                        <a:tabLst>
+                          <a:tab pos="0" algn="l"/>
+                          <a:tab pos="914400" algn="l"/>
+                          <a:tab pos="1828800" algn="l"/>
+                          <a:tab pos="2743200" algn="l"/>
+                          <a:tab pos="3657600" algn="l"/>
+                          <a:tab pos="4572000" algn="l"/>
+                          <a:tab pos="5486400" algn="l"/>
+                          <a:tab pos="6400800" algn="l"/>
+                          <a:tab pos="7315200" algn="l"/>
+                          <a:tab pos="8229600" algn="l"/>
+                          <a:tab pos="9144000" algn="l"/>
+                          <a:tab pos="10058400" algn="l"/>
+                        </a:tabLst>
+                        <a:defRPr>
+                          <a:solidFill>
+                            <a:srgbClr val="000000"/>
+                          </a:solidFill>
+                          <a:latin typeface="Tahoma" pitchFamily="34" charset="0"/>
+                          <a:ea typeface="DejaVu Sans" charset="0"/>
+                          <a:cs typeface="DejaVu Sans" charset="0"/>
+                        </a:defRPr>
+                      </a:lvl6pPr>
+                      <a:lvl7pPr marL="2971800" indent="-228600" defTabSz="449263" eaLnBrk="0" fontAlgn="base" hangingPunct="0">
+                        <a:spcBef>
+                          <a:spcPts val="500"/>
+                        </a:spcBef>
+                        <a:spcAft>
+                          <a:spcPct val="0"/>
+                        </a:spcAft>
+                        <a:buClr>
+                          <a:srgbClr val="000000"/>
+                        </a:buClr>
+                        <a:buSzPct val="100000"/>
+                        <a:buFont typeface="Times New Roman" pitchFamily="18" charset="0"/>
+                        <a:tabLst>
+                          <a:tab pos="0" algn="l"/>
+                          <a:tab pos="914400" algn="l"/>
+                          <a:tab pos="1828800" algn="l"/>
+                          <a:tab pos="2743200" algn="l"/>
+                          <a:tab pos="3657600" algn="l"/>
+                          <a:tab pos="4572000" algn="l"/>
+                          <a:tab pos="5486400" algn="l"/>
+                          <a:tab pos="6400800" algn="l"/>
+                          <a:tab pos="7315200" algn="l"/>
+                          <a:tab pos="8229600" algn="l"/>
+                          <a:tab pos="9144000" algn="l"/>
+                          <a:tab pos="10058400" algn="l"/>
+                        </a:tabLst>
+                        <a:defRPr>
+                          <a:solidFill>
+                            <a:srgbClr val="000000"/>
+                          </a:solidFill>
+                          <a:latin typeface="Tahoma" pitchFamily="34" charset="0"/>
+                          <a:ea typeface="DejaVu Sans" charset="0"/>
+                          <a:cs typeface="DejaVu Sans" charset="0"/>
+                        </a:defRPr>
+                      </a:lvl7pPr>
+                      <a:lvl8pPr marL="3429000" indent="-228600" defTabSz="449263" eaLnBrk="0" fontAlgn="base" hangingPunct="0">
+                        <a:spcBef>
+                          <a:spcPts val="500"/>
+                        </a:spcBef>
+                        <a:spcAft>
+                          <a:spcPct val="0"/>
+                        </a:spcAft>
+                        <a:buClr>
+                          <a:srgbClr val="000000"/>
+                        </a:buClr>
+                        <a:buSzPct val="100000"/>
+                        <a:buFont typeface="Times New Roman" pitchFamily="18" charset="0"/>
+                        <a:tabLst>
+                          <a:tab pos="0" algn="l"/>
+                          <a:tab pos="914400" algn="l"/>
+                          <a:tab pos="1828800" algn="l"/>
+                          <a:tab pos="2743200" algn="l"/>
+                          <a:tab pos="3657600" algn="l"/>
+                          <a:tab pos="4572000" algn="l"/>
+                          <a:tab pos="5486400" algn="l"/>
+                          <a:tab pos="6400800" algn="l"/>
+                          <a:tab pos="7315200" algn="l"/>
+                          <a:tab pos="8229600" algn="l"/>
+                          <a:tab pos="9144000" algn="l"/>
+                          <a:tab pos="10058400" algn="l"/>
+                        </a:tabLst>
+                        <a:defRPr>
+                          <a:solidFill>
+                            <a:srgbClr val="000000"/>
+                          </a:solidFill>
+                          <a:latin typeface="Tahoma" pitchFamily="34" charset="0"/>
+                          <a:ea typeface="DejaVu Sans" charset="0"/>
+                          <a:cs typeface="DejaVu Sans" charset="0"/>
+                        </a:defRPr>
+                      </a:lvl8pPr>
+                      <a:lvl9pPr marL="3886200" indent="-228600" defTabSz="449263" eaLnBrk="0" fontAlgn="base" hangingPunct="0">
+                        <a:spcBef>
+                          <a:spcPts val="500"/>
+                        </a:spcBef>
+                        <a:spcAft>
+                          <a:spcPct val="0"/>
+                        </a:spcAft>
+                        <a:buClr>
+                          <a:srgbClr val="000000"/>
+                        </a:buClr>
+                        <a:buSzPct val="100000"/>
+                        <a:buFont typeface="Times New Roman" pitchFamily="18" charset="0"/>
+                        <a:tabLst>
+                          <a:tab pos="0" algn="l"/>
+                          <a:tab pos="914400" algn="l"/>
+                          <a:tab pos="1828800" algn="l"/>
+                          <a:tab pos="2743200" algn="l"/>
+                          <a:tab pos="3657600" algn="l"/>
+                          <a:tab pos="4572000" algn="l"/>
+                          <a:tab pos="5486400" algn="l"/>
+                          <a:tab pos="6400800" algn="l"/>
+                          <a:tab pos="7315200" algn="l"/>
+                          <a:tab pos="8229600" algn="l"/>
+                          <a:tab pos="9144000" algn="l"/>
+                          <a:tab pos="10058400" algn="l"/>
+                        </a:tabLst>
+                        <a:defRPr>
+                          <a:solidFill>
+                            <a:srgbClr val="000000"/>
+                          </a:solidFill>
+                          <a:latin typeface="Tahoma" pitchFamily="34" charset="0"/>
+                          <a:ea typeface="DejaVu Sans" charset="0"/>
+                          <a:cs typeface="DejaVu Sans" charset="0"/>
+                        </a:defRPr>
+                      </a:lvl9pPr>
+                    </a:lstStyle>
+                    <a:p>
+                      <a:pPr marL="0" marR="0" lvl="0" indent="0" algn="l" defTabSz="449263" rtl="0" eaLnBrk="1" fontAlgn="base" latinLnBrk="0" hangingPunct="1">
+                        <a:lnSpc>
+                          <a:spcPct val="98000"/>
+                        </a:lnSpc>
+                        <a:spcBef>
+                          <a:spcPct val="0"/>
+                        </a:spcBef>
+                        <a:spcAft>
+                          <a:spcPct val="0"/>
+                        </a:spcAft>
+                        <a:buClrTx/>
+                        <a:buSzPct val="100000"/>
+                        <a:buFontTx/>
+                        <a:buNone/>
+                        <a:tabLst>
+                          <a:tab pos="0" algn="l"/>
+                          <a:tab pos="914400" algn="l"/>
+                          <a:tab pos="1828800" algn="l"/>
+                          <a:tab pos="2743200" algn="l"/>
+                          <a:tab pos="3657600" algn="l"/>
+                          <a:tab pos="4572000" algn="l"/>
+                          <a:tab pos="5486400" algn="l"/>
+                          <a:tab pos="6400800" algn="l"/>
+                          <a:tab pos="7315200" algn="l"/>
+                          <a:tab pos="8229600" algn="l"/>
+                          <a:tab pos="9144000" algn="l"/>
+                          <a:tab pos="10058400" algn="l"/>
+                        </a:tabLst>
+                      </a:pPr>
+                      <a:r>
+                        <a:rPr kumimoji="0" lang="pt-BR" altLang="pt-BR" sz="1400" b="1" i="0" u="none" strike="noStrike" cap="none" normalizeH="0" baseline="0" dirty="0">
+                          <a:ln>
+                            <a:noFill/>
+                          </a:ln>
+                          <a:solidFill>
+                            <a:srgbClr val="000000"/>
+                          </a:solidFill>
+                          <a:effectLst/>
+                          <a:latin typeface="Tahoma" pitchFamily="34" charset="0"/>
+                          <a:ea typeface="DejaVu Sans" charset="0"/>
+                          <a:cs typeface="DejaVu Sans" charset="0"/>
+                        </a:rPr>
+                        <a:t>Aparece uma tela com a</a:t>
+                      </a:r>
+                    </a:p>
+                    <a:p>
+                      <a:pPr marL="0" marR="0" lvl="0" indent="0" algn="l" defTabSz="449263" rtl="0" eaLnBrk="1" fontAlgn="base" latinLnBrk="0" hangingPunct="1">
+                        <a:lnSpc>
+                          <a:spcPct val="98000"/>
+                        </a:lnSpc>
+                        <a:spcBef>
+                          <a:spcPct val="0"/>
+                        </a:spcBef>
+                        <a:spcAft>
+                          <a:spcPct val="0"/>
+                        </a:spcAft>
+                        <a:buClrTx/>
+                        <a:buSzPct val="100000"/>
+                        <a:buFontTx/>
+                        <a:buNone/>
+                        <a:tabLst>
+                          <a:tab pos="0" algn="l"/>
+                          <a:tab pos="914400" algn="l"/>
+                          <a:tab pos="1828800" algn="l"/>
+                          <a:tab pos="2743200" algn="l"/>
+                          <a:tab pos="3657600" algn="l"/>
+                          <a:tab pos="4572000" algn="l"/>
+                          <a:tab pos="5486400" algn="l"/>
+                          <a:tab pos="6400800" algn="l"/>
+                          <a:tab pos="7315200" algn="l"/>
+                          <a:tab pos="8229600" algn="l"/>
+                          <a:tab pos="9144000" algn="l"/>
+                          <a:tab pos="10058400" algn="l"/>
+                        </a:tabLst>
+                      </a:pPr>
+                      <a:r>
+                        <a:rPr kumimoji="0" lang="pt-BR" altLang="pt-BR" sz="1400" b="1" i="0" u="none" strike="noStrike" cap="none" normalizeH="0" baseline="0" dirty="0">
+                          <a:ln>
+                            <a:noFill/>
+                          </a:ln>
+                          <a:solidFill>
+                            <a:srgbClr val="000000"/>
+                          </a:solidFill>
+                          <a:effectLst/>
+                          <a:latin typeface="Tahoma" pitchFamily="34" charset="0"/>
+                          <a:ea typeface="DejaVu Sans" charset="0"/>
+                          <a:cs typeface="DejaVu Sans" charset="0"/>
+                        </a:rPr>
+                        <a:t>seguinte mensagem: “Informe o nome da conta.”.</a:t>
+                      </a:r>
+                    </a:p>
+                  </a:txBody>
+                  <a:tcPr marL="90000" marR="90000" marT="49249" marB="45721" horzOverflow="overflow">
+                    <a:lnL w="2880" cap="flat" cmpd="sng" algn="ctr">
+                      <a:solidFill>
+                        <a:srgbClr val="FFFFFF"/>
+                      </a:solidFill>
+                      <a:prstDash val="solid"/>
+                      <a:round/>
+                      <a:headEnd type="none" w="med" len="med"/>
+                      <a:tailEnd type="none" w="med" len="med"/>
+                    </a:lnL>
+                    <a:lnR w="2880" cap="flat" cmpd="sng" algn="ctr">
+                      <a:solidFill>
+                        <a:srgbClr val="FFFFFF"/>
+                      </a:solidFill>
+                      <a:prstDash val="solid"/>
+                      <a:round/>
+                      <a:headEnd type="none" w="med" len="med"/>
+                      <a:tailEnd type="none" w="med" len="med"/>
+                    </a:lnR>
+                    <a:lnT w="2880" cap="flat" cmpd="sng" algn="ctr">
+                      <a:solidFill>
+                        <a:srgbClr val="FFFFFF"/>
+                      </a:solidFill>
+                      <a:prstDash val="solid"/>
+                      <a:round/>
+                      <a:headEnd type="none" w="med" len="med"/>
+                      <a:tailEnd type="none" w="med" len="med"/>
+                    </a:lnT>
+                    <a:lnB w="2880" cap="flat" cmpd="sng" algn="ctr">
+                      <a:solidFill>
+                        <a:srgbClr val="FFFFFF"/>
+                      </a:solidFill>
+                      <a:prstDash val="solid"/>
+                      <a:round/>
+                      <a:headEnd type="none" w="med" len="med"/>
+                      <a:tailEnd type="none" w="med" len="med"/>
+                    </a:lnB>
+                    <a:lnTlToBr>
+                      <a:noFill/>
+                    </a:lnTlToBr>
+                    <a:lnBlToTr>
+                      <a:noFill/>
+                    </a:lnBlToTr>
+                    <a:solidFill>
+                      <a:srgbClr val="E8E9F1"/>
+                    </a:solidFill>
+                  </a:tcPr>
+                </a:tc>
+                <a:extLst>
+                  <a:ext uri="{0D108BD9-81ED-4DB2-BD59-A6C34878D82A}">
+                    <a16:rowId xmlns:a16="http://schemas.microsoft.com/office/drawing/2014/main" val="2020917604"/>
+                  </a:ext>
+                </a:extLst>
+              </a:tr>
+              <a:tr h="1023551">
+                <a:tc>
+                  <a:txBody>
+                    <a:bodyPr/>
+                    <a:lstStyle>
+                      <a:lvl1pPr eaLnBrk="0" hangingPunct="0">
+                        <a:spcBef>
+                          <a:spcPts val="800"/>
+                        </a:spcBef>
+                        <a:tabLst>
+                          <a:tab pos="0" algn="l"/>
+                          <a:tab pos="914400" algn="l"/>
+                          <a:tab pos="1828800" algn="l"/>
+                          <a:tab pos="2743200" algn="l"/>
+                          <a:tab pos="3657600" algn="l"/>
+                          <a:tab pos="4572000" algn="l"/>
+                          <a:tab pos="5486400" algn="l"/>
+                          <a:tab pos="6400800" algn="l"/>
+                          <a:tab pos="7315200" algn="l"/>
+                          <a:tab pos="8229600" algn="l"/>
+                          <a:tab pos="9144000" algn="l"/>
+                          <a:tab pos="10058400" algn="l"/>
+                        </a:tabLst>
+                        <a:defRPr>
+                          <a:solidFill>
+                            <a:srgbClr val="000000"/>
+                          </a:solidFill>
+                          <a:latin typeface="Tahoma" pitchFamily="34" charset="0"/>
+                          <a:ea typeface="DejaVu Sans" charset="0"/>
+                          <a:cs typeface="DejaVu Sans" charset="0"/>
+                        </a:defRPr>
+                      </a:lvl1pPr>
+                      <a:lvl2pPr eaLnBrk="0" hangingPunct="0">
+                        <a:spcBef>
+                          <a:spcPts val="700"/>
+                        </a:spcBef>
+                        <a:tabLst>
+                          <a:tab pos="0" algn="l"/>
+                          <a:tab pos="914400" algn="l"/>
+                          <a:tab pos="1828800" algn="l"/>
+                          <a:tab pos="2743200" algn="l"/>
+                          <a:tab pos="3657600" algn="l"/>
+                          <a:tab pos="4572000" algn="l"/>
+                          <a:tab pos="5486400" algn="l"/>
+                          <a:tab pos="6400800" algn="l"/>
+                          <a:tab pos="7315200" algn="l"/>
+                          <a:tab pos="8229600" algn="l"/>
+                          <a:tab pos="9144000" algn="l"/>
+                          <a:tab pos="10058400" algn="l"/>
+                        </a:tabLst>
+                        <a:defRPr sz="2400">
+                          <a:solidFill>
+                            <a:srgbClr val="000000"/>
+                          </a:solidFill>
+                          <a:latin typeface="Tahoma" pitchFamily="34" charset="0"/>
+                          <a:ea typeface="DejaVu Sans" charset="0"/>
+                          <a:cs typeface="DejaVu Sans" charset="0"/>
+                        </a:defRPr>
+                      </a:lvl2pPr>
+                      <a:lvl3pPr eaLnBrk="0" hangingPunct="0">
+                        <a:spcBef>
+                          <a:spcPts val="600"/>
+                        </a:spcBef>
+                        <a:tabLst>
+                          <a:tab pos="0" algn="l"/>
+                          <a:tab pos="914400" algn="l"/>
+                          <a:tab pos="1828800" algn="l"/>
+                          <a:tab pos="2743200" algn="l"/>
+                          <a:tab pos="3657600" algn="l"/>
+                          <a:tab pos="4572000" algn="l"/>
+                          <a:tab pos="5486400" algn="l"/>
+                          <a:tab pos="6400800" algn="l"/>
+                          <a:tab pos="7315200" algn="l"/>
+                          <a:tab pos="8229600" algn="l"/>
+                          <a:tab pos="9144000" algn="l"/>
+                          <a:tab pos="10058400" algn="l"/>
+                        </a:tabLst>
+                        <a:defRPr sz="2000">
+                          <a:solidFill>
+                            <a:srgbClr val="000000"/>
+                          </a:solidFill>
+                          <a:latin typeface="Tahoma" pitchFamily="34" charset="0"/>
+                          <a:ea typeface="DejaVu Sans" charset="0"/>
+                          <a:cs typeface="DejaVu Sans" charset="0"/>
+                        </a:defRPr>
+                      </a:lvl3pPr>
+                      <a:lvl4pPr eaLnBrk="0" hangingPunct="0">
+                        <a:spcBef>
+                          <a:spcPts val="500"/>
+                        </a:spcBef>
+                        <a:tabLst>
+                          <a:tab pos="0" algn="l"/>
+                          <a:tab pos="914400" algn="l"/>
+                          <a:tab pos="1828800" algn="l"/>
+                          <a:tab pos="2743200" algn="l"/>
+                          <a:tab pos="3657600" algn="l"/>
+                          <a:tab pos="4572000" algn="l"/>
+                          <a:tab pos="5486400" algn="l"/>
+                          <a:tab pos="6400800" algn="l"/>
+                          <a:tab pos="7315200" algn="l"/>
+                          <a:tab pos="8229600" algn="l"/>
+                          <a:tab pos="9144000" algn="l"/>
+                          <a:tab pos="10058400" algn="l"/>
+                        </a:tabLst>
+                        <a:defRPr>
+                          <a:solidFill>
+                            <a:srgbClr val="000000"/>
+                          </a:solidFill>
+                          <a:latin typeface="Tahoma" pitchFamily="34" charset="0"/>
+                          <a:ea typeface="DejaVu Sans" charset="0"/>
+                          <a:cs typeface="DejaVu Sans" charset="0"/>
+                        </a:defRPr>
+                      </a:lvl4pPr>
+                      <a:lvl5pPr eaLnBrk="0" hangingPunct="0">
+                        <a:spcBef>
+                          <a:spcPts val="500"/>
+                        </a:spcBef>
+                        <a:tabLst>
+                          <a:tab pos="0" algn="l"/>
+                          <a:tab pos="914400" algn="l"/>
+                          <a:tab pos="1828800" algn="l"/>
+                          <a:tab pos="2743200" algn="l"/>
+                          <a:tab pos="3657600" algn="l"/>
+                          <a:tab pos="4572000" algn="l"/>
+                          <a:tab pos="5486400" algn="l"/>
+                          <a:tab pos="6400800" algn="l"/>
+                          <a:tab pos="7315200" algn="l"/>
+                          <a:tab pos="8229600" algn="l"/>
+                          <a:tab pos="9144000" algn="l"/>
+                          <a:tab pos="10058400" algn="l"/>
+                        </a:tabLst>
+                        <a:defRPr>
+                          <a:solidFill>
+                            <a:srgbClr val="000000"/>
+                          </a:solidFill>
+                          <a:latin typeface="Tahoma" pitchFamily="34" charset="0"/>
+                          <a:ea typeface="DejaVu Sans" charset="0"/>
+                          <a:cs typeface="DejaVu Sans" charset="0"/>
+                        </a:defRPr>
+                      </a:lvl5pPr>
+                      <a:lvl6pPr marL="2514600" indent="-228600" defTabSz="449263" eaLnBrk="0" fontAlgn="base" hangingPunct="0">
+                        <a:spcBef>
+                          <a:spcPts val="500"/>
+                        </a:spcBef>
+                        <a:spcAft>
+                          <a:spcPct val="0"/>
+                        </a:spcAft>
+                        <a:buClr>
+                          <a:srgbClr val="000000"/>
+                        </a:buClr>
+                        <a:buSzPct val="100000"/>
+                        <a:buFont typeface="Times New Roman" pitchFamily="18" charset="0"/>
+                        <a:tabLst>
+                          <a:tab pos="0" algn="l"/>
+                          <a:tab pos="914400" algn="l"/>
+                          <a:tab pos="1828800" algn="l"/>
+                          <a:tab pos="2743200" algn="l"/>
+                          <a:tab pos="3657600" algn="l"/>
+                          <a:tab pos="4572000" algn="l"/>
+                          <a:tab pos="5486400" algn="l"/>
+                          <a:tab pos="6400800" algn="l"/>
+                          <a:tab pos="7315200" algn="l"/>
+                          <a:tab pos="8229600" algn="l"/>
+                          <a:tab pos="9144000" algn="l"/>
+                          <a:tab pos="10058400" algn="l"/>
+                        </a:tabLst>
+                        <a:defRPr>
+                          <a:solidFill>
+                            <a:srgbClr val="000000"/>
+                          </a:solidFill>
+                          <a:latin typeface="Tahoma" pitchFamily="34" charset="0"/>
+                          <a:ea typeface="DejaVu Sans" charset="0"/>
+                          <a:cs typeface="DejaVu Sans" charset="0"/>
+                        </a:defRPr>
+                      </a:lvl6pPr>
+                      <a:lvl7pPr marL="2971800" indent="-228600" defTabSz="449263" eaLnBrk="0" fontAlgn="base" hangingPunct="0">
+                        <a:spcBef>
+                          <a:spcPts val="500"/>
+                        </a:spcBef>
+                        <a:spcAft>
+                          <a:spcPct val="0"/>
+                        </a:spcAft>
+                        <a:buClr>
+                          <a:srgbClr val="000000"/>
+                        </a:buClr>
+                        <a:buSzPct val="100000"/>
+                        <a:buFont typeface="Times New Roman" pitchFamily="18" charset="0"/>
+                        <a:tabLst>
+                          <a:tab pos="0" algn="l"/>
+                          <a:tab pos="914400" algn="l"/>
+                          <a:tab pos="1828800" algn="l"/>
+                          <a:tab pos="2743200" algn="l"/>
+                          <a:tab pos="3657600" algn="l"/>
+                          <a:tab pos="4572000" algn="l"/>
+                          <a:tab pos="5486400" algn="l"/>
+                          <a:tab pos="6400800" algn="l"/>
+                          <a:tab pos="7315200" algn="l"/>
+                          <a:tab pos="8229600" algn="l"/>
+                          <a:tab pos="9144000" algn="l"/>
+                          <a:tab pos="10058400" algn="l"/>
+                        </a:tabLst>
+                        <a:defRPr>
+                          <a:solidFill>
+                            <a:srgbClr val="000000"/>
+                          </a:solidFill>
+                          <a:latin typeface="Tahoma" pitchFamily="34" charset="0"/>
+                          <a:ea typeface="DejaVu Sans" charset="0"/>
+                          <a:cs typeface="DejaVu Sans" charset="0"/>
+                        </a:defRPr>
+                      </a:lvl7pPr>
+                      <a:lvl8pPr marL="3429000" indent="-228600" defTabSz="449263" eaLnBrk="0" fontAlgn="base" hangingPunct="0">
+                        <a:spcBef>
+                          <a:spcPts val="500"/>
+                        </a:spcBef>
+                        <a:spcAft>
+                          <a:spcPct val="0"/>
+                        </a:spcAft>
+                        <a:buClr>
+                          <a:srgbClr val="000000"/>
+                        </a:buClr>
+                        <a:buSzPct val="100000"/>
+                        <a:buFont typeface="Times New Roman" pitchFamily="18" charset="0"/>
+                        <a:tabLst>
+                          <a:tab pos="0" algn="l"/>
+                          <a:tab pos="914400" algn="l"/>
+                          <a:tab pos="1828800" algn="l"/>
+                          <a:tab pos="2743200" algn="l"/>
+                          <a:tab pos="3657600" algn="l"/>
+                          <a:tab pos="4572000" algn="l"/>
+                          <a:tab pos="5486400" algn="l"/>
+                          <a:tab pos="6400800" algn="l"/>
+                          <a:tab pos="7315200" algn="l"/>
+                          <a:tab pos="8229600" algn="l"/>
+                          <a:tab pos="9144000" algn="l"/>
+                          <a:tab pos="10058400" algn="l"/>
+                        </a:tabLst>
+                        <a:defRPr>
+                          <a:solidFill>
+                            <a:srgbClr val="000000"/>
+                          </a:solidFill>
+                          <a:latin typeface="Tahoma" pitchFamily="34" charset="0"/>
+                          <a:ea typeface="DejaVu Sans" charset="0"/>
+                          <a:cs typeface="DejaVu Sans" charset="0"/>
+                        </a:defRPr>
+                      </a:lvl8pPr>
+                      <a:lvl9pPr marL="3886200" indent="-228600" defTabSz="449263" eaLnBrk="0" fontAlgn="base" hangingPunct="0">
+                        <a:spcBef>
+                          <a:spcPts val="500"/>
+                        </a:spcBef>
+                        <a:spcAft>
+                          <a:spcPct val="0"/>
+                        </a:spcAft>
+                        <a:buClr>
+                          <a:srgbClr val="000000"/>
+                        </a:buClr>
+                        <a:buSzPct val="100000"/>
+                        <a:buFont typeface="Times New Roman" pitchFamily="18" charset="0"/>
+                        <a:tabLst>
+                          <a:tab pos="0" algn="l"/>
+                          <a:tab pos="914400" algn="l"/>
+                          <a:tab pos="1828800" algn="l"/>
+                          <a:tab pos="2743200" algn="l"/>
+                          <a:tab pos="3657600" algn="l"/>
+                          <a:tab pos="4572000" algn="l"/>
+                          <a:tab pos="5486400" algn="l"/>
+                          <a:tab pos="6400800" algn="l"/>
+                          <a:tab pos="7315200" algn="l"/>
+                          <a:tab pos="8229600" algn="l"/>
+                          <a:tab pos="9144000" algn="l"/>
+                          <a:tab pos="10058400" algn="l"/>
+                        </a:tabLst>
+                        <a:defRPr>
+                          <a:solidFill>
+                            <a:srgbClr val="000000"/>
+                          </a:solidFill>
+                          <a:latin typeface="Tahoma" pitchFamily="34" charset="0"/>
+                          <a:ea typeface="DejaVu Sans" charset="0"/>
+                          <a:cs typeface="DejaVu Sans" charset="0"/>
+                        </a:defRPr>
+                      </a:lvl9pPr>
+                    </a:lstStyle>
+                    <a:p>
+                      <a:pPr marL="0" marR="0" lvl="0" indent="0" algn="l" defTabSz="449263" rtl="0" eaLnBrk="1" fontAlgn="base" latinLnBrk="0" hangingPunct="1">
+                        <a:lnSpc>
+                          <a:spcPct val="98000"/>
+                        </a:lnSpc>
+                        <a:spcBef>
+                          <a:spcPct val="0"/>
+                        </a:spcBef>
+                        <a:spcAft>
+                          <a:spcPct val="0"/>
+                        </a:spcAft>
+                        <a:buClrTx/>
+                        <a:buSzPct val="100000"/>
+                        <a:buFontTx/>
+                        <a:buNone/>
+                        <a:tabLst>
+                          <a:tab pos="0" algn="l"/>
+                          <a:tab pos="914400" algn="l"/>
+                          <a:tab pos="1828800" algn="l"/>
+                          <a:tab pos="2743200" algn="l"/>
+                          <a:tab pos="3657600" algn="l"/>
+                          <a:tab pos="4572000" algn="l"/>
+                          <a:tab pos="5486400" algn="l"/>
+                          <a:tab pos="6400800" algn="l"/>
+                          <a:tab pos="7315200" algn="l"/>
+                          <a:tab pos="8229600" algn="l"/>
+                          <a:tab pos="9144000" algn="l"/>
+                          <a:tab pos="10058400" algn="l"/>
+                        </a:tabLst>
+                      </a:pPr>
+                      <a:r>
+                        <a:rPr kumimoji="0" lang="pt-BR" altLang="pt-BR" sz="1400" b="1" i="0" u="none" strike="noStrike" cap="none" normalizeH="0" baseline="0" dirty="0">
+                          <a:ln>
+                            <a:noFill/>
+                          </a:ln>
+                          <a:solidFill>
+                            <a:srgbClr val="000000"/>
+                          </a:solidFill>
+                          <a:effectLst/>
+                          <a:latin typeface="Tahoma" pitchFamily="34" charset="0"/>
+                          <a:ea typeface="DejaVu Sans" charset="0"/>
+                          <a:cs typeface="DejaVu Sans" charset="0"/>
+                        </a:rPr>
+                        <a:t>3. Criar uma nova conta com nome “Caixa”.</a:t>
+                      </a:r>
+                    </a:p>
+                  </a:txBody>
+                  <a:tcPr marL="90000" marR="90000" marT="49249" marB="45721" horzOverflow="overflow">
+                    <a:lnL w="2880" cap="flat" cmpd="sng" algn="ctr">
+                      <a:solidFill>
+                        <a:srgbClr val="FFFFFF"/>
+                      </a:solidFill>
+                      <a:prstDash val="solid"/>
+                      <a:round/>
+                      <a:headEnd type="none" w="med" len="med"/>
+                      <a:tailEnd type="none" w="med" len="med"/>
+                    </a:lnL>
+                    <a:lnR w="2880" cap="flat" cmpd="sng" algn="ctr">
+                      <a:solidFill>
+                        <a:srgbClr val="FFFFFF"/>
+                      </a:solidFill>
+                      <a:prstDash val="solid"/>
+                      <a:round/>
+                      <a:headEnd type="none" w="med" len="med"/>
+                      <a:tailEnd type="none" w="med" len="med"/>
+                    </a:lnR>
+                    <a:lnT w="2880" cap="flat" cmpd="sng" algn="ctr">
+                      <a:solidFill>
+                        <a:srgbClr val="FFFFFF"/>
+                      </a:solidFill>
+                      <a:prstDash val="solid"/>
+                      <a:round/>
+                      <a:headEnd type="none" w="med" len="med"/>
+                      <a:tailEnd type="none" w="med" len="med"/>
+                    </a:lnT>
+                    <a:lnB w="2880" cap="flat" cmpd="sng" algn="ctr">
+                      <a:solidFill>
+                        <a:srgbClr val="FFFFFF"/>
+                      </a:solidFill>
+                      <a:prstDash val="solid"/>
+                      <a:round/>
+                      <a:headEnd type="none" w="med" len="med"/>
+                      <a:tailEnd type="none" w="med" len="med"/>
+                    </a:lnB>
+                    <a:lnTlToBr>
+                      <a:noFill/>
+                    </a:lnTlToBr>
+                    <a:lnBlToTr>
+                      <a:noFill/>
+                    </a:lnBlToTr>
+                    <a:solidFill>
+                      <a:srgbClr val="CCD1E1"/>
+                    </a:solidFill>
+                  </a:tcPr>
+                </a:tc>
+                <a:tc>
+                  <a:txBody>
+                    <a:bodyPr/>
+                    <a:lstStyle>
+                      <a:lvl1pPr eaLnBrk="0" hangingPunct="0">
+                        <a:spcBef>
+                          <a:spcPts val="800"/>
+                        </a:spcBef>
+                        <a:tabLst>
+                          <a:tab pos="0" algn="l"/>
+                          <a:tab pos="914400" algn="l"/>
+                          <a:tab pos="1828800" algn="l"/>
+                          <a:tab pos="2743200" algn="l"/>
+                          <a:tab pos="3657600" algn="l"/>
+                          <a:tab pos="4572000" algn="l"/>
+                          <a:tab pos="5486400" algn="l"/>
+                          <a:tab pos="6400800" algn="l"/>
+                          <a:tab pos="7315200" algn="l"/>
+                          <a:tab pos="8229600" algn="l"/>
+                          <a:tab pos="9144000" algn="l"/>
+                          <a:tab pos="10058400" algn="l"/>
+                        </a:tabLst>
+                        <a:defRPr>
+                          <a:solidFill>
+                            <a:srgbClr val="000000"/>
+                          </a:solidFill>
+                          <a:latin typeface="Tahoma" pitchFamily="34" charset="0"/>
+                          <a:ea typeface="DejaVu Sans" charset="0"/>
+                          <a:cs typeface="DejaVu Sans" charset="0"/>
+                        </a:defRPr>
+                      </a:lvl1pPr>
+                      <a:lvl2pPr eaLnBrk="0" hangingPunct="0">
+                        <a:spcBef>
+                          <a:spcPts val="700"/>
+                        </a:spcBef>
+                        <a:tabLst>
+                          <a:tab pos="0" algn="l"/>
+                          <a:tab pos="914400" algn="l"/>
+                          <a:tab pos="1828800" algn="l"/>
+                          <a:tab pos="2743200" algn="l"/>
+                          <a:tab pos="3657600" algn="l"/>
+                          <a:tab pos="4572000" algn="l"/>
+                          <a:tab pos="5486400" algn="l"/>
+                          <a:tab pos="6400800" algn="l"/>
+                          <a:tab pos="7315200" algn="l"/>
+                          <a:tab pos="8229600" algn="l"/>
+                          <a:tab pos="9144000" algn="l"/>
+                          <a:tab pos="10058400" algn="l"/>
+                        </a:tabLst>
+                        <a:defRPr sz="2400">
+                          <a:solidFill>
+                            <a:srgbClr val="000000"/>
+                          </a:solidFill>
+                          <a:latin typeface="Tahoma" pitchFamily="34" charset="0"/>
+                          <a:ea typeface="DejaVu Sans" charset="0"/>
+                          <a:cs typeface="DejaVu Sans" charset="0"/>
+                        </a:defRPr>
+                      </a:lvl2pPr>
+                      <a:lvl3pPr eaLnBrk="0" hangingPunct="0">
+                        <a:spcBef>
+                          <a:spcPts val="600"/>
+                        </a:spcBef>
+                        <a:tabLst>
+                          <a:tab pos="0" algn="l"/>
+                          <a:tab pos="914400" algn="l"/>
+                          <a:tab pos="1828800" algn="l"/>
+                          <a:tab pos="2743200" algn="l"/>
+                          <a:tab pos="3657600" algn="l"/>
+                          <a:tab pos="4572000" algn="l"/>
+                          <a:tab pos="5486400" algn="l"/>
+                          <a:tab pos="6400800" algn="l"/>
+                          <a:tab pos="7315200" algn="l"/>
+                          <a:tab pos="8229600" algn="l"/>
+                          <a:tab pos="9144000" algn="l"/>
+                          <a:tab pos="10058400" algn="l"/>
+                        </a:tabLst>
+                        <a:defRPr sz="2000">
+                          <a:solidFill>
+                            <a:srgbClr val="000000"/>
+                          </a:solidFill>
+                          <a:latin typeface="Tahoma" pitchFamily="34" charset="0"/>
+                          <a:ea typeface="DejaVu Sans" charset="0"/>
+                          <a:cs typeface="DejaVu Sans" charset="0"/>
+                        </a:defRPr>
+                      </a:lvl3pPr>
+                      <a:lvl4pPr eaLnBrk="0" hangingPunct="0">
+                        <a:spcBef>
+                          <a:spcPts val="500"/>
+                        </a:spcBef>
+                        <a:tabLst>
+                          <a:tab pos="0" algn="l"/>
+                          <a:tab pos="914400" algn="l"/>
+                          <a:tab pos="1828800" algn="l"/>
+                          <a:tab pos="2743200" algn="l"/>
+                          <a:tab pos="3657600" algn="l"/>
+                          <a:tab pos="4572000" algn="l"/>
+                          <a:tab pos="5486400" algn="l"/>
+                          <a:tab pos="6400800" algn="l"/>
+                          <a:tab pos="7315200" algn="l"/>
+                          <a:tab pos="8229600" algn="l"/>
+                          <a:tab pos="9144000" algn="l"/>
+                          <a:tab pos="10058400" algn="l"/>
+                        </a:tabLst>
+                        <a:defRPr>
+                          <a:solidFill>
+                            <a:srgbClr val="000000"/>
+                          </a:solidFill>
+                          <a:latin typeface="Tahoma" pitchFamily="34" charset="0"/>
+                          <a:ea typeface="DejaVu Sans" charset="0"/>
+                          <a:cs typeface="DejaVu Sans" charset="0"/>
+                        </a:defRPr>
+                      </a:lvl4pPr>
+                      <a:lvl5pPr eaLnBrk="0" hangingPunct="0">
+                        <a:spcBef>
+                          <a:spcPts val="500"/>
+                        </a:spcBef>
+                        <a:tabLst>
+                          <a:tab pos="0" algn="l"/>
+                          <a:tab pos="914400" algn="l"/>
+                          <a:tab pos="1828800" algn="l"/>
+                          <a:tab pos="2743200" algn="l"/>
+                          <a:tab pos="3657600" algn="l"/>
+                          <a:tab pos="4572000" algn="l"/>
+                          <a:tab pos="5486400" algn="l"/>
+                          <a:tab pos="6400800" algn="l"/>
+                          <a:tab pos="7315200" algn="l"/>
+                          <a:tab pos="8229600" algn="l"/>
+                          <a:tab pos="9144000" algn="l"/>
+                          <a:tab pos="10058400" algn="l"/>
+                        </a:tabLst>
+                        <a:defRPr>
+                          <a:solidFill>
+                            <a:srgbClr val="000000"/>
+                          </a:solidFill>
+                          <a:latin typeface="Tahoma" pitchFamily="34" charset="0"/>
+                          <a:ea typeface="DejaVu Sans" charset="0"/>
+                          <a:cs typeface="DejaVu Sans" charset="0"/>
+                        </a:defRPr>
+                      </a:lvl5pPr>
+                      <a:lvl6pPr marL="2514600" indent="-228600" defTabSz="449263" eaLnBrk="0" fontAlgn="base" hangingPunct="0">
+                        <a:spcBef>
+                          <a:spcPts val="500"/>
+                        </a:spcBef>
+                        <a:spcAft>
+                          <a:spcPct val="0"/>
+                        </a:spcAft>
+                        <a:buClr>
+                          <a:srgbClr val="000000"/>
+                        </a:buClr>
+                        <a:buSzPct val="100000"/>
+                        <a:buFont typeface="Times New Roman" pitchFamily="18" charset="0"/>
+                        <a:tabLst>
+                          <a:tab pos="0" algn="l"/>
+                          <a:tab pos="914400" algn="l"/>
+                          <a:tab pos="1828800" algn="l"/>
+                          <a:tab pos="2743200" algn="l"/>
+                          <a:tab pos="3657600" algn="l"/>
+                          <a:tab pos="4572000" algn="l"/>
+                          <a:tab pos="5486400" algn="l"/>
+                          <a:tab pos="6400800" algn="l"/>
+                          <a:tab pos="7315200" algn="l"/>
+                          <a:tab pos="8229600" algn="l"/>
+                          <a:tab pos="9144000" algn="l"/>
+                          <a:tab pos="10058400" algn="l"/>
+                        </a:tabLst>
+                        <a:defRPr>
+                          <a:solidFill>
+                            <a:srgbClr val="000000"/>
+                          </a:solidFill>
+                          <a:latin typeface="Tahoma" pitchFamily="34" charset="0"/>
+                          <a:ea typeface="DejaVu Sans" charset="0"/>
+                          <a:cs typeface="DejaVu Sans" charset="0"/>
+                        </a:defRPr>
+                      </a:lvl6pPr>
+                      <a:lvl7pPr marL="2971800" indent="-228600" defTabSz="449263" eaLnBrk="0" fontAlgn="base" hangingPunct="0">
+                        <a:spcBef>
+                          <a:spcPts val="500"/>
+                        </a:spcBef>
+                        <a:spcAft>
+                          <a:spcPct val="0"/>
+                        </a:spcAft>
+                        <a:buClr>
+                          <a:srgbClr val="000000"/>
+                        </a:buClr>
+                        <a:buSzPct val="100000"/>
+                        <a:buFont typeface="Times New Roman" pitchFamily="18" charset="0"/>
+                        <a:tabLst>
+                          <a:tab pos="0" algn="l"/>
+                          <a:tab pos="914400" algn="l"/>
+                          <a:tab pos="1828800" algn="l"/>
+                          <a:tab pos="2743200" algn="l"/>
+                          <a:tab pos="3657600" algn="l"/>
+                          <a:tab pos="4572000" algn="l"/>
+                          <a:tab pos="5486400" algn="l"/>
+                          <a:tab pos="6400800" algn="l"/>
+                          <a:tab pos="7315200" algn="l"/>
+                          <a:tab pos="8229600" algn="l"/>
+                          <a:tab pos="9144000" algn="l"/>
+                          <a:tab pos="10058400" algn="l"/>
+                        </a:tabLst>
+                        <a:defRPr>
+                          <a:solidFill>
+                            <a:srgbClr val="000000"/>
+                          </a:solidFill>
+                          <a:latin typeface="Tahoma" pitchFamily="34" charset="0"/>
+                          <a:ea typeface="DejaVu Sans" charset="0"/>
+                          <a:cs typeface="DejaVu Sans" charset="0"/>
+                        </a:defRPr>
+                      </a:lvl7pPr>
+                      <a:lvl8pPr marL="3429000" indent="-228600" defTabSz="449263" eaLnBrk="0" fontAlgn="base" hangingPunct="0">
+                        <a:spcBef>
+                          <a:spcPts val="500"/>
+                        </a:spcBef>
+                        <a:spcAft>
+                          <a:spcPct val="0"/>
+                        </a:spcAft>
+                        <a:buClr>
+                          <a:srgbClr val="000000"/>
+                        </a:buClr>
+                        <a:buSzPct val="100000"/>
+                        <a:buFont typeface="Times New Roman" pitchFamily="18" charset="0"/>
+                        <a:tabLst>
+                          <a:tab pos="0" algn="l"/>
+                          <a:tab pos="914400" algn="l"/>
+                          <a:tab pos="1828800" algn="l"/>
+                          <a:tab pos="2743200" algn="l"/>
+                          <a:tab pos="3657600" algn="l"/>
+                          <a:tab pos="4572000" algn="l"/>
+                          <a:tab pos="5486400" algn="l"/>
+                          <a:tab pos="6400800" algn="l"/>
+                          <a:tab pos="7315200" algn="l"/>
+                          <a:tab pos="8229600" algn="l"/>
+                          <a:tab pos="9144000" algn="l"/>
+                          <a:tab pos="10058400" algn="l"/>
+                        </a:tabLst>
+                        <a:defRPr>
+                          <a:solidFill>
+                            <a:srgbClr val="000000"/>
+                          </a:solidFill>
+                          <a:latin typeface="Tahoma" pitchFamily="34" charset="0"/>
+                          <a:ea typeface="DejaVu Sans" charset="0"/>
+                          <a:cs typeface="DejaVu Sans" charset="0"/>
+                        </a:defRPr>
+                      </a:lvl8pPr>
+                      <a:lvl9pPr marL="3886200" indent="-228600" defTabSz="449263" eaLnBrk="0" fontAlgn="base" hangingPunct="0">
+                        <a:spcBef>
+                          <a:spcPts val="500"/>
+                        </a:spcBef>
+                        <a:spcAft>
+                          <a:spcPct val="0"/>
+                        </a:spcAft>
+                        <a:buClr>
+                          <a:srgbClr val="000000"/>
+                        </a:buClr>
+                        <a:buSzPct val="100000"/>
+                        <a:buFont typeface="Times New Roman" pitchFamily="18" charset="0"/>
+                        <a:tabLst>
+                          <a:tab pos="0" algn="l"/>
+                          <a:tab pos="914400" algn="l"/>
+                          <a:tab pos="1828800" algn="l"/>
+                          <a:tab pos="2743200" algn="l"/>
+                          <a:tab pos="3657600" algn="l"/>
+                          <a:tab pos="4572000" algn="l"/>
+                          <a:tab pos="5486400" algn="l"/>
+                          <a:tab pos="6400800" algn="l"/>
+                          <a:tab pos="7315200" algn="l"/>
+                          <a:tab pos="8229600" algn="l"/>
+                          <a:tab pos="9144000" algn="l"/>
+                          <a:tab pos="10058400" algn="l"/>
+                        </a:tabLst>
+                        <a:defRPr>
+                          <a:solidFill>
+                            <a:srgbClr val="000000"/>
+                          </a:solidFill>
+                          <a:latin typeface="Tahoma" pitchFamily="34" charset="0"/>
+                          <a:ea typeface="DejaVu Sans" charset="0"/>
+                          <a:cs typeface="DejaVu Sans" charset="0"/>
+                        </a:defRPr>
+                      </a:lvl9pPr>
+                    </a:lstStyle>
+                    <a:p>
+                      <a:pPr marL="0" marR="0" lvl="0" indent="0" algn="l" defTabSz="449263" rtl="0" eaLnBrk="1" fontAlgn="base" latinLnBrk="0" hangingPunct="1">
+                        <a:lnSpc>
+                          <a:spcPct val="98000"/>
+                        </a:lnSpc>
+                        <a:spcBef>
+                          <a:spcPct val="0"/>
+                        </a:spcBef>
+                        <a:spcAft>
+                          <a:spcPct val="0"/>
+                        </a:spcAft>
+                        <a:buClrTx/>
+                        <a:buSzPct val="100000"/>
+                        <a:buFontTx/>
+                        <a:buNone/>
+                        <a:tabLst>
+                          <a:tab pos="0" algn="l"/>
+                          <a:tab pos="914400" algn="l"/>
+                          <a:tab pos="1828800" algn="l"/>
+                          <a:tab pos="2743200" algn="l"/>
+                          <a:tab pos="3657600" algn="l"/>
+                          <a:tab pos="4572000" algn="l"/>
+                          <a:tab pos="5486400" algn="l"/>
+                          <a:tab pos="6400800" algn="l"/>
+                          <a:tab pos="7315200" algn="l"/>
+                          <a:tab pos="8229600" algn="l"/>
+                          <a:tab pos="9144000" algn="l"/>
+                          <a:tab pos="10058400" algn="l"/>
+                        </a:tabLst>
+                      </a:pPr>
+                      <a:r>
+                        <a:rPr kumimoji="0" lang="pt-BR" altLang="pt-BR" sz="1400" b="1" i="0" u="none" strike="noStrike" cap="none" normalizeH="0" baseline="0" dirty="0">
+                          <a:ln>
+                            <a:noFill/>
+                          </a:ln>
+                          <a:solidFill>
+                            <a:srgbClr val="000000"/>
+                          </a:solidFill>
+                          <a:effectLst/>
+                          <a:latin typeface="Tahoma" pitchFamily="34" charset="0"/>
+                          <a:ea typeface="DejaVu Sans" charset="0"/>
+                          <a:cs typeface="DejaVu Sans" charset="0"/>
+                        </a:rPr>
+                        <a:t>O sistema emite a seguinte</a:t>
+                      </a:r>
+                    </a:p>
+                    <a:p>
+                      <a:pPr marL="0" marR="0" lvl="0" indent="0" algn="l" defTabSz="449263" rtl="0" eaLnBrk="1" fontAlgn="base" latinLnBrk="0" hangingPunct="1">
+                        <a:lnSpc>
+                          <a:spcPct val="98000"/>
+                        </a:lnSpc>
+                        <a:spcBef>
+                          <a:spcPct val="0"/>
+                        </a:spcBef>
+                        <a:spcAft>
+                          <a:spcPct val="0"/>
+                        </a:spcAft>
+                        <a:buClrTx/>
+                        <a:buSzPct val="100000"/>
+                        <a:buFontTx/>
+                        <a:buNone/>
+                        <a:tabLst>
+                          <a:tab pos="0" algn="l"/>
+                          <a:tab pos="914400" algn="l"/>
+                          <a:tab pos="1828800" algn="l"/>
+                          <a:tab pos="2743200" algn="l"/>
+                          <a:tab pos="3657600" algn="l"/>
+                          <a:tab pos="4572000" algn="l"/>
+                          <a:tab pos="5486400" algn="l"/>
+                          <a:tab pos="6400800" algn="l"/>
+                          <a:tab pos="7315200" algn="l"/>
+                          <a:tab pos="8229600" algn="l"/>
+                          <a:tab pos="9144000" algn="l"/>
+                          <a:tab pos="10058400" algn="l"/>
+                        </a:tabLst>
+                      </a:pPr>
+                      <a:r>
+                        <a:rPr kumimoji="0" lang="pt-BR" altLang="pt-BR" sz="1400" b="1" i="0" u="none" strike="noStrike" cap="none" normalizeH="0" baseline="0" dirty="0">
+                          <a:ln>
+                            <a:noFill/>
+                          </a:ln>
+                          <a:solidFill>
+                            <a:srgbClr val="000000"/>
+                          </a:solidFill>
+                          <a:effectLst/>
+                          <a:latin typeface="Tahoma" pitchFamily="34" charset="0"/>
+                          <a:ea typeface="DejaVu Sans" charset="0"/>
+                          <a:cs typeface="DejaVu Sans" charset="0"/>
+                        </a:rPr>
+                        <a:t>mensagem: “Salvo com sucesso!”.</a:t>
+                      </a:r>
+                    </a:p>
+                  </a:txBody>
+                  <a:tcPr marL="90000" marR="90000" marT="49249" marB="45721" horzOverflow="overflow">
+                    <a:lnL w="2880" cap="flat" cmpd="sng" algn="ctr">
+                      <a:solidFill>
+                        <a:srgbClr val="FFFFFF"/>
+                      </a:solidFill>
+                      <a:prstDash val="solid"/>
+                      <a:round/>
+                      <a:headEnd type="none" w="med" len="med"/>
+                      <a:tailEnd type="none" w="med" len="med"/>
+                    </a:lnL>
+                    <a:lnR w="2880" cap="flat" cmpd="sng" algn="ctr">
+                      <a:solidFill>
+                        <a:srgbClr val="FFFFFF"/>
+                      </a:solidFill>
+                      <a:prstDash val="solid"/>
+                      <a:round/>
+                      <a:headEnd type="none" w="med" len="med"/>
+                      <a:tailEnd type="none" w="med" len="med"/>
+                    </a:lnR>
+                    <a:lnT w="2880" cap="flat" cmpd="sng" algn="ctr">
+                      <a:solidFill>
+                        <a:srgbClr val="FFFFFF"/>
+                      </a:solidFill>
+                      <a:prstDash val="solid"/>
+                      <a:round/>
+                      <a:headEnd type="none" w="med" len="med"/>
+                      <a:tailEnd type="none" w="med" len="med"/>
+                    </a:lnT>
+                    <a:lnB w="2880" cap="flat" cmpd="sng" algn="ctr">
+                      <a:solidFill>
+                        <a:srgbClr val="FFFFFF"/>
+                      </a:solidFill>
+                      <a:prstDash val="solid"/>
+                      <a:round/>
+                      <a:headEnd type="none" w="med" len="med"/>
+                      <a:tailEnd type="none" w="med" len="med"/>
+                    </a:lnB>
+                    <a:lnTlToBr>
+                      <a:noFill/>
+                    </a:lnTlToBr>
+                    <a:lnBlToTr>
+                      <a:noFill/>
+                    </a:lnBlToTr>
+                    <a:solidFill>
+                      <a:srgbClr val="CCD1E1"/>
+                    </a:solidFill>
+                  </a:tcPr>
+                </a:tc>
+                <a:extLst>
+                  <a:ext uri="{0D108BD9-81ED-4DB2-BD59-A6C34878D82A}">
+                    <a16:rowId xmlns:a16="http://schemas.microsoft.com/office/drawing/2014/main" val="1544292141"/>
+                  </a:ext>
+                </a:extLst>
+              </a:tr>
+            </a:tbl>
+          </a:graphicData>
+        </a:graphic>
+      </p:graphicFrame>
     </p:spTree>
     <p:extLst>
       <p:ext uri="{BB962C8B-B14F-4D97-AF65-F5344CB8AC3E}">
@@ -11064,7 +14041,7 @@
           <p:nvPr>
             <p:extLst>
               <p:ext uri="{D42A27DB-BD31-4B8C-83A1-F6EECF244321}">
-                <p14:modId xmlns:p14="http://schemas.microsoft.com/office/powerpoint/2010/main" val="3084792125"/>
+                <p14:modId xmlns:p14="http://schemas.microsoft.com/office/powerpoint/2010/main" val="3576738714"/>
               </p:ext>
             </p:extLst>
           </p:nvPr>
@@ -11417,8 +14394,49 @@
                           <a:ea typeface="DejaVu Sans" charset="0"/>
                           <a:cs typeface="DejaVu Sans" charset="0"/>
                         </a:rPr>
-                        <a:t>CT01.1 – excluir uma conta.</a:t>
+                        <a:t>CT01.1 – </a:t>
                       </a:r>
+                      <a:r>
+                        <a:rPr kumimoji="0" lang="pt-BR" altLang="pt-BR" sz="1800" b="0" i="0" u="none" strike="noStrike" kern="1200" cap="none" normalizeH="0" baseline="0" dirty="0">
+                          <a:ln>
+                            <a:noFill/>
+                          </a:ln>
+                          <a:solidFill>
+                            <a:srgbClr val="FFFFFF"/>
+                          </a:solidFill>
+                          <a:effectLst/>
+                          <a:latin typeface="Tahoma" pitchFamily="34" charset="0"/>
+                          <a:ea typeface="DejaVu Sans" charset="0"/>
+                          <a:cs typeface="DejaVu Sans" charset="0"/>
+                        </a:rPr>
+                        <a:t>excluir uma </a:t>
+                      </a:r>
+                      <a:r>
+                        <a:rPr kumimoji="0" lang="pt-BR" altLang="pt-BR" sz="1800" b="0" i="0" u="none" strike="noStrike" kern="1200" cap="none" normalizeH="0" baseline="0" dirty="0">
+                          <a:ln>
+                            <a:noFill/>
+                          </a:ln>
+                          <a:solidFill>
+                            <a:srgbClr val="FFFFFF"/>
+                          </a:solidFill>
+                          <a:effectLst/>
+                          <a:latin typeface="Tahoma" pitchFamily="34" charset="0"/>
+                          <a:cs typeface="Arial" charset="0"/>
+                        </a:rPr>
+                        <a:t>conta com lançamento</a:t>
+                      </a:r>
+                      <a:endParaRPr kumimoji="0" lang="pt-BR" altLang="pt-BR" sz="1800" b="0" i="0" u="none" strike="noStrike" kern="1200" cap="none" normalizeH="0" baseline="0" dirty="0">
+                        <a:ln>
+                          <a:noFill/>
+                        </a:ln>
+                        <a:solidFill>
+                          <a:srgbClr val="FFFFFF"/>
+                        </a:solidFill>
+                        <a:effectLst/>
+                        <a:latin typeface="Tahoma" pitchFamily="34" charset="0"/>
+                        <a:ea typeface="DejaVu Sans" charset="0"/>
+                        <a:cs typeface="DejaVu Sans" charset="0"/>
+                      </a:endParaRPr>
                     </a:p>
                   </a:txBody>
                   <a:tcPr marL="90000" marR="90000" marT="50257" marB="45721" horzOverflow="overflow">
@@ -14875,6 +17893,2359 @@
                 <a:extLst>
                   <a:ext uri="{0D108BD9-81ED-4DB2-BD59-A6C34878D82A}">
                     <a16:rowId xmlns:a16="http://schemas.microsoft.com/office/drawing/2014/main" val="10005"/>
+                  </a:ext>
+                </a:extLst>
+              </a:tr>
+            </a:tbl>
+          </a:graphicData>
+        </a:graphic>
+      </p:graphicFrame>
+      <p:graphicFrame>
+        <p:nvGraphicFramePr>
+          <p:cNvPr id="3" name="Tabela 2">
+            <a:extLst>
+              <a:ext uri="{FF2B5EF4-FFF2-40B4-BE49-F238E27FC236}">
+                <a16:creationId xmlns:a16="http://schemas.microsoft.com/office/drawing/2014/main" id="{4D365AA1-C0F7-4A92-A8C6-55CA059C3B47}"/>
+              </a:ext>
+            </a:extLst>
+          </p:cNvPr>
+          <p:cNvGraphicFramePr>
+            <a:graphicFrameLocks noGrp="1"/>
+          </p:cNvGraphicFramePr>
+          <p:nvPr>
+            <p:extLst>
+              <p:ext uri="{D42A27DB-BD31-4B8C-83A1-F6EECF244321}">
+                <p14:modId xmlns:p14="http://schemas.microsoft.com/office/powerpoint/2010/main" val="2647769239"/>
+              </p:ext>
+            </p:extLst>
+          </p:nvPr>
+        </p:nvGraphicFramePr>
+        <p:xfrm>
+          <a:off x="3047206" y="2715337"/>
+          <a:ext cx="6097588" cy="2912731"/>
+        </p:xfrm>
+        <a:graphic>
+          <a:graphicData uri="http://schemas.openxmlformats.org/drawingml/2006/table">
+            <a:tbl>
+              <a:tblPr/>
+              <a:tblGrid>
+                <a:gridCol w="3049588">
+                  <a:extLst>
+                    <a:ext uri="{9D8B030D-6E8A-4147-A177-3AD203B41FA5}">
+                      <a16:colId xmlns:a16="http://schemas.microsoft.com/office/drawing/2014/main" val="3373611314"/>
+                    </a:ext>
+                  </a:extLst>
+                </a:gridCol>
+                <a:gridCol w="3048000">
+                  <a:extLst>
+                    <a:ext uri="{9D8B030D-6E8A-4147-A177-3AD203B41FA5}">
+                      <a16:colId xmlns:a16="http://schemas.microsoft.com/office/drawing/2014/main" val="1759092798"/>
+                    </a:ext>
+                  </a:extLst>
+                </a:gridCol>
+              </a:tblGrid>
+              <a:tr h="731859">
+                <a:tc>
+                  <a:txBody>
+                    <a:bodyPr/>
+                    <a:lstStyle>
+                      <a:lvl1pPr eaLnBrk="0" hangingPunct="0">
+                        <a:spcBef>
+                          <a:spcPts val="800"/>
+                        </a:spcBef>
+                        <a:tabLst>
+                          <a:tab pos="0" algn="l"/>
+                          <a:tab pos="914400" algn="l"/>
+                          <a:tab pos="1828800" algn="l"/>
+                          <a:tab pos="2743200" algn="l"/>
+                          <a:tab pos="3657600" algn="l"/>
+                          <a:tab pos="4572000" algn="l"/>
+                          <a:tab pos="5486400" algn="l"/>
+                          <a:tab pos="6400800" algn="l"/>
+                          <a:tab pos="7315200" algn="l"/>
+                          <a:tab pos="8229600" algn="l"/>
+                          <a:tab pos="9144000" algn="l"/>
+                          <a:tab pos="10058400" algn="l"/>
+                        </a:tabLst>
+                        <a:defRPr>
+                          <a:solidFill>
+                            <a:srgbClr val="000000"/>
+                          </a:solidFill>
+                          <a:latin typeface="Tahoma" pitchFamily="34" charset="0"/>
+                          <a:ea typeface="DejaVu Sans" charset="0"/>
+                          <a:cs typeface="DejaVu Sans" charset="0"/>
+                        </a:defRPr>
+                      </a:lvl1pPr>
+                      <a:lvl2pPr eaLnBrk="0" hangingPunct="0">
+                        <a:spcBef>
+                          <a:spcPts val="700"/>
+                        </a:spcBef>
+                        <a:tabLst>
+                          <a:tab pos="0" algn="l"/>
+                          <a:tab pos="914400" algn="l"/>
+                          <a:tab pos="1828800" algn="l"/>
+                          <a:tab pos="2743200" algn="l"/>
+                          <a:tab pos="3657600" algn="l"/>
+                          <a:tab pos="4572000" algn="l"/>
+                          <a:tab pos="5486400" algn="l"/>
+                          <a:tab pos="6400800" algn="l"/>
+                          <a:tab pos="7315200" algn="l"/>
+                          <a:tab pos="8229600" algn="l"/>
+                          <a:tab pos="9144000" algn="l"/>
+                          <a:tab pos="10058400" algn="l"/>
+                        </a:tabLst>
+                        <a:defRPr sz="2400">
+                          <a:solidFill>
+                            <a:srgbClr val="000000"/>
+                          </a:solidFill>
+                          <a:latin typeface="Tahoma" pitchFamily="34" charset="0"/>
+                          <a:ea typeface="DejaVu Sans" charset="0"/>
+                          <a:cs typeface="DejaVu Sans" charset="0"/>
+                        </a:defRPr>
+                      </a:lvl2pPr>
+                      <a:lvl3pPr eaLnBrk="0" hangingPunct="0">
+                        <a:spcBef>
+                          <a:spcPts val="600"/>
+                        </a:spcBef>
+                        <a:tabLst>
+                          <a:tab pos="0" algn="l"/>
+                          <a:tab pos="914400" algn="l"/>
+                          <a:tab pos="1828800" algn="l"/>
+                          <a:tab pos="2743200" algn="l"/>
+                          <a:tab pos="3657600" algn="l"/>
+                          <a:tab pos="4572000" algn="l"/>
+                          <a:tab pos="5486400" algn="l"/>
+                          <a:tab pos="6400800" algn="l"/>
+                          <a:tab pos="7315200" algn="l"/>
+                          <a:tab pos="8229600" algn="l"/>
+                          <a:tab pos="9144000" algn="l"/>
+                          <a:tab pos="10058400" algn="l"/>
+                        </a:tabLst>
+                        <a:defRPr sz="2000">
+                          <a:solidFill>
+                            <a:srgbClr val="000000"/>
+                          </a:solidFill>
+                          <a:latin typeface="Tahoma" pitchFamily="34" charset="0"/>
+                          <a:ea typeface="DejaVu Sans" charset="0"/>
+                          <a:cs typeface="DejaVu Sans" charset="0"/>
+                        </a:defRPr>
+                      </a:lvl3pPr>
+                      <a:lvl4pPr eaLnBrk="0" hangingPunct="0">
+                        <a:spcBef>
+                          <a:spcPts val="500"/>
+                        </a:spcBef>
+                        <a:tabLst>
+                          <a:tab pos="0" algn="l"/>
+                          <a:tab pos="914400" algn="l"/>
+                          <a:tab pos="1828800" algn="l"/>
+                          <a:tab pos="2743200" algn="l"/>
+                          <a:tab pos="3657600" algn="l"/>
+                          <a:tab pos="4572000" algn="l"/>
+                          <a:tab pos="5486400" algn="l"/>
+                          <a:tab pos="6400800" algn="l"/>
+                          <a:tab pos="7315200" algn="l"/>
+                          <a:tab pos="8229600" algn="l"/>
+                          <a:tab pos="9144000" algn="l"/>
+                          <a:tab pos="10058400" algn="l"/>
+                        </a:tabLst>
+                        <a:defRPr>
+                          <a:solidFill>
+                            <a:srgbClr val="000000"/>
+                          </a:solidFill>
+                          <a:latin typeface="Tahoma" pitchFamily="34" charset="0"/>
+                          <a:ea typeface="DejaVu Sans" charset="0"/>
+                          <a:cs typeface="DejaVu Sans" charset="0"/>
+                        </a:defRPr>
+                      </a:lvl4pPr>
+                      <a:lvl5pPr eaLnBrk="0" hangingPunct="0">
+                        <a:spcBef>
+                          <a:spcPts val="500"/>
+                        </a:spcBef>
+                        <a:tabLst>
+                          <a:tab pos="0" algn="l"/>
+                          <a:tab pos="914400" algn="l"/>
+                          <a:tab pos="1828800" algn="l"/>
+                          <a:tab pos="2743200" algn="l"/>
+                          <a:tab pos="3657600" algn="l"/>
+                          <a:tab pos="4572000" algn="l"/>
+                          <a:tab pos="5486400" algn="l"/>
+                          <a:tab pos="6400800" algn="l"/>
+                          <a:tab pos="7315200" algn="l"/>
+                          <a:tab pos="8229600" algn="l"/>
+                          <a:tab pos="9144000" algn="l"/>
+                          <a:tab pos="10058400" algn="l"/>
+                        </a:tabLst>
+                        <a:defRPr>
+                          <a:solidFill>
+                            <a:srgbClr val="000000"/>
+                          </a:solidFill>
+                          <a:latin typeface="Tahoma" pitchFamily="34" charset="0"/>
+                          <a:ea typeface="DejaVu Sans" charset="0"/>
+                          <a:cs typeface="DejaVu Sans" charset="0"/>
+                        </a:defRPr>
+                      </a:lvl5pPr>
+                      <a:lvl6pPr marL="2514600" indent="-228600" defTabSz="449263" eaLnBrk="0" fontAlgn="base" hangingPunct="0">
+                        <a:spcBef>
+                          <a:spcPts val="500"/>
+                        </a:spcBef>
+                        <a:spcAft>
+                          <a:spcPct val="0"/>
+                        </a:spcAft>
+                        <a:buClr>
+                          <a:srgbClr val="000000"/>
+                        </a:buClr>
+                        <a:buSzPct val="100000"/>
+                        <a:buFont typeface="Times New Roman" pitchFamily="18" charset="0"/>
+                        <a:tabLst>
+                          <a:tab pos="0" algn="l"/>
+                          <a:tab pos="914400" algn="l"/>
+                          <a:tab pos="1828800" algn="l"/>
+                          <a:tab pos="2743200" algn="l"/>
+                          <a:tab pos="3657600" algn="l"/>
+                          <a:tab pos="4572000" algn="l"/>
+                          <a:tab pos="5486400" algn="l"/>
+                          <a:tab pos="6400800" algn="l"/>
+                          <a:tab pos="7315200" algn="l"/>
+                          <a:tab pos="8229600" algn="l"/>
+                          <a:tab pos="9144000" algn="l"/>
+                          <a:tab pos="10058400" algn="l"/>
+                        </a:tabLst>
+                        <a:defRPr>
+                          <a:solidFill>
+                            <a:srgbClr val="000000"/>
+                          </a:solidFill>
+                          <a:latin typeface="Tahoma" pitchFamily="34" charset="0"/>
+                          <a:ea typeface="DejaVu Sans" charset="0"/>
+                          <a:cs typeface="DejaVu Sans" charset="0"/>
+                        </a:defRPr>
+                      </a:lvl6pPr>
+                      <a:lvl7pPr marL="2971800" indent="-228600" defTabSz="449263" eaLnBrk="0" fontAlgn="base" hangingPunct="0">
+                        <a:spcBef>
+                          <a:spcPts val="500"/>
+                        </a:spcBef>
+                        <a:spcAft>
+                          <a:spcPct val="0"/>
+                        </a:spcAft>
+                        <a:buClr>
+                          <a:srgbClr val="000000"/>
+                        </a:buClr>
+                        <a:buSzPct val="100000"/>
+                        <a:buFont typeface="Times New Roman" pitchFamily="18" charset="0"/>
+                        <a:tabLst>
+                          <a:tab pos="0" algn="l"/>
+                          <a:tab pos="914400" algn="l"/>
+                          <a:tab pos="1828800" algn="l"/>
+                          <a:tab pos="2743200" algn="l"/>
+                          <a:tab pos="3657600" algn="l"/>
+                          <a:tab pos="4572000" algn="l"/>
+                          <a:tab pos="5486400" algn="l"/>
+                          <a:tab pos="6400800" algn="l"/>
+                          <a:tab pos="7315200" algn="l"/>
+                          <a:tab pos="8229600" algn="l"/>
+                          <a:tab pos="9144000" algn="l"/>
+                          <a:tab pos="10058400" algn="l"/>
+                        </a:tabLst>
+                        <a:defRPr>
+                          <a:solidFill>
+                            <a:srgbClr val="000000"/>
+                          </a:solidFill>
+                          <a:latin typeface="Tahoma" pitchFamily="34" charset="0"/>
+                          <a:ea typeface="DejaVu Sans" charset="0"/>
+                          <a:cs typeface="DejaVu Sans" charset="0"/>
+                        </a:defRPr>
+                      </a:lvl7pPr>
+                      <a:lvl8pPr marL="3429000" indent="-228600" defTabSz="449263" eaLnBrk="0" fontAlgn="base" hangingPunct="0">
+                        <a:spcBef>
+                          <a:spcPts val="500"/>
+                        </a:spcBef>
+                        <a:spcAft>
+                          <a:spcPct val="0"/>
+                        </a:spcAft>
+                        <a:buClr>
+                          <a:srgbClr val="000000"/>
+                        </a:buClr>
+                        <a:buSzPct val="100000"/>
+                        <a:buFont typeface="Times New Roman" pitchFamily="18" charset="0"/>
+                        <a:tabLst>
+                          <a:tab pos="0" algn="l"/>
+                          <a:tab pos="914400" algn="l"/>
+                          <a:tab pos="1828800" algn="l"/>
+                          <a:tab pos="2743200" algn="l"/>
+                          <a:tab pos="3657600" algn="l"/>
+                          <a:tab pos="4572000" algn="l"/>
+                          <a:tab pos="5486400" algn="l"/>
+                          <a:tab pos="6400800" algn="l"/>
+                          <a:tab pos="7315200" algn="l"/>
+                          <a:tab pos="8229600" algn="l"/>
+                          <a:tab pos="9144000" algn="l"/>
+                          <a:tab pos="10058400" algn="l"/>
+                        </a:tabLst>
+                        <a:defRPr>
+                          <a:solidFill>
+                            <a:srgbClr val="000000"/>
+                          </a:solidFill>
+                          <a:latin typeface="Tahoma" pitchFamily="34" charset="0"/>
+                          <a:ea typeface="DejaVu Sans" charset="0"/>
+                          <a:cs typeface="DejaVu Sans" charset="0"/>
+                        </a:defRPr>
+                      </a:lvl8pPr>
+                      <a:lvl9pPr marL="3886200" indent="-228600" defTabSz="449263" eaLnBrk="0" fontAlgn="base" hangingPunct="0">
+                        <a:spcBef>
+                          <a:spcPts val="500"/>
+                        </a:spcBef>
+                        <a:spcAft>
+                          <a:spcPct val="0"/>
+                        </a:spcAft>
+                        <a:buClr>
+                          <a:srgbClr val="000000"/>
+                        </a:buClr>
+                        <a:buSzPct val="100000"/>
+                        <a:buFont typeface="Times New Roman" pitchFamily="18" charset="0"/>
+                        <a:tabLst>
+                          <a:tab pos="0" algn="l"/>
+                          <a:tab pos="914400" algn="l"/>
+                          <a:tab pos="1828800" algn="l"/>
+                          <a:tab pos="2743200" algn="l"/>
+                          <a:tab pos="3657600" algn="l"/>
+                          <a:tab pos="4572000" algn="l"/>
+                          <a:tab pos="5486400" algn="l"/>
+                          <a:tab pos="6400800" algn="l"/>
+                          <a:tab pos="7315200" algn="l"/>
+                          <a:tab pos="8229600" algn="l"/>
+                          <a:tab pos="9144000" algn="l"/>
+                          <a:tab pos="10058400" algn="l"/>
+                        </a:tabLst>
+                        <a:defRPr>
+                          <a:solidFill>
+                            <a:srgbClr val="000000"/>
+                          </a:solidFill>
+                          <a:latin typeface="Tahoma" pitchFamily="34" charset="0"/>
+                          <a:ea typeface="DejaVu Sans" charset="0"/>
+                          <a:cs typeface="DejaVu Sans" charset="0"/>
+                        </a:defRPr>
+                      </a:lvl9pPr>
+                    </a:lstStyle>
+                    <a:p>
+                      <a:pPr marL="0" marR="0" lvl="0" indent="0" algn="l" defTabSz="449263" rtl="0" eaLnBrk="1" fontAlgn="base" latinLnBrk="0" hangingPunct="1">
+                        <a:lnSpc>
+                          <a:spcPct val="98000"/>
+                        </a:lnSpc>
+                        <a:spcBef>
+                          <a:spcPct val="0"/>
+                        </a:spcBef>
+                        <a:spcAft>
+                          <a:spcPct val="0"/>
+                        </a:spcAft>
+                        <a:buClrTx/>
+                        <a:buSzPct val="100000"/>
+                        <a:buFontTx/>
+                        <a:buNone/>
+                        <a:tabLst>
+                          <a:tab pos="0" algn="l"/>
+                          <a:tab pos="914400" algn="l"/>
+                          <a:tab pos="1828800" algn="l"/>
+                          <a:tab pos="2743200" algn="l"/>
+                          <a:tab pos="3657600" algn="l"/>
+                          <a:tab pos="4572000" algn="l"/>
+                          <a:tab pos="5486400" algn="l"/>
+                          <a:tab pos="6400800" algn="l"/>
+                          <a:tab pos="7315200" algn="l"/>
+                          <a:tab pos="8229600" algn="l"/>
+                          <a:tab pos="9144000" algn="l"/>
+                          <a:tab pos="10058400" algn="l"/>
+                        </a:tabLst>
+                      </a:pPr>
+                      <a:r>
+                        <a:rPr kumimoji="0" lang="pt-BR" altLang="pt-BR" sz="1400" b="1" i="0" u="none" strike="noStrike" cap="none" normalizeH="0" baseline="0" dirty="0">
+                          <a:ln>
+                            <a:noFill/>
+                          </a:ln>
+                          <a:solidFill>
+                            <a:srgbClr val="000000"/>
+                          </a:solidFill>
+                          <a:effectLst/>
+                          <a:latin typeface="Tahoma" pitchFamily="34" charset="0"/>
+                          <a:ea typeface="DejaVu Sans" charset="0"/>
+                          <a:cs typeface="DejaVu Sans" charset="0"/>
+                        </a:rPr>
+                        <a:t>1. Escolher a opção “Suspender”</a:t>
+                      </a:r>
+                    </a:p>
+                  </a:txBody>
+                  <a:tcPr marL="90000" marR="90000" marT="49249" marB="45721" horzOverflow="overflow">
+                    <a:lnL w="2880" cap="flat" cmpd="sng" algn="ctr">
+                      <a:solidFill>
+                        <a:srgbClr val="FFFFFF"/>
+                      </a:solidFill>
+                      <a:prstDash val="solid"/>
+                      <a:round/>
+                      <a:headEnd type="none" w="med" len="med"/>
+                      <a:tailEnd type="none" w="med" len="med"/>
+                    </a:lnL>
+                    <a:lnR w="2880" cap="flat" cmpd="sng" algn="ctr">
+                      <a:solidFill>
+                        <a:srgbClr val="FFFFFF"/>
+                      </a:solidFill>
+                      <a:prstDash val="solid"/>
+                      <a:round/>
+                      <a:headEnd type="none" w="med" len="med"/>
+                      <a:tailEnd type="none" w="med" len="med"/>
+                    </a:lnR>
+                    <a:lnT w="2880" cap="flat" cmpd="sng" algn="ctr">
+                      <a:solidFill>
+                        <a:srgbClr val="FFFFFF"/>
+                      </a:solidFill>
+                      <a:prstDash val="solid"/>
+                      <a:round/>
+                      <a:headEnd type="none" w="med" len="med"/>
+                      <a:tailEnd type="none" w="med" len="med"/>
+                    </a:lnT>
+                    <a:lnB w="2880" cap="flat" cmpd="sng" algn="ctr">
+                      <a:solidFill>
+                        <a:srgbClr val="FFFFFF"/>
+                      </a:solidFill>
+                      <a:prstDash val="solid"/>
+                      <a:round/>
+                      <a:headEnd type="none" w="med" len="med"/>
+                      <a:tailEnd type="none" w="med" len="med"/>
+                    </a:lnB>
+                    <a:lnTlToBr>
+                      <a:noFill/>
+                    </a:lnTlToBr>
+                    <a:lnBlToTr>
+                      <a:noFill/>
+                    </a:lnBlToTr>
+                    <a:solidFill>
+                      <a:srgbClr val="CCD1E1"/>
+                    </a:solidFill>
+                  </a:tcPr>
+                </a:tc>
+                <a:tc>
+                  <a:txBody>
+                    <a:bodyPr/>
+                    <a:lstStyle>
+                      <a:lvl1pPr eaLnBrk="0" hangingPunct="0">
+                        <a:spcBef>
+                          <a:spcPts val="800"/>
+                        </a:spcBef>
+                        <a:tabLst>
+                          <a:tab pos="0" algn="l"/>
+                          <a:tab pos="914400" algn="l"/>
+                          <a:tab pos="1828800" algn="l"/>
+                          <a:tab pos="2743200" algn="l"/>
+                          <a:tab pos="3657600" algn="l"/>
+                          <a:tab pos="4572000" algn="l"/>
+                          <a:tab pos="5486400" algn="l"/>
+                          <a:tab pos="6400800" algn="l"/>
+                          <a:tab pos="7315200" algn="l"/>
+                          <a:tab pos="8229600" algn="l"/>
+                          <a:tab pos="9144000" algn="l"/>
+                          <a:tab pos="10058400" algn="l"/>
+                        </a:tabLst>
+                        <a:defRPr>
+                          <a:solidFill>
+                            <a:srgbClr val="000000"/>
+                          </a:solidFill>
+                          <a:latin typeface="Tahoma" pitchFamily="34" charset="0"/>
+                          <a:ea typeface="DejaVu Sans" charset="0"/>
+                          <a:cs typeface="DejaVu Sans" charset="0"/>
+                        </a:defRPr>
+                      </a:lvl1pPr>
+                      <a:lvl2pPr eaLnBrk="0" hangingPunct="0">
+                        <a:spcBef>
+                          <a:spcPts val="700"/>
+                        </a:spcBef>
+                        <a:tabLst>
+                          <a:tab pos="0" algn="l"/>
+                          <a:tab pos="914400" algn="l"/>
+                          <a:tab pos="1828800" algn="l"/>
+                          <a:tab pos="2743200" algn="l"/>
+                          <a:tab pos="3657600" algn="l"/>
+                          <a:tab pos="4572000" algn="l"/>
+                          <a:tab pos="5486400" algn="l"/>
+                          <a:tab pos="6400800" algn="l"/>
+                          <a:tab pos="7315200" algn="l"/>
+                          <a:tab pos="8229600" algn="l"/>
+                          <a:tab pos="9144000" algn="l"/>
+                          <a:tab pos="10058400" algn="l"/>
+                        </a:tabLst>
+                        <a:defRPr sz="2400">
+                          <a:solidFill>
+                            <a:srgbClr val="000000"/>
+                          </a:solidFill>
+                          <a:latin typeface="Tahoma" pitchFamily="34" charset="0"/>
+                          <a:ea typeface="DejaVu Sans" charset="0"/>
+                          <a:cs typeface="DejaVu Sans" charset="0"/>
+                        </a:defRPr>
+                      </a:lvl2pPr>
+                      <a:lvl3pPr eaLnBrk="0" hangingPunct="0">
+                        <a:spcBef>
+                          <a:spcPts val="600"/>
+                        </a:spcBef>
+                        <a:tabLst>
+                          <a:tab pos="0" algn="l"/>
+                          <a:tab pos="914400" algn="l"/>
+                          <a:tab pos="1828800" algn="l"/>
+                          <a:tab pos="2743200" algn="l"/>
+                          <a:tab pos="3657600" algn="l"/>
+                          <a:tab pos="4572000" algn="l"/>
+                          <a:tab pos="5486400" algn="l"/>
+                          <a:tab pos="6400800" algn="l"/>
+                          <a:tab pos="7315200" algn="l"/>
+                          <a:tab pos="8229600" algn="l"/>
+                          <a:tab pos="9144000" algn="l"/>
+                          <a:tab pos="10058400" algn="l"/>
+                        </a:tabLst>
+                        <a:defRPr sz="2000">
+                          <a:solidFill>
+                            <a:srgbClr val="000000"/>
+                          </a:solidFill>
+                          <a:latin typeface="Tahoma" pitchFamily="34" charset="0"/>
+                          <a:ea typeface="DejaVu Sans" charset="0"/>
+                          <a:cs typeface="DejaVu Sans" charset="0"/>
+                        </a:defRPr>
+                      </a:lvl3pPr>
+                      <a:lvl4pPr eaLnBrk="0" hangingPunct="0">
+                        <a:spcBef>
+                          <a:spcPts val="500"/>
+                        </a:spcBef>
+                        <a:tabLst>
+                          <a:tab pos="0" algn="l"/>
+                          <a:tab pos="914400" algn="l"/>
+                          <a:tab pos="1828800" algn="l"/>
+                          <a:tab pos="2743200" algn="l"/>
+                          <a:tab pos="3657600" algn="l"/>
+                          <a:tab pos="4572000" algn="l"/>
+                          <a:tab pos="5486400" algn="l"/>
+                          <a:tab pos="6400800" algn="l"/>
+                          <a:tab pos="7315200" algn="l"/>
+                          <a:tab pos="8229600" algn="l"/>
+                          <a:tab pos="9144000" algn="l"/>
+                          <a:tab pos="10058400" algn="l"/>
+                        </a:tabLst>
+                        <a:defRPr>
+                          <a:solidFill>
+                            <a:srgbClr val="000000"/>
+                          </a:solidFill>
+                          <a:latin typeface="Tahoma" pitchFamily="34" charset="0"/>
+                          <a:ea typeface="DejaVu Sans" charset="0"/>
+                          <a:cs typeface="DejaVu Sans" charset="0"/>
+                        </a:defRPr>
+                      </a:lvl4pPr>
+                      <a:lvl5pPr eaLnBrk="0" hangingPunct="0">
+                        <a:spcBef>
+                          <a:spcPts val="500"/>
+                        </a:spcBef>
+                        <a:tabLst>
+                          <a:tab pos="0" algn="l"/>
+                          <a:tab pos="914400" algn="l"/>
+                          <a:tab pos="1828800" algn="l"/>
+                          <a:tab pos="2743200" algn="l"/>
+                          <a:tab pos="3657600" algn="l"/>
+                          <a:tab pos="4572000" algn="l"/>
+                          <a:tab pos="5486400" algn="l"/>
+                          <a:tab pos="6400800" algn="l"/>
+                          <a:tab pos="7315200" algn="l"/>
+                          <a:tab pos="8229600" algn="l"/>
+                          <a:tab pos="9144000" algn="l"/>
+                          <a:tab pos="10058400" algn="l"/>
+                        </a:tabLst>
+                        <a:defRPr>
+                          <a:solidFill>
+                            <a:srgbClr val="000000"/>
+                          </a:solidFill>
+                          <a:latin typeface="Tahoma" pitchFamily="34" charset="0"/>
+                          <a:ea typeface="DejaVu Sans" charset="0"/>
+                          <a:cs typeface="DejaVu Sans" charset="0"/>
+                        </a:defRPr>
+                      </a:lvl5pPr>
+                      <a:lvl6pPr marL="2514600" indent="-228600" defTabSz="449263" eaLnBrk="0" fontAlgn="base" hangingPunct="0">
+                        <a:spcBef>
+                          <a:spcPts val="500"/>
+                        </a:spcBef>
+                        <a:spcAft>
+                          <a:spcPct val="0"/>
+                        </a:spcAft>
+                        <a:buClr>
+                          <a:srgbClr val="000000"/>
+                        </a:buClr>
+                        <a:buSzPct val="100000"/>
+                        <a:buFont typeface="Times New Roman" pitchFamily="18" charset="0"/>
+                        <a:tabLst>
+                          <a:tab pos="0" algn="l"/>
+                          <a:tab pos="914400" algn="l"/>
+                          <a:tab pos="1828800" algn="l"/>
+                          <a:tab pos="2743200" algn="l"/>
+                          <a:tab pos="3657600" algn="l"/>
+                          <a:tab pos="4572000" algn="l"/>
+                          <a:tab pos="5486400" algn="l"/>
+                          <a:tab pos="6400800" algn="l"/>
+                          <a:tab pos="7315200" algn="l"/>
+                          <a:tab pos="8229600" algn="l"/>
+                          <a:tab pos="9144000" algn="l"/>
+                          <a:tab pos="10058400" algn="l"/>
+                        </a:tabLst>
+                        <a:defRPr>
+                          <a:solidFill>
+                            <a:srgbClr val="000000"/>
+                          </a:solidFill>
+                          <a:latin typeface="Tahoma" pitchFamily="34" charset="0"/>
+                          <a:ea typeface="DejaVu Sans" charset="0"/>
+                          <a:cs typeface="DejaVu Sans" charset="0"/>
+                        </a:defRPr>
+                      </a:lvl6pPr>
+                      <a:lvl7pPr marL="2971800" indent="-228600" defTabSz="449263" eaLnBrk="0" fontAlgn="base" hangingPunct="0">
+                        <a:spcBef>
+                          <a:spcPts val="500"/>
+                        </a:spcBef>
+                        <a:spcAft>
+                          <a:spcPct val="0"/>
+                        </a:spcAft>
+                        <a:buClr>
+                          <a:srgbClr val="000000"/>
+                        </a:buClr>
+                        <a:buSzPct val="100000"/>
+                        <a:buFont typeface="Times New Roman" pitchFamily="18" charset="0"/>
+                        <a:tabLst>
+                          <a:tab pos="0" algn="l"/>
+                          <a:tab pos="914400" algn="l"/>
+                          <a:tab pos="1828800" algn="l"/>
+                          <a:tab pos="2743200" algn="l"/>
+                          <a:tab pos="3657600" algn="l"/>
+                          <a:tab pos="4572000" algn="l"/>
+                          <a:tab pos="5486400" algn="l"/>
+                          <a:tab pos="6400800" algn="l"/>
+                          <a:tab pos="7315200" algn="l"/>
+                          <a:tab pos="8229600" algn="l"/>
+                          <a:tab pos="9144000" algn="l"/>
+                          <a:tab pos="10058400" algn="l"/>
+                        </a:tabLst>
+                        <a:defRPr>
+                          <a:solidFill>
+                            <a:srgbClr val="000000"/>
+                          </a:solidFill>
+                          <a:latin typeface="Tahoma" pitchFamily="34" charset="0"/>
+                          <a:ea typeface="DejaVu Sans" charset="0"/>
+                          <a:cs typeface="DejaVu Sans" charset="0"/>
+                        </a:defRPr>
+                      </a:lvl7pPr>
+                      <a:lvl8pPr marL="3429000" indent="-228600" defTabSz="449263" eaLnBrk="0" fontAlgn="base" hangingPunct="0">
+                        <a:spcBef>
+                          <a:spcPts val="500"/>
+                        </a:spcBef>
+                        <a:spcAft>
+                          <a:spcPct val="0"/>
+                        </a:spcAft>
+                        <a:buClr>
+                          <a:srgbClr val="000000"/>
+                        </a:buClr>
+                        <a:buSzPct val="100000"/>
+                        <a:buFont typeface="Times New Roman" pitchFamily="18" charset="0"/>
+                        <a:tabLst>
+                          <a:tab pos="0" algn="l"/>
+                          <a:tab pos="914400" algn="l"/>
+                          <a:tab pos="1828800" algn="l"/>
+                          <a:tab pos="2743200" algn="l"/>
+                          <a:tab pos="3657600" algn="l"/>
+                          <a:tab pos="4572000" algn="l"/>
+                          <a:tab pos="5486400" algn="l"/>
+                          <a:tab pos="6400800" algn="l"/>
+                          <a:tab pos="7315200" algn="l"/>
+                          <a:tab pos="8229600" algn="l"/>
+                          <a:tab pos="9144000" algn="l"/>
+                          <a:tab pos="10058400" algn="l"/>
+                        </a:tabLst>
+                        <a:defRPr>
+                          <a:solidFill>
+                            <a:srgbClr val="000000"/>
+                          </a:solidFill>
+                          <a:latin typeface="Tahoma" pitchFamily="34" charset="0"/>
+                          <a:ea typeface="DejaVu Sans" charset="0"/>
+                          <a:cs typeface="DejaVu Sans" charset="0"/>
+                        </a:defRPr>
+                      </a:lvl8pPr>
+                      <a:lvl9pPr marL="3886200" indent="-228600" defTabSz="449263" eaLnBrk="0" fontAlgn="base" hangingPunct="0">
+                        <a:spcBef>
+                          <a:spcPts val="500"/>
+                        </a:spcBef>
+                        <a:spcAft>
+                          <a:spcPct val="0"/>
+                        </a:spcAft>
+                        <a:buClr>
+                          <a:srgbClr val="000000"/>
+                        </a:buClr>
+                        <a:buSzPct val="100000"/>
+                        <a:buFont typeface="Times New Roman" pitchFamily="18" charset="0"/>
+                        <a:tabLst>
+                          <a:tab pos="0" algn="l"/>
+                          <a:tab pos="914400" algn="l"/>
+                          <a:tab pos="1828800" algn="l"/>
+                          <a:tab pos="2743200" algn="l"/>
+                          <a:tab pos="3657600" algn="l"/>
+                          <a:tab pos="4572000" algn="l"/>
+                          <a:tab pos="5486400" algn="l"/>
+                          <a:tab pos="6400800" algn="l"/>
+                          <a:tab pos="7315200" algn="l"/>
+                          <a:tab pos="8229600" algn="l"/>
+                          <a:tab pos="9144000" algn="l"/>
+                          <a:tab pos="10058400" algn="l"/>
+                        </a:tabLst>
+                        <a:defRPr>
+                          <a:solidFill>
+                            <a:srgbClr val="000000"/>
+                          </a:solidFill>
+                          <a:latin typeface="Tahoma" pitchFamily="34" charset="0"/>
+                          <a:ea typeface="DejaVu Sans" charset="0"/>
+                          <a:cs typeface="DejaVu Sans" charset="0"/>
+                        </a:defRPr>
+                      </a:lvl9pPr>
+                    </a:lstStyle>
+                    <a:p>
+                      <a:pPr marL="0" marR="0" lvl="0" indent="0" algn="l" defTabSz="449263" rtl="0" eaLnBrk="1" fontAlgn="base" latinLnBrk="0" hangingPunct="1">
+                        <a:lnSpc>
+                          <a:spcPct val="98000"/>
+                        </a:lnSpc>
+                        <a:spcBef>
+                          <a:spcPct val="0"/>
+                        </a:spcBef>
+                        <a:spcAft>
+                          <a:spcPct val="0"/>
+                        </a:spcAft>
+                        <a:buClrTx/>
+                        <a:buSzPct val="100000"/>
+                        <a:buFontTx/>
+                        <a:buNone/>
+                        <a:tabLst>
+                          <a:tab pos="0" algn="l"/>
+                          <a:tab pos="914400" algn="l"/>
+                          <a:tab pos="1828800" algn="l"/>
+                          <a:tab pos="2743200" algn="l"/>
+                          <a:tab pos="3657600" algn="l"/>
+                          <a:tab pos="4572000" algn="l"/>
+                          <a:tab pos="5486400" algn="l"/>
+                          <a:tab pos="6400800" algn="l"/>
+                          <a:tab pos="7315200" algn="l"/>
+                          <a:tab pos="8229600" algn="l"/>
+                          <a:tab pos="9144000" algn="l"/>
+                          <a:tab pos="10058400" algn="l"/>
+                        </a:tabLst>
+                      </a:pPr>
+                      <a:r>
+                        <a:rPr kumimoji="0" lang="pt-BR" altLang="pt-BR" sz="1400" b="1" i="0" u="none" strike="noStrike" cap="none" normalizeH="0" baseline="0" dirty="0">
+                          <a:ln>
+                            <a:noFill/>
+                          </a:ln>
+                          <a:solidFill>
+                            <a:srgbClr val="000000"/>
+                          </a:solidFill>
+                          <a:effectLst/>
+                          <a:latin typeface="Tahoma" pitchFamily="34" charset="0"/>
+                          <a:ea typeface="DejaVu Sans" charset="0"/>
+                          <a:cs typeface="DejaVu Sans" charset="0"/>
+                        </a:rPr>
+                        <a:t>Aparece uma tela com a</a:t>
+                      </a:r>
+                    </a:p>
+                    <a:p>
+                      <a:pPr marL="0" marR="0" lvl="0" indent="0" algn="l" defTabSz="449263" rtl="0" eaLnBrk="1" fontAlgn="base" latinLnBrk="0" hangingPunct="1">
+                        <a:lnSpc>
+                          <a:spcPct val="98000"/>
+                        </a:lnSpc>
+                        <a:spcBef>
+                          <a:spcPct val="0"/>
+                        </a:spcBef>
+                        <a:spcAft>
+                          <a:spcPct val="0"/>
+                        </a:spcAft>
+                        <a:buClrTx/>
+                        <a:buSzPct val="100000"/>
+                        <a:buFontTx/>
+                        <a:buNone/>
+                        <a:tabLst>
+                          <a:tab pos="0" algn="l"/>
+                          <a:tab pos="914400" algn="l"/>
+                          <a:tab pos="1828800" algn="l"/>
+                          <a:tab pos="2743200" algn="l"/>
+                          <a:tab pos="3657600" algn="l"/>
+                          <a:tab pos="4572000" algn="l"/>
+                          <a:tab pos="5486400" algn="l"/>
+                          <a:tab pos="6400800" algn="l"/>
+                          <a:tab pos="7315200" algn="l"/>
+                          <a:tab pos="8229600" algn="l"/>
+                          <a:tab pos="9144000" algn="l"/>
+                          <a:tab pos="10058400" algn="l"/>
+                        </a:tabLst>
+                      </a:pPr>
+                      <a:r>
+                        <a:rPr kumimoji="0" lang="pt-BR" altLang="pt-BR" sz="1400" b="1" i="0" u="none" strike="noStrike" cap="none" normalizeH="0" baseline="0" dirty="0">
+                          <a:ln>
+                            <a:noFill/>
+                          </a:ln>
+                          <a:solidFill>
+                            <a:srgbClr val="000000"/>
+                          </a:solidFill>
+                          <a:effectLst/>
+                          <a:latin typeface="Tahoma" pitchFamily="34" charset="0"/>
+                          <a:ea typeface="DejaVu Sans" charset="0"/>
+                          <a:cs typeface="DejaVu Sans" charset="0"/>
+                        </a:rPr>
+                        <a:t>seguinte mensagem: “Suspensa com sucesso!”.</a:t>
+                      </a:r>
+                    </a:p>
+                  </a:txBody>
+                  <a:tcPr marL="90000" marR="90000" marT="49249" marB="45721" horzOverflow="overflow">
+                    <a:lnL w="2880" cap="flat" cmpd="sng" algn="ctr">
+                      <a:solidFill>
+                        <a:srgbClr val="FFFFFF"/>
+                      </a:solidFill>
+                      <a:prstDash val="solid"/>
+                      <a:round/>
+                      <a:headEnd type="none" w="med" len="med"/>
+                      <a:tailEnd type="none" w="med" len="med"/>
+                    </a:lnL>
+                    <a:lnR w="2880" cap="flat" cmpd="sng" algn="ctr">
+                      <a:solidFill>
+                        <a:srgbClr val="FFFFFF"/>
+                      </a:solidFill>
+                      <a:prstDash val="solid"/>
+                      <a:round/>
+                      <a:headEnd type="none" w="med" len="med"/>
+                      <a:tailEnd type="none" w="med" len="med"/>
+                    </a:lnR>
+                    <a:lnT w="2880" cap="flat" cmpd="sng" algn="ctr">
+                      <a:solidFill>
+                        <a:srgbClr val="FFFFFF"/>
+                      </a:solidFill>
+                      <a:prstDash val="solid"/>
+                      <a:round/>
+                      <a:headEnd type="none" w="med" len="med"/>
+                      <a:tailEnd type="none" w="med" len="med"/>
+                    </a:lnT>
+                    <a:lnB w="2880" cap="flat" cmpd="sng" algn="ctr">
+                      <a:solidFill>
+                        <a:srgbClr val="FFFFFF"/>
+                      </a:solidFill>
+                      <a:prstDash val="solid"/>
+                      <a:round/>
+                      <a:headEnd type="none" w="med" len="med"/>
+                      <a:tailEnd type="none" w="med" len="med"/>
+                    </a:lnB>
+                    <a:lnTlToBr>
+                      <a:noFill/>
+                    </a:lnTlToBr>
+                    <a:lnBlToTr>
+                      <a:noFill/>
+                    </a:lnBlToTr>
+                    <a:solidFill>
+                      <a:srgbClr val="CCD1E1"/>
+                    </a:solidFill>
+                  </a:tcPr>
+                </a:tc>
+                <a:extLst>
+                  <a:ext uri="{0D108BD9-81ED-4DB2-BD59-A6C34878D82A}">
+                    <a16:rowId xmlns:a16="http://schemas.microsoft.com/office/drawing/2014/main" val="3563519385"/>
+                  </a:ext>
+                </a:extLst>
+              </a:tr>
+              <a:tr h="1157321">
+                <a:tc>
+                  <a:txBody>
+                    <a:bodyPr/>
+                    <a:lstStyle>
+                      <a:lvl1pPr eaLnBrk="0" hangingPunct="0">
+                        <a:spcBef>
+                          <a:spcPts val="800"/>
+                        </a:spcBef>
+                        <a:tabLst>
+                          <a:tab pos="0" algn="l"/>
+                          <a:tab pos="914400" algn="l"/>
+                          <a:tab pos="1828800" algn="l"/>
+                          <a:tab pos="2743200" algn="l"/>
+                          <a:tab pos="3657600" algn="l"/>
+                          <a:tab pos="4572000" algn="l"/>
+                          <a:tab pos="5486400" algn="l"/>
+                          <a:tab pos="6400800" algn="l"/>
+                          <a:tab pos="7315200" algn="l"/>
+                          <a:tab pos="8229600" algn="l"/>
+                          <a:tab pos="9144000" algn="l"/>
+                          <a:tab pos="10058400" algn="l"/>
+                        </a:tabLst>
+                        <a:defRPr>
+                          <a:solidFill>
+                            <a:srgbClr val="000000"/>
+                          </a:solidFill>
+                          <a:latin typeface="Tahoma" pitchFamily="34" charset="0"/>
+                          <a:ea typeface="DejaVu Sans" charset="0"/>
+                          <a:cs typeface="DejaVu Sans" charset="0"/>
+                        </a:defRPr>
+                      </a:lvl1pPr>
+                      <a:lvl2pPr eaLnBrk="0" hangingPunct="0">
+                        <a:spcBef>
+                          <a:spcPts val="700"/>
+                        </a:spcBef>
+                        <a:tabLst>
+                          <a:tab pos="0" algn="l"/>
+                          <a:tab pos="914400" algn="l"/>
+                          <a:tab pos="1828800" algn="l"/>
+                          <a:tab pos="2743200" algn="l"/>
+                          <a:tab pos="3657600" algn="l"/>
+                          <a:tab pos="4572000" algn="l"/>
+                          <a:tab pos="5486400" algn="l"/>
+                          <a:tab pos="6400800" algn="l"/>
+                          <a:tab pos="7315200" algn="l"/>
+                          <a:tab pos="8229600" algn="l"/>
+                          <a:tab pos="9144000" algn="l"/>
+                          <a:tab pos="10058400" algn="l"/>
+                        </a:tabLst>
+                        <a:defRPr sz="2400">
+                          <a:solidFill>
+                            <a:srgbClr val="000000"/>
+                          </a:solidFill>
+                          <a:latin typeface="Tahoma" pitchFamily="34" charset="0"/>
+                          <a:ea typeface="DejaVu Sans" charset="0"/>
+                          <a:cs typeface="DejaVu Sans" charset="0"/>
+                        </a:defRPr>
+                      </a:lvl2pPr>
+                      <a:lvl3pPr eaLnBrk="0" hangingPunct="0">
+                        <a:spcBef>
+                          <a:spcPts val="600"/>
+                        </a:spcBef>
+                        <a:tabLst>
+                          <a:tab pos="0" algn="l"/>
+                          <a:tab pos="914400" algn="l"/>
+                          <a:tab pos="1828800" algn="l"/>
+                          <a:tab pos="2743200" algn="l"/>
+                          <a:tab pos="3657600" algn="l"/>
+                          <a:tab pos="4572000" algn="l"/>
+                          <a:tab pos="5486400" algn="l"/>
+                          <a:tab pos="6400800" algn="l"/>
+                          <a:tab pos="7315200" algn="l"/>
+                          <a:tab pos="8229600" algn="l"/>
+                          <a:tab pos="9144000" algn="l"/>
+                          <a:tab pos="10058400" algn="l"/>
+                        </a:tabLst>
+                        <a:defRPr sz="2000">
+                          <a:solidFill>
+                            <a:srgbClr val="000000"/>
+                          </a:solidFill>
+                          <a:latin typeface="Tahoma" pitchFamily="34" charset="0"/>
+                          <a:ea typeface="DejaVu Sans" charset="0"/>
+                          <a:cs typeface="DejaVu Sans" charset="0"/>
+                        </a:defRPr>
+                      </a:lvl3pPr>
+                      <a:lvl4pPr eaLnBrk="0" hangingPunct="0">
+                        <a:spcBef>
+                          <a:spcPts val="500"/>
+                        </a:spcBef>
+                        <a:tabLst>
+                          <a:tab pos="0" algn="l"/>
+                          <a:tab pos="914400" algn="l"/>
+                          <a:tab pos="1828800" algn="l"/>
+                          <a:tab pos="2743200" algn="l"/>
+                          <a:tab pos="3657600" algn="l"/>
+                          <a:tab pos="4572000" algn="l"/>
+                          <a:tab pos="5486400" algn="l"/>
+                          <a:tab pos="6400800" algn="l"/>
+                          <a:tab pos="7315200" algn="l"/>
+                          <a:tab pos="8229600" algn="l"/>
+                          <a:tab pos="9144000" algn="l"/>
+                          <a:tab pos="10058400" algn="l"/>
+                        </a:tabLst>
+                        <a:defRPr>
+                          <a:solidFill>
+                            <a:srgbClr val="000000"/>
+                          </a:solidFill>
+                          <a:latin typeface="Tahoma" pitchFamily="34" charset="0"/>
+                          <a:ea typeface="DejaVu Sans" charset="0"/>
+                          <a:cs typeface="DejaVu Sans" charset="0"/>
+                        </a:defRPr>
+                      </a:lvl4pPr>
+                      <a:lvl5pPr eaLnBrk="0" hangingPunct="0">
+                        <a:spcBef>
+                          <a:spcPts val="500"/>
+                        </a:spcBef>
+                        <a:tabLst>
+                          <a:tab pos="0" algn="l"/>
+                          <a:tab pos="914400" algn="l"/>
+                          <a:tab pos="1828800" algn="l"/>
+                          <a:tab pos="2743200" algn="l"/>
+                          <a:tab pos="3657600" algn="l"/>
+                          <a:tab pos="4572000" algn="l"/>
+                          <a:tab pos="5486400" algn="l"/>
+                          <a:tab pos="6400800" algn="l"/>
+                          <a:tab pos="7315200" algn="l"/>
+                          <a:tab pos="8229600" algn="l"/>
+                          <a:tab pos="9144000" algn="l"/>
+                          <a:tab pos="10058400" algn="l"/>
+                        </a:tabLst>
+                        <a:defRPr>
+                          <a:solidFill>
+                            <a:srgbClr val="000000"/>
+                          </a:solidFill>
+                          <a:latin typeface="Tahoma" pitchFamily="34" charset="0"/>
+                          <a:ea typeface="DejaVu Sans" charset="0"/>
+                          <a:cs typeface="DejaVu Sans" charset="0"/>
+                        </a:defRPr>
+                      </a:lvl5pPr>
+                      <a:lvl6pPr marL="2514600" indent="-228600" defTabSz="449263" eaLnBrk="0" fontAlgn="base" hangingPunct="0">
+                        <a:spcBef>
+                          <a:spcPts val="500"/>
+                        </a:spcBef>
+                        <a:spcAft>
+                          <a:spcPct val="0"/>
+                        </a:spcAft>
+                        <a:buClr>
+                          <a:srgbClr val="000000"/>
+                        </a:buClr>
+                        <a:buSzPct val="100000"/>
+                        <a:buFont typeface="Times New Roman" pitchFamily="18" charset="0"/>
+                        <a:tabLst>
+                          <a:tab pos="0" algn="l"/>
+                          <a:tab pos="914400" algn="l"/>
+                          <a:tab pos="1828800" algn="l"/>
+                          <a:tab pos="2743200" algn="l"/>
+                          <a:tab pos="3657600" algn="l"/>
+                          <a:tab pos="4572000" algn="l"/>
+                          <a:tab pos="5486400" algn="l"/>
+                          <a:tab pos="6400800" algn="l"/>
+                          <a:tab pos="7315200" algn="l"/>
+                          <a:tab pos="8229600" algn="l"/>
+                          <a:tab pos="9144000" algn="l"/>
+                          <a:tab pos="10058400" algn="l"/>
+                        </a:tabLst>
+                        <a:defRPr>
+                          <a:solidFill>
+                            <a:srgbClr val="000000"/>
+                          </a:solidFill>
+                          <a:latin typeface="Tahoma" pitchFamily="34" charset="0"/>
+                          <a:ea typeface="DejaVu Sans" charset="0"/>
+                          <a:cs typeface="DejaVu Sans" charset="0"/>
+                        </a:defRPr>
+                      </a:lvl6pPr>
+                      <a:lvl7pPr marL="2971800" indent="-228600" defTabSz="449263" eaLnBrk="0" fontAlgn="base" hangingPunct="0">
+                        <a:spcBef>
+                          <a:spcPts val="500"/>
+                        </a:spcBef>
+                        <a:spcAft>
+                          <a:spcPct val="0"/>
+                        </a:spcAft>
+                        <a:buClr>
+                          <a:srgbClr val="000000"/>
+                        </a:buClr>
+                        <a:buSzPct val="100000"/>
+                        <a:buFont typeface="Times New Roman" pitchFamily="18" charset="0"/>
+                        <a:tabLst>
+                          <a:tab pos="0" algn="l"/>
+                          <a:tab pos="914400" algn="l"/>
+                          <a:tab pos="1828800" algn="l"/>
+                          <a:tab pos="2743200" algn="l"/>
+                          <a:tab pos="3657600" algn="l"/>
+                          <a:tab pos="4572000" algn="l"/>
+                          <a:tab pos="5486400" algn="l"/>
+                          <a:tab pos="6400800" algn="l"/>
+                          <a:tab pos="7315200" algn="l"/>
+                          <a:tab pos="8229600" algn="l"/>
+                          <a:tab pos="9144000" algn="l"/>
+                          <a:tab pos="10058400" algn="l"/>
+                        </a:tabLst>
+                        <a:defRPr>
+                          <a:solidFill>
+                            <a:srgbClr val="000000"/>
+                          </a:solidFill>
+                          <a:latin typeface="Tahoma" pitchFamily="34" charset="0"/>
+                          <a:ea typeface="DejaVu Sans" charset="0"/>
+                          <a:cs typeface="DejaVu Sans" charset="0"/>
+                        </a:defRPr>
+                      </a:lvl7pPr>
+                      <a:lvl8pPr marL="3429000" indent="-228600" defTabSz="449263" eaLnBrk="0" fontAlgn="base" hangingPunct="0">
+                        <a:spcBef>
+                          <a:spcPts val="500"/>
+                        </a:spcBef>
+                        <a:spcAft>
+                          <a:spcPct val="0"/>
+                        </a:spcAft>
+                        <a:buClr>
+                          <a:srgbClr val="000000"/>
+                        </a:buClr>
+                        <a:buSzPct val="100000"/>
+                        <a:buFont typeface="Times New Roman" pitchFamily="18" charset="0"/>
+                        <a:tabLst>
+                          <a:tab pos="0" algn="l"/>
+                          <a:tab pos="914400" algn="l"/>
+                          <a:tab pos="1828800" algn="l"/>
+                          <a:tab pos="2743200" algn="l"/>
+                          <a:tab pos="3657600" algn="l"/>
+                          <a:tab pos="4572000" algn="l"/>
+                          <a:tab pos="5486400" algn="l"/>
+                          <a:tab pos="6400800" algn="l"/>
+                          <a:tab pos="7315200" algn="l"/>
+                          <a:tab pos="8229600" algn="l"/>
+                          <a:tab pos="9144000" algn="l"/>
+                          <a:tab pos="10058400" algn="l"/>
+                        </a:tabLst>
+                        <a:defRPr>
+                          <a:solidFill>
+                            <a:srgbClr val="000000"/>
+                          </a:solidFill>
+                          <a:latin typeface="Tahoma" pitchFamily="34" charset="0"/>
+                          <a:ea typeface="DejaVu Sans" charset="0"/>
+                          <a:cs typeface="DejaVu Sans" charset="0"/>
+                        </a:defRPr>
+                      </a:lvl8pPr>
+                      <a:lvl9pPr marL="3886200" indent="-228600" defTabSz="449263" eaLnBrk="0" fontAlgn="base" hangingPunct="0">
+                        <a:spcBef>
+                          <a:spcPts val="500"/>
+                        </a:spcBef>
+                        <a:spcAft>
+                          <a:spcPct val="0"/>
+                        </a:spcAft>
+                        <a:buClr>
+                          <a:srgbClr val="000000"/>
+                        </a:buClr>
+                        <a:buSzPct val="100000"/>
+                        <a:buFont typeface="Times New Roman" pitchFamily="18" charset="0"/>
+                        <a:tabLst>
+                          <a:tab pos="0" algn="l"/>
+                          <a:tab pos="914400" algn="l"/>
+                          <a:tab pos="1828800" algn="l"/>
+                          <a:tab pos="2743200" algn="l"/>
+                          <a:tab pos="3657600" algn="l"/>
+                          <a:tab pos="4572000" algn="l"/>
+                          <a:tab pos="5486400" algn="l"/>
+                          <a:tab pos="6400800" algn="l"/>
+                          <a:tab pos="7315200" algn="l"/>
+                          <a:tab pos="8229600" algn="l"/>
+                          <a:tab pos="9144000" algn="l"/>
+                          <a:tab pos="10058400" algn="l"/>
+                        </a:tabLst>
+                        <a:defRPr>
+                          <a:solidFill>
+                            <a:srgbClr val="000000"/>
+                          </a:solidFill>
+                          <a:latin typeface="Tahoma" pitchFamily="34" charset="0"/>
+                          <a:ea typeface="DejaVu Sans" charset="0"/>
+                          <a:cs typeface="DejaVu Sans" charset="0"/>
+                        </a:defRPr>
+                      </a:lvl9pPr>
+                    </a:lstStyle>
+                    <a:p>
+                      <a:pPr marL="0" marR="0" lvl="0" indent="0" algn="l" defTabSz="449263" rtl="0" eaLnBrk="1" fontAlgn="base" latinLnBrk="0" hangingPunct="1">
+                        <a:lnSpc>
+                          <a:spcPct val="98000"/>
+                        </a:lnSpc>
+                        <a:spcBef>
+                          <a:spcPct val="0"/>
+                        </a:spcBef>
+                        <a:spcAft>
+                          <a:spcPct val="0"/>
+                        </a:spcAft>
+                        <a:buClrTx/>
+                        <a:buSzPct val="100000"/>
+                        <a:buFontTx/>
+                        <a:buNone/>
+                        <a:tabLst>
+                          <a:tab pos="0" algn="l"/>
+                          <a:tab pos="914400" algn="l"/>
+                          <a:tab pos="1828800" algn="l"/>
+                          <a:tab pos="2743200" algn="l"/>
+                          <a:tab pos="3657600" algn="l"/>
+                          <a:tab pos="4572000" algn="l"/>
+                          <a:tab pos="5486400" algn="l"/>
+                          <a:tab pos="6400800" algn="l"/>
+                          <a:tab pos="7315200" algn="l"/>
+                          <a:tab pos="8229600" algn="l"/>
+                          <a:tab pos="9144000" algn="l"/>
+                          <a:tab pos="10058400" algn="l"/>
+                        </a:tabLst>
+                      </a:pPr>
+                      <a:endParaRPr kumimoji="0" lang="pt-BR" altLang="pt-BR" sz="1400" b="1" i="0" u="none" strike="noStrike" cap="none" normalizeH="0" baseline="0" dirty="0">
+                        <a:ln>
+                          <a:noFill/>
+                        </a:ln>
+                        <a:solidFill>
+                          <a:srgbClr val="000000"/>
+                        </a:solidFill>
+                        <a:effectLst/>
+                        <a:latin typeface="Tahoma" pitchFamily="34" charset="0"/>
+                        <a:ea typeface="DejaVu Sans" charset="0"/>
+                        <a:cs typeface="DejaVu Sans" charset="0"/>
+                      </a:endParaRPr>
+                    </a:p>
+                  </a:txBody>
+                  <a:tcPr marL="90000" marR="90000" marT="49249" marB="45721" horzOverflow="overflow">
+                    <a:lnL w="2880" cap="flat" cmpd="sng" algn="ctr">
+                      <a:solidFill>
+                        <a:srgbClr val="FFFFFF"/>
+                      </a:solidFill>
+                      <a:prstDash val="solid"/>
+                      <a:round/>
+                      <a:headEnd type="none" w="med" len="med"/>
+                      <a:tailEnd type="none" w="med" len="med"/>
+                    </a:lnL>
+                    <a:lnR w="2880" cap="flat" cmpd="sng" algn="ctr">
+                      <a:solidFill>
+                        <a:srgbClr val="FFFFFF"/>
+                      </a:solidFill>
+                      <a:prstDash val="solid"/>
+                      <a:round/>
+                      <a:headEnd type="none" w="med" len="med"/>
+                      <a:tailEnd type="none" w="med" len="med"/>
+                    </a:lnR>
+                    <a:lnT w="2880" cap="flat" cmpd="sng" algn="ctr">
+                      <a:solidFill>
+                        <a:srgbClr val="FFFFFF"/>
+                      </a:solidFill>
+                      <a:prstDash val="solid"/>
+                      <a:round/>
+                      <a:headEnd type="none" w="med" len="med"/>
+                      <a:tailEnd type="none" w="med" len="med"/>
+                    </a:lnT>
+                    <a:lnB w="2880" cap="flat" cmpd="sng" algn="ctr">
+                      <a:solidFill>
+                        <a:srgbClr val="FFFFFF"/>
+                      </a:solidFill>
+                      <a:prstDash val="solid"/>
+                      <a:round/>
+                      <a:headEnd type="none" w="med" len="med"/>
+                      <a:tailEnd type="none" w="med" len="med"/>
+                    </a:lnB>
+                    <a:lnTlToBr>
+                      <a:noFill/>
+                    </a:lnTlToBr>
+                    <a:lnBlToTr>
+                      <a:noFill/>
+                    </a:lnBlToTr>
+                    <a:solidFill>
+                      <a:srgbClr val="E8E9F1"/>
+                    </a:solidFill>
+                  </a:tcPr>
+                </a:tc>
+                <a:tc>
+                  <a:txBody>
+                    <a:bodyPr/>
+                    <a:lstStyle>
+                      <a:lvl1pPr eaLnBrk="0" hangingPunct="0">
+                        <a:spcBef>
+                          <a:spcPts val="800"/>
+                        </a:spcBef>
+                        <a:tabLst>
+                          <a:tab pos="0" algn="l"/>
+                          <a:tab pos="914400" algn="l"/>
+                          <a:tab pos="1828800" algn="l"/>
+                          <a:tab pos="2743200" algn="l"/>
+                          <a:tab pos="3657600" algn="l"/>
+                          <a:tab pos="4572000" algn="l"/>
+                          <a:tab pos="5486400" algn="l"/>
+                          <a:tab pos="6400800" algn="l"/>
+                          <a:tab pos="7315200" algn="l"/>
+                          <a:tab pos="8229600" algn="l"/>
+                          <a:tab pos="9144000" algn="l"/>
+                          <a:tab pos="10058400" algn="l"/>
+                        </a:tabLst>
+                        <a:defRPr>
+                          <a:solidFill>
+                            <a:srgbClr val="000000"/>
+                          </a:solidFill>
+                          <a:latin typeface="Tahoma" pitchFamily="34" charset="0"/>
+                          <a:ea typeface="DejaVu Sans" charset="0"/>
+                          <a:cs typeface="DejaVu Sans" charset="0"/>
+                        </a:defRPr>
+                      </a:lvl1pPr>
+                      <a:lvl2pPr eaLnBrk="0" hangingPunct="0">
+                        <a:spcBef>
+                          <a:spcPts val="700"/>
+                        </a:spcBef>
+                        <a:tabLst>
+                          <a:tab pos="0" algn="l"/>
+                          <a:tab pos="914400" algn="l"/>
+                          <a:tab pos="1828800" algn="l"/>
+                          <a:tab pos="2743200" algn="l"/>
+                          <a:tab pos="3657600" algn="l"/>
+                          <a:tab pos="4572000" algn="l"/>
+                          <a:tab pos="5486400" algn="l"/>
+                          <a:tab pos="6400800" algn="l"/>
+                          <a:tab pos="7315200" algn="l"/>
+                          <a:tab pos="8229600" algn="l"/>
+                          <a:tab pos="9144000" algn="l"/>
+                          <a:tab pos="10058400" algn="l"/>
+                        </a:tabLst>
+                        <a:defRPr sz="2400">
+                          <a:solidFill>
+                            <a:srgbClr val="000000"/>
+                          </a:solidFill>
+                          <a:latin typeface="Tahoma" pitchFamily="34" charset="0"/>
+                          <a:ea typeface="DejaVu Sans" charset="0"/>
+                          <a:cs typeface="DejaVu Sans" charset="0"/>
+                        </a:defRPr>
+                      </a:lvl2pPr>
+                      <a:lvl3pPr eaLnBrk="0" hangingPunct="0">
+                        <a:spcBef>
+                          <a:spcPts val="600"/>
+                        </a:spcBef>
+                        <a:tabLst>
+                          <a:tab pos="0" algn="l"/>
+                          <a:tab pos="914400" algn="l"/>
+                          <a:tab pos="1828800" algn="l"/>
+                          <a:tab pos="2743200" algn="l"/>
+                          <a:tab pos="3657600" algn="l"/>
+                          <a:tab pos="4572000" algn="l"/>
+                          <a:tab pos="5486400" algn="l"/>
+                          <a:tab pos="6400800" algn="l"/>
+                          <a:tab pos="7315200" algn="l"/>
+                          <a:tab pos="8229600" algn="l"/>
+                          <a:tab pos="9144000" algn="l"/>
+                          <a:tab pos="10058400" algn="l"/>
+                        </a:tabLst>
+                        <a:defRPr sz="2000">
+                          <a:solidFill>
+                            <a:srgbClr val="000000"/>
+                          </a:solidFill>
+                          <a:latin typeface="Tahoma" pitchFamily="34" charset="0"/>
+                          <a:ea typeface="DejaVu Sans" charset="0"/>
+                          <a:cs typeface="DejaVu Sans" charset="0"/>
+                        </a:defRPr>
+                      </a:lvl3pPr>
+                      <a:lvl4pPr eaLnBrk="0" hangingPunct="0">
+                        <a:spcBef>
+                          <a:spcPts val="500"/>
+                        </a:spcBef>
+                        <a:tabLst>
+                          <a:tab pos="0" algn="l"/>
+                          <a:tab pos="914400" algn="l"/>
+                          <a:tab pos="1828800" algn="l"/>
+                          <a:tab pos="2743200" algn="l"/>
+                          <a:tab pos="3657600" algn="l"/>
+                          <a:tab pos="4572000" algn="l"/>
+                          <a:tab pos="5486400" algn="l"/>
+                          <a:tab pos="6400800" algn="l"/>
+                          <a:tab pos="7315200" algn="l"/>
+                          <a:tab pos="8229600" algn="l"/>
+                          <a:tab pos="9144000" algn="l"/>
+                          <a:tab pos="10058400" algn="l"/>
+                        </a:tabLst>
+                        <a:defRPr>
+                          <a:solidFill>
+                            <a:srgbClr val="000000"/>
+                          </a:solidFill>
+                          <a:latin typeface="Tahoma" pitchFamily="34" charset="0"/>
+                          <a:ea typeface="DejaVu Sans" charset="0"/>
+                          <a:cs typeface="DejaVu Sans" charset="0"/>
+                        </a:defRPr>
+                      </a:lvl4pPr>
+                      <a:lvl5pPr eaLnBrk="0" hangingPunct="0">
+                        <a:spcBef>
+                          <a:spcPts val="500"/>
+                        </a:spcBef>
+                        <a:tabLst>
+                          <a:tab pos="0" algn="l"/>
+                          <a:tab pos="914400" algn="l"/>
+                          <a:tab pos="1828800" algn="l"/>
+                          <a:tab pos="2743200" algn="l"/>
+                          <a:tab pos="3657600" algn="l"/>
+                          <a:tab pos="4572000" algn="l"/>
+                          <a:tab pos="5486400" algn="l"/>
+                          <a:tab pos="6400800" algn="l"/>
+                          <a:tab pos="7315200" algn="l"/>
+                          <a:tab pos="8229600" algn="l"/>
+                          <a:tab pos="9144000" algn="l"/>
+                          <a:tab pos="10058400" algn="l"/>
+                        </a:tabLst>
+                        <a:defRPr>
+                          <a:solidFill>
+                            <a:srgbClr val="000000"/>
+                          </a:solidFill>
+                          <a:latin typeface="Tahoma" pitchFamily="34" charset="0"/>
+                          <a:ea typeface="DejaVu Sans" charset="0"/>
+                          <a:cs typeface="DejaVu Sans" charset="0"/>
+                        </a:defRPr>
+                      </a:lvl5pPr>
+                      <a:lvl6pPr marL="2514600" indent="-228600" defTabSz="449263" eaLnBrk="0" fontAlgn="base" hangingPunct="0">
+                        <a:spcBef>
+                          <a:spcPts val="500"/>
+                        </a:spcBef>
+                        <a:spcAft>
+                          <a:spcPct val="0"/>
+                        </a:spcAft>
+                        <a:buClr>
+                          <a:srgbClr val="000000"/>
+                        </a:buClr>
+                        <a:buSzPct val="100000"/>
+                        <a:buFont typeface="Times New Roman" pitchFamily="18" charset="0"/>
+                        <a:tabLst>
+                          <a:tab pos="0" algn="l"/>
+                          <a:tab pos="914400" algn="l"/>
+                          <a:tab pos="1828800" algn="l"/>
+                          <a:tab pos="2743200" algn="l"/>
+                          <a:tab pos="3657600" algn="l"/>
+                          <a:tab pos="4572000" algn="l"/>
+                          <a:tab pos="5486400" algn="l"/>
+                          <a:tab pos="6400800" algn="l"/>
+                          <a:tab pos="7315200" algn="l"/>
+                          <a:tab pos="8229600" algn="l"/>
+                          <a:tab pos="9144000" algn="l"/>
+                          <a:tab pos="10058400" algn="l"/>
+                        </a:tabLst>
+                        <a:defRPr>
+                          <a:solidFill>
+                            <a:srgbClr val="000000"/>
+                          </a:solidFill>
+                          <a:latin typeface="Tahoma" pitchFamily="34" charset="0"/>
+                          <a:ea typeface="DejaVu Sans" charset="0"/>
+                          <a:cs typeface="DejaVu Sans" charset="0"/>
+                        </a:defRPr>
+                      </a:lvl6pPr>
+                      <a:lvl7pPr marL="2971800" indent="-228600" defTabSz="449263" eaLnBrk="0" fontAlgn="base" hangingPunct="0">
+                        <a:spcBef>
+                          <a:spcPts val="500"/>
+                        </a:spcBef>
+                        <a:spcAft>
+                          <a:spcPct val="0"/>
+                        </a:spcAft>
+                        <a:buClr>
+                          <a:srgbClr val="000000"/>
+                        </a:buClr>
+                        <a:buSzPct val="100000"/>
+                        <a:buFont typeface="Times New Roman" pitchFamily="18" charset="0"/>
+                        <a:tabLst>
+                          <a:tab pos="0" algn="l"/>
+                          <a:tab pos="914400" algn="l"/>
+                          <a:tab pos="1828800" algn="l"/>
+                          <a:tab pos="2743200" algn="l"/>
+                          <a:tab pos="3657600" algn="l"/>
+                          <a:tab pos="4572000" algn="l"/>
+                          <a:tab pos="5486400" algn="l"/>
+                          <a:tab pos="6400800" algn="l"/>
+                          <a:tab pos="7315200" algn="l"/>
+                          <a:tab pos="8229600" algn="l"/>
+                          <a:tab pos="9144000" algn="l"/>
+                          <a:tab pos="10058400" algn="l"/>
+                        </a:tabLst>
+                        <a:defRPr>
+                          <a:solidFill>
+                            <a:srgbClr val="000000"/>
+                          </a:solidFill>
+                          <a:latin typeface="Tahoma" pitchFamily="34" charset="0"/>
+                          <a:ea typeface="DejaVu Sans" charset="0"/>
+                          <a:cs typeface="DejaVu Sans" charset="0"/>
+                        </a:defRPr>
+                      </a:lvl7pPr>
+                      <a:lvl8pPr marL="3429000" indent="-228600" defTabSz="449263" eaLnBrk="0" fontAlgn="base" hangingPunct="0">
+                        <a:spcBef>
+                          <a:spcPts val="500"/>
+                        </a:spcBef>
+                        <a:spcAft>
+                          <a:spcPct val="0"/>
+                        </a:spcAft>
+                        <a:buClr>
+                          <a:srgbClr val="000000"/>
+                        </a:buClr>
+                        <a:buSzPct val="100000"/>
+                        <a:buFont typeface="Times New Roman" pitchFamily="18" charset="0"/>
+                        <a:tabLst>
+                          <a:tab pos="0" algn="l"/>
+                          <a:tab pos="914400" algn="l"/>
+                          <a:tab pos="1828800" algn="l"/>
+                          <a:tab pos="2743200" algn="l"/>
+                          <a:tab pos="3657600" algn="l"/>
+                          <a:tab pos="4572000" algn="l"/>
+                          <a:tab pos="5486400" algn="l"/>
+                          <a:tab pos="6400800" algn="l"/>
+                          <a:tab pos="7315200" algn="l"/>
+                          <a:tab pos="8229600" algn="l"/>
+                          <a:tab pos="9144000" algn="l"/>
+                          <a:tab pos="10058400" algn="l"/>
+                        </a:tabLst>
+                        <a:defRPr>
+                          <a:solidFill>
+                            <a:srgbClr val="000000"/>
+                          </a:solidFill>
+                          <a:latin typeface="Tahoma" pitchFamily="34" charset="0"/>
+                          <a:ea typeface="DejaVu Sans" charset="0"/>
+                          <a:cs typeface="DejaVu Sans" charset="0"/>
+                        </a:defRPr>
+                      </a:lvl8pPr>
+                      <a:lvl9pPr marL="3886200" indent="-228600" defTabSz="449263" eaLnBrk="0" fontAlgn="base" hangingPunct="0">
+                        <a:spcBef>
+                          <a:spcPts val="500"/>
+                        </a:spcBef>
+                        <a:spcAft>
+                          <a:spcPct val="0"/>
+                        </a:spcAft>
+                        <a:buClr>
+                          <a:srgbClr val="000000"/>
+                        </a:buClr>
+                        <a:buSzPct val="100000"/>
+                        <a:buFont typeface="Times New Roman" pitchFamily="18" charset="0"/>
+                        <a:tabLst>
+                          <a:tab pos="0" algn="l"/>
+                          <a:tab pos="914400" algn="l"/>
+                          <a:tab pos="1828800" algn="l"/>
+                          <a:tab pos="2743200" algn="l"/>
+                          <a:tab pos="3657600" algn="l"/>
+                          <a:tab pos="4572000" algn="l"/>
+                          <a:tab pos="5486400" algn="l"/>
+                          <a:tab pos="6400800" algn="l"/>
+                          <a:tab pos="7315200" algn="l"/>
+                          <a:tab pos="8229600" algn="l"/>
+                          <a:tab pos="9144000" algn="l"/>
+                          <a:tab pos="10058400" algn="l"/>
+                        </a:tabLst>
+                        <a:defRPr>
+                          <a:solidFill>
+                            <a:srgbClr val="000000"/>
+                          </a:solidFill>
+                          <a:latin typeface="Tahoma" pitchFamily="34" charset="0"/>
+                          <a:ea typeface="DejaVu Sans" charset="0"/>
+                          <a:cs typeface="DejaVu Sans" charset="0"/>
+                        </a:defRPr>
+                      </a:lvl9pPr>
+                    </a:lstStyle>
+                    <a:p>
+                      <a:pPr marL="0" marR="0" lvl="0" indent="0" algn="l" defTabSz="449263" rtl="0" eaLnBrk="1" fontAlgn="base" latinLnBrk="0" hangingPunct="1">
+                        <a:lnSpc>
+                          <a:spcPct val="98000"/>
+                        </a:lnSpc>
+                        <a:spcBef>
+                          <a:spcPct val="0"/>
+                        </a:spcBef>
+                        <a:spcAft>
+                          <a:spcPct val="0"/>
+                        </a:spcAft>
+                        <a:buClrTx/>
+                        <a:buSzPct val="100000"/>
+                        <a:buFontTx/>
+                        <a:buNone/>
+                        <a:tabLst>
+                          <a:tab pos="0" algn="l"/>
+                          <a:tab pos="914400" algn="l"/>
+                          <a:tab pos="1828800" algn="l"/>
+                          <a:tab pos="2743200" algn="l"/>
+                          <a:tab pos="3657600" algn="l"/>
+                          <a:tab pos="4572000" algn="l"/>
+                          <a:tab pos="5486400" algn="l"/>
+                          <a:tab pos="6400800" algn="l"/>
+                          <a:tab pos="7315200" algn="l"/>
+                          <a:tab pos="8229600" algn="l"/>
+                          <a:tab pos="9144000" algn="l"/>
+                          <a:tab pos="10058400" algn="l"/>
+                        </a:tabLst>
+                      </a:pPr>
+                      <a:endParaRPr kumimoji="0" lang="pt-BR" altLang="pt-BR" sz="1400" b="1" i="0" u="none" strike="noStrike" cap="none" normalizeH="0" baseline="0" dirty="0">
+                        <a:ln>
+                          <a:noFill/>
+                        </a:ln>
+                        <a:solidFill>
+                          <a:srgbClr val="000000"/>
+                        </a:solidFill>
+                        <a:effectLst/>
+                        <a:latin typeface="Tahoma" pitchFamily="34" charset="0"/>
+                        <a:ea typeface="DejaVu Sans" charset="0"/>
+                        <a:cs typeface="DejaVu Sans" charset="0"/>
+                      </a:endParaRPr>
+                    </a:p>
+                  </a:txBody>
+                  <a:tcPr marL="90000" marR="90000" marT="49249" marB="45721" horzOverflow="overflow">
+                    <a:lnL w="2880" cap="flat" cmpd="sng" algn="ctr">
+                      <a:solidFill>
+                        <a:srgbClr val="FFFFFF"/>
+                      </a:solidFill>
+                      <a:prstDash val="solid"/>
+                      <a:round/>
+                      <a:headEnd type="none" w="med" len="med"/>
+                      <a:tailEnd type="none" w="med" len="med"/>
+                    </a:lnL>
+                    <a:lnR w="2880" cap="flat" cmpd="sng" algn="ctr">
+                      <a:solidFill>
+                        <a:srgbClr val="FFFFFF"/>
+                      </a:solidFill>
+                      <a:prstDash val="solid"/>
+                      <a:round/>
+                      <a:headEnd type="none" w="med" len="med"/>
+                      <a:tailEnd type="none" w="med" len="med"/>
+                    </a:lnR>
+                    <a:lnT w="2880" cap="flat" cmpd="sng" algn="ctr">
+                      <a:solidFill>
+                        <a:srgbClr val="FFFFFF"/>
+                      </a:solidFill>
+                      <a:prstDash val="solid"/>
+                      <a:round/>
+                      <a:headEnd type="none" w="med" len="med"/>
+                      <a:tailEnd type="none" w="med" len="med"/>
+                    </a:lnT>
+                    <a:lnB w="2880" cap="flat" cmpd="sng" algn="ctr">
+                      <a:solidFill>
+                        <a:srgbClr val="FFFFFF"/>
+                      </a:solidFill>
+                      <a:prstDash val="solid"/>
+                      <a:round/>
+                      <a:headEnd type="none" w="med" len="med"/>
+                      <a:tailEnd type="none" w="med" len="med"/>
+                    </a:lnB>
+                    <a:lnTlToBr>
+                      <a:noFill/>
+                    </a:lnTlToBr>
+                    <a:lnBlToTr>
+                      <a:noFill/>
+                    </a:lnBlToTr>
+                    <a:solidFill>
+                      <a:srgbClr val="E8E9F1"/>
+                    </a:solidFill>
+                  </a:tcPr>
+                </a:tc>
+                <a:extLst>
+                  <a:ext uri="{0D108BD9-81ED-4DB2-BD59-A6C34878D82A}">
+                    <a16:rowId xmlns:a16="http://schemas.microsoft.com/office/drawing/2014/main" val="1669384067"/>
+                  </a:ext>
+                </a:extLst>
+              </a:tr>
+              <a:tr h="1023551">
+                <a:tc>
+                  <a:txBody>
+                    <a:bodyPr/>
+                    <a:lstStyle>
+                      <a:lvl1pPr eaLnBrk="0" hangingPunct="0">
+                        <a:spcBef>
+                          <a:spcPts val="800"/>
+                        </a:spcBef>
+                        <a:tabLst>
+                          <a:tab pos="0" algn="l"/>
+                          <a:tab pos="914400" algn="l"/>
+                          <a:tab pos="1828800" algn="l"/>
+                          <a:tab pos="2743200" algn="l"/>
+                          <a:tab pos="3657600" algn="l"/>
+                          <a:tab pos="4572000" algn="l"/>
+                          <a:tab pos="5486400" algn="l"/>
+                          <a:tab pos="6400800" algn="l"/>
+                          <a:tab pos="7315200" algn="l"/>
+                          <a:tab pos="8229600" algn="l"/>
+                          <a:tab pos="9144000" algn="l"/>
+                          <a:tab pos="10058400" algn="l"/>
+                        </a:tabLst>
+                        <a:defRPr>
+                          <a:solidFill>
+                            <a:srgbClr val="000000"/>
+                          </a:solidFill>
+                          <a:latin typeface="Tahoma" pitchFamily="34" charset="0"/>
+                          <a:ea typeface="DejaVu Sans" charset="0"/>
+                          <a:cs typeface="DejaVu Sans" charset="0"/>
+                        </a:defRPr>
+                      </a:lvl1pPr>
+                      <a:lvl2pPr eaLnBrk="0" hangingPunct="0">
+                        <a:spcBef>
+                          <a:spcPts val="700"/>
+                        </a:spcBef>
+                        <a:tabLst>
+                          <a:tab pos="0" algn="l"/>
+                          <a:tab pos="914400" algn="l"/>
+                          <a:tab pos="1828800" algn="l"/>
+                          <a:tab pos="2743200" algn="l"/>
+                          <a:tab pos="3657600" algn="l"/>
+                          <a:tab pos="4572000" algn="l"/>
+                          <a:tab pos="5486400" algn="l"/>
+                          <a:tab pos="6400800" algn="l"/>
+                          <a:tab pos="7315200" algn="l"/>
+                          <a:tab pos="8229600" algn="l"/>
+                          <a:tab pos="9144000" algn="l"/>
+                          <a:tab pos="10058400" algn="l"/>
+                        </a:tabLst>
+                        <a:defRPr sz="2400">
+                          <a:solidFill>
+                            <a:srgbClr val="000000"/>
+                          </a:solidFill>
+                          <a:latin typeface="Tahoma" pitchFamily="34" charset="0"/>
+                          <a:ea typeface="DejaVu Sans" charset="0"/>
+                          <a:cs typeface="DejaVu Sans" charset="0"/>
+                        </a:defRPr>
+                      </a:lvl2pPr>
+                      <a:lvl3pPr eaLnBrk="0" hangingPunct="0">
+                        <a:spcBef>
+                          <a:spcPts val="600"/>
+                        </a:spcBef>
+                        <a:tabLst>
+                          <a:tab pos="0" algn="l"/>
+                          <a:tab pos="914400" algn="l"/>
+                          <a:tab pos="1828800" algn="l"/>
+                          <a:tab pos="2743200" algn="l"/>
+                          <a:tab pos="3657600" algn="l"/>
+                          <a:tab pos="4572000" algn="l"/>
+                          <a:tab pos="5486400" algn="l"/>
+                          <a:tab pos="6400800" algn="l"/>
+                          <a:tab pos="7315200" algn="l"/>
+                          <a:tab pos="8229600" algn="l"/>
+                          <a:tab pos="9144000" algn="l"/>
+                          <a:tab pos="10058400" algn="l"/>
+                        </a:tabLst>
+                        <a:defRPr sz="2000">
+                          <a:solidFill>
+                            <a:srgbClr val="000000"/>
+                          </a:solidFill>
+                          <a:latin typeface="Tahoma" pitchFamily="34" charset="0"/>
+                          <a:ea typeface="DejaVu Sans" charset="0"/>
+                          <a:cs typeface="DejaVu Sans" charset="0"/>
+                        </a:defRPr>
+                      </a:lvl3pPr>
+                      <a:lvl4pPr eaLnBrk="0" hangingPunct="0">
+                        <a:spcBef>
+                          <a:spcPts val="500"/>
+                        </a:spcBef>
+                        <a:tabLst>
+                          <a:tab pos="0" algn="l"/>
+                          <a:tab pos="914400" algn="l"/>
+                          <a:tab pos="1828800" algn="l"/>
+                          <a:tab pos="2743200" algn="l"/>
+                          <a:tab pos="3657600" algn="l"/>
+                          <a:tab pos="4572000" algn="l"/>
+                          <a:tab pos="5486400" algn="l"/>
+                          <a:tab pos="6400800" algn="l"/>
+                          <a:tab pos="7315200" algn="l"/>
+                          <a:tab pos="8229600" algn="l"/>
+                          <a:tab pos="9144000" algn="l"/>
+                          <a:tab pos="10058400" algn="l"/>
+                        </a:tabLst>
+                        <a:defRPr>
+                          <a:solidFill>
+                            <a:srgbClr val="000000"/>
+                          </a:solidFill>
+                          <a:latin typeface="Tahoma" pitchFamily="34" charset="0"/>
+                          <a:ea typeface="DejaVu Sans" charset="0"/>
+                          <a:cs typeface="DejaVu Sans" charset="0"/>
+                        </a:defRPr>
+                      </a:lvl4pPr>
+                      <a:lvl5pPr eaLnBrk="0" hangingPunct="0">
+                        <a:spcBef>
+                          <a:spcPts val="500"/>
+                        </a:spcBef>
+                        <a:tabLst>
+                          <a:tab pos="0" algn="l"/>
+                          <a:tab pos="914400" algn="l"/>
+                          <a:tab pos="1828800" algn="l"/>
+                          <a:tab pos="2743200" algn="l"/>
+                          <a:tab pos="3657600" algn="l"/>
+                          <a:tab pos="4572000" algn="l"/>
+                          <a:tab pos="5486400" algn="l"/>
+                          <a:tab pos="6400800" algn="l"/>
+                          <a:tab pos="7315200" algn="l"/>
+                          <a:tab pos="8229600" algn="l"/>
+                          <a:tab pos="9144000" algn="l"/>
+                          <a:tab pos="10058400" algn="l"/>
+                        </a:tabLst>
+                        <a:defRPr>
+                          <a:solidFill>
+                            <a:srgbClr val="000000"/>
+                          </a:solidFill>
+                          <a:latin typeface="Tahoma" pitchFamily="34" charset="0"/>
+                          <a:ea typeface="DejaVu Sans" charset="0"/>
+                          <a:cs typeface="DejaVu Sans" charset="0"/>
+                        </a:defRPr>
+                      </a:lvl5pPr>
+                      <a:lvl6pPr marL="2514600" indent="-228600" defTabSz="449263" eaLnBrk="0" fontAlgn="base" hangingPunct="0">
+                        <a:spcBef>
+                          <a:spcPts val="500"/>
+                        </a:spcBef>
+                        <a:spcAft>
+                          <a:spcPct val="0"/>
+                        </a:spcAft>
+                        <a:buClr>
+                          <a:srgbClr val="000000"/>
+                        </a:buClr>
+                        <a:buSzPct val="100000"/>
+                        <a:buFont typeface="Times New Roman" pitchFamily="18" charset="0"/>
+                        <a:tabLst>
+                          <a:tab pos="0" algn="l"/>
+                          <a:tab pos="914400" algn="l"/>
+                          <a:tab pos="1828800" algn="l"/>
+                          <a:tab pos="2743200" algn="l"/>
+                          <a:tab pos="3657600" algn="l"/>
+                          <a:tab pos="4572000" algn="l"/>
+                          <a:tab pos="5486400" algn="l"/>
+                          <a:tab pos="6400800" algn="l"/>
+                          <a:tab pos="7315200" algn="l"/>
+                          <a:tab pos="8229600" algn="l"/>
+                          <a:tab pos="9144000" algn="l"/>
+                          <a:tab pos="10058400" algn="l"/>
+                        </a:tabLst>
+                        <a:defRPr>
+                          <a:solidFill>
+                            <a:srgbClr val="000000"/>
+                          </a:solidFill>
+                          <a:latin typeface="Tahoma" pitchFamily="34" charset="0"/>
+                          <a:ea typeface="DejaVu Sans" charset="0"/>
+                          <a:cs typeface="DejaVu Sans" charset="0"/>
+                        </a:defRPr>
+                      </a:lvl6pPr>
+                      <a:lvl7pPr marL="2971800" indent="-228600" defTabSz="449263" eaLnBrk="0" fontAlgn="base" hangingPunct="0">
+                        <a:spcBef>
+                          <a:spcPts val="500"/>
+                        </a:spcBef>
+                        <a:spcAft>
+                          <a:spcPct val="0"/>
+                        </a:spcAft>
+                        <a:buClr>
+                          <a:srgbClr val="000000"/>
+                        </a:buClr>
+                        <a:buSzPct val="100000"/>
+                        <a:buFont typeface="Times New Roman" pitchFamily="18" charset="0"/>
+                        <a:tabLst>
+                          <a:tab pos="0" algn="l"/>
+                          <a:tab pos="914400" algn="l"/>
+                          <a:tab pos="1828800" algn="l"/>
+                          <a:tab pos="2743200" algn="l"/>
+                          <a:tab pos="3657600" algn="l"/>
+                          <a:tab pos="4572000" algn="l"/>
+                          <a:tab pos="5486400" algn="l"/>
+                          <a:tab pos="6400800" algn="l"/>
+                          <a:tab pos="7315200" algn="l"/>
+                          <a:tab pos="8229600" algn="l"/>
+                          <a:tab pos="9144000" algn="l"/>
+                          <a:tab pos="10058400" algn="l"/>
+                        </a:tabLst>
+                        <a:defRPr>
+                          <a:solidFill>
+                            <a:srgbClr val="000000"/>
+                          </a:solidFill>
+                          <a:latin typeface="Tahoma" pitchFamily="34" charset="0"/>
+                          <a:ea typeface="DejaVu Sans" charset="0"/>
+                          <a:cs typeface="DejaVu Sans" charset="0"/>
+                        </a:defRPr>
+                      </a:lvl7pPr>
+                      <a:lvl8pPr marL="3429000" indent="-228600" defTabSz="449263" eaLnBrk="0" fontAlgn="base" hangingPunct="0">
+                        <a:spcBef>
+                          <a:spcPts val="500"/>
+                        </a:spcBef>
+                        <a:spcAft>
+                          <a:spcPct val="0"/>
+                        </a:spcAft>
+                        <a:buClr>
+                          <a:srgbClr val="000000"/>
+                        </a:buClr>
+                        <a:buSzPct val="100000"/>
+                        <a:buFont typeface="Times New Roman" pitchFamily="18" charset="0"/>
+                        <a:tabLst>
+                          <a:tab pos="0" algn="l"/>
+                          <a:tab pos="914400" algn="l"/>
+                          <a:tab pos="1828800" algn="l"/>
+                          <a:tab pos="2743200" algn="l"/>
+                          <a:tab pos="3657600" algn="l"/>
+                          <a:tab pos="4572000" algn="l"/>
+                          <a:tab pos="5486400" algn="l"/>
+                          <a:tab pos="6400800" algn="l"/>
+                          <a:tab pos="7315200" algn="l"/>
+                          <a:tab pos="8229600" algn="l"/>
+                          <a:tab pos="9144000" algn="l"/>
+                          <a:tab pos="10058400" algn="l"/>
+                        </a:tabLst>
+                        <a:defRPr>
+                          <a:solidFill>
+                            <a:srgbClr val="000000"/>
+                          </a:solidFill>
+                          <a:latin typeface="Tahoma" pitchFamily="34" charset="0"/>
+                          <a:ea typeface="DejaVu Sans" charset="0"/>
+                          <a:cs typeface="DejaVu Sans" charset="0"/>
+                        </a:defRPr>
+                      </a:lvl8pPr>
+                      <a:lvl9pPr marL="3886200" indent="-228600" defTabSz="449263" eaLnBrk="0" fontAlgn="base" hangingPunct="0">
+                        <a:spcBef>
+                          <a:spcPts val="500"/>
+                        </a:spcBef>
+                        <a:spcAft>
+                          <a:spcPct val="0"/>
+                        </a:spcAft>
+                        <a:buClr>
+                          <a:srgbClr val="000000"/>
+                        </a:buClr>
+                        <a:buSzPct val="100000"/>
+                        <a:buFont typeface="Times New Roman" pitchFamily="18" charset="0"/>
+                        <a:tabLst>
+                          <a:tab pos="0" algn="l"/>
+                          <a:tab pos="914400" algn="l"/>
+                          <a:tab pos="1828800" algn="l"/>
+                          <a:tab pos="2743200" algn="l"/>
+                          <a:tab pos="3657600" algn="l"/>
+                          <a:tab pos="4572000" algn="l"/>
+                          <a:tab pos="5486400" algn="l"/>
+                          <a:tab pos="6400800" algn="l"/>
+                          <a:tab pos="7315200" algn="l"/>
+                          <a:tab pos="8229600" algn="l"/>
+                          <a:tab pos="9144000" algn="l"/>
+                          <a:tab pos="10058400" algn="l"/>
+                        </a:tabLst>
+                        <a:defRPr>
+                          <a:solidFill>
+                            <a:srgbClr val="000000"/>
+                          </a:solidFill>
+                          <a:latin typeface="Tahoma" pitchFamily="34" charset="0"/>
+                          <a:ea typeface="DejaVu Sans" charset="0"/>
+                          <a:cs typeface="DejaVu Sans" charset="0"/>
+                        </a:defRPr>
+                      </a:lvl9pPr>
+                    </a:lstStyle>
+                    <a:p>
+                      <a:pPr marL="0" marR="0" lvl="0" indent="0" algn="l" defTabSz="449263" rtl="0" eaLnBrk="1" fontAlgn="base" latinLnBrk="0" hangingPunct="1">
+                        <a:lnSpc>
+                          <a:spcPct val="98000"/>
+                        </a:lnSpc>
+                        <a:spcBef>
+                          <a:spcPct val="0"/>
+                        </a:spcBef>
+                        <a:spcAft>
+                          <a:spcPct val="0"/>
+                        </a:spcAft>
+                        <a:buClrTx/>
+                        <a:buSzPct val="100000"/>
+                        <a:buFontTx/>
+                        <a:buNone/>
+                        <a:tabLst>
+                          <a:tab pos="0" algn="l"/>
+                          <a:tab pos="914400" algn="l"/>
+                          <a:tab pos="1828800" algn="l"/>
+                          <a:tab pos="2743200" algn="l"/>
+                          <a:tab pos="3657600" algn="l"/>
+                          <a:tab pos="4572000" algn="l"/>
+                          <a:tab pos="5486400" algn="l"/>
+                          <a:tab pos="6400800" algn="l"/>
+                          <a:tab pos="7315200" algn="l"/>
+                          <a:tab pos="8229600" algn="l"/>
+                          <a:tab pos="9144000" algn="l"/>
+                          <a:tab pos="10058400" algn="l"/>
+                        </a:tabLst>
+                      </a:pPr>
+                      <a:endParaRPr kumimoji="0" lang="pt-BR" altLang="pt-BR" sz="1400" b="1" i="0" u="none" strike="noStrike" cap="none" normalizeH="0" baseline="0" dirty="0">
+                        <a:ln>
+                          <a:noFill/>
+                        </a:ln>
+                        <a:solidFill>
+                          <a:srgbClr val="000000"/>
+                        </a:solidFill>
+                        <a:effectLst/>
+                        <a:latin typeface="Tahoma" pitchFamily="34" charset="0"/>
+                        <a:ea typeface="DejaVu Sans" charset="0"/>
+                        <a:cs typeface="DejaVu Sans" charset="0"/>
+                      </a:endParaRPr>
+                    </a:p>
+                  </a:txBody>
+                  <a:tcPr marL="90000" marR="90000" marT="49249" marB="45721" horzOverflow="overflow">
+                    <a:lnL w="2880" cap="flat" cmpd="sng" algn="ctr">
+                      <a:solidFill>
+                        <a:srgbClr val="FFFFFF"/>
+                      </a:solidFill>
+                      <a:prstDash val="solid"/>
+                      <a:round/>
+                      <a:headEnd type="none" w="med" len="med"/>
+                      <a:tailEnd type="none" w="med" len="med"/>
+                    </a:lnL>
+                    <a:lnR w="2880" cap="flat" cmpd="sng" algn="ctr">
+                      <a:solidFill>
+                        <a:srgbClr val="FFFFFF"/>
+                      </a:solidFill>
+                      <a:prstDash val="solid"/>
+                      <a:round/>
+                      <a:headEnd type="none" w="med" len="med"/>
+                      <a:tailEnd type="none" w="med" len="med"/>
+                    </a:lnR>
+                    <a:lnT w="2880" cap="flat" cmpd="sng" algn="ctr">
+                      <a:solidFill>
+                        <a:srgbClr val="FFFFFF"/>
+                      </a:solidFill>
+                      <a:prstDash val="solid"/>
+                      <a:round/>
+                      <a:headEnd type="none" w="med" len="med"/>
+                      <a:tailEnd type="none" w="med" len="med"/>
+                    </a:lnT>
+                    <a:lnB w="2880" cap="flat" cmpd="sng" algn="ctr">
+                      <a:solidFill>
+                        <a:srgbClr val="FFFFFF"/>
+                      </a:solidFill>
+                      <a:prstDash val="solid"/>
+                      <a:round/>
+                      <a:headEnd type="none" w="med" len="med"/>
+                      <a:tailEnd type="none" w="med" len="med"/>
+                    </a:lnB>
+                    <a:lnTlToBr>
+                      <a:noFill/>
+                    </a:lnTlToBr>
+                    <a:lnBlToTr>
+                      <a:noFill/>
+                    </a:lnBlToTr>
+                    <a:solidFill>
+                      <a:srgbClr val="CCD1E1"/>
+                    </a:solidFill>
+                  </a:tcPr>
+                </a:tc>
+                <a:tc>
+                  <a:txBody>
+                    <a:bodyPr/>
+                    <a:lstStyle>
+                      <a:lvl1pPr eaLnBrk="0" hangingPunct="0">
+                        <a:spcBef>
+                          <a:spcPts val="800"/>
+                        </a:spcBef>
+                        <a:tabLst>
+                          <a:tab pos="0" algn="l"/>
+                          <a:tab pos="914400" algn="l"/>
+                          <a:tab pos="1828800" algn="l"/>
+                          <a:tab pos="2743200" algn="l"/>
+                          <a:tab pos="3657600" algn="l"/>
+                          <a:tab pos="4572000" algn="l"/>
+                          <a:tab pos="5486400" algn="l"/>
+                          <a:tab pos="6400800" algn="l"/>
+                          <a:tab pos="7315200" algn="l"/>
+                          <a:tab pos="8229600" algn="l"/>
+                          <a:tab pos="9144000" algn="l"/>
+                          <a:tab pos="10058400" algn="l"/>
+                        </a:tabLst>
+                        <a:defRPr>
+                          <a:solidFill>
+                            <a:srgbClr val="000000"/>
+                          </a:solidFill>
+                          <a:latin typeface="Tahoma" pitchFamily="34" charset="0"/>
+                          <a:ea typeface="DejaVu Sans" charset="0"/>
+                          <a:cs typeface="DejaVu Sans" charset="0"/>
+                        </a:defRPr>
+                      </a:lvl1pPr>
+                      <a:lvl2pPr eaLnBrk="0" hangingPunct="0">
+                        <a:spcBef>
+                          <a:spcPts val="700"/>
+                        </a:spcBef>
+                        <a:tabLst>
+                          <a:tab pos="0" algn="l"/>
+                          <a:tab pos="914400" algn="l"/>
+                          <a:tab pos="1828800" algn="l"/>
+                          <a:tab pos="2743200" algn="l"/>
+                          <a:tab pos="3657600" algn="l"/>
+                          <a:tab pos="4572000" algn="l"/>
+                          <a:tab pos="5486400" algn="l"/>
+                          <a:tab pos="6400800" algn="l"/>
+                          <a:tab pos="7315200" algn="l"/>
+                          <a:tab pos="8229600" algn="l"/>
+                          <a:tab pos="9144000" algn="l"/>
+                          <a:tab pos="10058400" algn="l"/>
+                        </a:tabLst>
+                        <a:defRPr sz="2400">
+                          <a:solidFill>
+                            <a:srgbClr val="000000"/>
+                          </a:solidFill>
+                          <a:latin typeface="Tahoma" pitchFamily="34" charset="0"/>
+                          <a:ea typeface="DejaVu Sans" charset="0"/>
+                          <a:cs typeface="DejaVu Sans" charset="0"/>
+                        </a:defRPr>
+                      </a:lvl2pPr>
+                      <a:lvl3pPr eaLnBrk="0" hangingPunct="0">
+                        <a:spcBef>
+                          <a:spcPts val="600"/>
+                        </a:spcBef>
+                        <a:tabLst>
+                          <a:tab pos="0" algn="l"/>
+                          <a:tab pos="914400" algn="l"/>
+                          <a:tab pos="1828800" algn="l"/>
+                          <a:tab pos="2743200" algn="l"/>
+                          <a:tab pos="3657600" algn="l"/>
+                          <a:tab pos="4572000" algn="l"/>
+                          <a:tab pos="5486400" algn="l"/>
+                          <a:tab pos="6400800" algn="l"/>
+                          <a:tab pos="7315200" algn="l"/>
+                          <a:tab pos="8229600" algn="l"/>
+                          <a:tab pos="9144000" algn="l"/>
+                          <a:tab pos="10058400" algn="l"/>
+                        </a:tabLst>
+                        <a:defRPr sz="2000">
+                          <a:solidFill>
+                            <a:srgbClr val="000000"/>
+                          </a:solidFill>
+                          <a:latin typeface="Tahoma" pitchFamily="34" charset="0"/>
+                          <a:ea typeface="DejaVu Sans" charset="0"/>
+                          <a:cs typeface="DejaVu Sans" charset="0"/>
+                        </a:defRPr>
+                      </a:lvl3pPr>
+                      <a:lvl4pPr eaLnBrk="0" hangingPunct="0">
+                        <a:spcBef>
+                          <a:spcPts val="500"/>
+                        </a:spcBef>
+                        <a:tabLst>
+                          <a:tab pos="0" algn="l"/>
+                          <a:tab pos="914400" algn="l"/>
+                          <a:tab pos="1828800" algn="l"/>
+                          <a:tab pos="2743200" algn="l"/>
+                          <a:tab pos="3657600" algn="l"/>
+                          <a:tab pos="4572000" algn="l"/>
+                          <a:tab pos="5486400" algn="l"/>
+                          <a:tab pos="6400800" algn="l"/>
+                          <a:tab pos="7315200" algn="l"/>
+                          <a:tab pos="8229600" algn="l"/>
+                          <a:tab pos="9144000" algn="l"/>
+                          <a:tab pos="10058400" algn="l"/>
+                        </a:tabLst>
+                        <a:defRPr>
+                          <a:solidFill>
+                            <a:srgbClr val="000000"/>
+                          </a:solidFill>
+                          <a:latin typeface="Tahoma" pitchFamily="34" charset="0"/>
+                          <a:ea typeface="DejaVu Sans" charset="0"/>
+                          <a:cs typeface="DejaVu Sans" charset="0"/>
+                        </a:defRPr>
+                      </a:lvl4pPr>
+                      <a:lvl5pPr eaLnBrk="0" hangingPunct="0">
+                        <a:spcBef>
+                          <a:spcPts val="500"/>
+                        </a:spcBef>
+                        <a:tabLst>
+                          <a:tab pos="0" algn="l"/>
+                          <a:tab pos="914400" algn="l"/>
+                          <a:tab pos="1828800" algn="l"/>
+                          <a:tab pos="2743200" algn="l"/>
+                          <a:tab pos="3657600" algn="l"/>
+                          <a:tab pos="4572000" algn="l"/>
+                          <a:tab pos="5486400" algn="l"/>
+                          <a:tab pos="6400800" algn="l"/>
+                          <a:tab pos="7315200" algn="l"/>
+                          <a:tab pos="8229600" algn="l"/>
+                          <a:tab pos="9144000" algn="l"/>
+                          <a:tab pos="10058400" algn="l"/>
+                        </a:tabLst>
+                        <a:defRPr>
+                          <a:solidFill>
+                            <a:srgbClr val="000000"/>
+                          </a:solidFill>
+                          <a:latin typeface="Tahoma" pitchFamily="34" charset="0"/>
+                          <a:ea typeface="DejaVu Sans" charset="0"/>
+                          <a:cs typeface="DejaVu Sans" charset="0"/>
+                        </a:defRPr>
+                      </a:lvl5pPr>
+                      <a:lvl6pPr marL="2514600" indent="-228600" defTabSz="449263" eaLnBrk="0" fontAlgn="base" hangingPunct="0">
+                        <a:spcBef>
+                          <a:spcPts val="500"/>
+                        </a:spcBef>
+                        <a:spcAft>
+                          <a:spcPct val="0"/>
+                        </a:spcAft>
+                        <a:buClr>
+                          <a:srgbClr val="000000"/>
+                        </a:buClr>
+                        <a:buSzPct val="100000"/>
+                        <a:buFont typeface="Times New Roman" pitchFamily="18" charset="0"/>
+                        <a:tabLst>
+                          <a:tab pos="0" algn="l"/>
+                          <a:tab pos="914400" algn="l"/>
+                          <a:tab pos="1828800" algn="l"/>
+                          <a:tab pos="2743200" algn="l"/>
+                          <a:tab pos="3657600" algn="l"/>
+                          <a:tab pos="4572000" algn="l"/>
+                          <a:tab pos="5486400" algn="l"/>
+                          <a:tab pos="6400800" algn="l"/>
+                          <a:tab pos="7315200" algn="l"/>
+                          <a:tab pos="8229600" algn="l"/>
+                          <a:tab pos="9144000" algn="l"/>
+                          <a:tab pos="10058400" algn="l"/>
+                        </a:tabLst>
+                        <a:defRPr>
+                          <a:solidFill>
+                            <a:srgbClr val="000000"/>
+                          </a:solidFill>
+                          <a:latin typeface="Tahoma" pitchFamily="34" charset="0"/>
+                          <a:ea typeface="DejaVu Sans" charset="0"/>
+                          <a:cs typeface="DejaVu Sans" charset="0"/>
+                        </a:defRPr>
+                      </a:lvl6pPr>
+                      <a:lvl7pPr marL="2971800" indent="-228600" defTabSz="449263" eaLnBrk="0" fontAlgn="base" hangingPunct="0">
+                        <a:spcBef>
+                          <a:spcPts val="500"/>
+                        </a:spcBef>
+                        <a:spcAft>
+                          <a:spcPct val="0"/>
+                        </a:spcAft>
+                        <a:buClr>
+                          <a:srgbClr val="000000"/>
+                        </a:buClr>
+                        <a:buSzPct val="100000"/>
+                        <a:buFont typeface="Times New Roman" pitchFamily="18" charset="0"/>
+                        <a:tabLst>
+                          <a:tab pos="0" algn="l"/>
+                          <a:tab pos="914400" algn="l"/>
+                          <a:tab pos="1828800" algn="l"/>
+                          <a:tab pos="2743200" algn="l"/>
+                          <a:tab pos="3657600" algn="l"/>
+                          <a:tab pos="4572000" algn="l"/>
+                          <a:tab pos="5486400" algn="l"/>
+                          <a:tab pos="6400800" algn="l"/>
+                          <a:tab pos="7315200" algn="l"/>
+                          <a:tab pos="8229600" algn="l"/>
+                          <a:tab pos="9144000" algn="l"/>
+                          <a:tab pos="10058400" algn="l"/>
+                        </a:tabLst>
+                        <a:defRPr>
+                          <a:solidFill>
+                            <a:srgbClr val="000000"/>
+                          </a:solidFill>
+                          <a:latin typeface="Tahoma" pitchFamily="34" charset="0"/>
+                          <a:ea typeface="DejaVu Sans" charset="0"/>
+                          <a:cs typeface="DejaVu Sans" charset="0"/>
+                        </a:defRPr>
+                      </a:lvl7pPr>
+                      <a:lvl8pPr marL="3429000" indent="-228600" defTabSz="449263" eaLnBrk="0" fontAlgn="base" hangingPunct="0">
+                        <a:spcBef>
+                          <a:spcPts val="500"/>
+                        </a:spcBef>
+                        <a:spcAft>
+                          <a:spcPct val="0"/>
+                        </a:spcAft>
+                        <a:buClr>
+                          <a:srgbClr val="000000"/>
+                        </a:buClr>
+                        <a:buSzPct val="100000"/>
+                        <a:buFont typeface="Times New Roman" pitchFamily="18" charset="0"/>
+                        <a:tabLst>
+                          <a:tab pos="0" algn="l"/>
+                          <a:tab pos="914400" algn="l"/>
+                          <a:tab pos="1828800" algn="l"/>
+                          <a:tab pos="2743200" algn="l"/>
+                          <a:tab pos="3657600" algn="l"/>
+                          <a:tab pos="4572000" algn="l"/>
+                          <a:tab pos="5486400" algn="l"/>
+                          <a:tab pos="6400800" algn="l"/>
+                          <a:tab pos="7315200" algn="l"/>
+                          <a:tab pos="8229600" algn="l"/>
+                          <a:tab pos="9144000" algn="l"/>
+                          <a:tab pos="10058400" algn="l"/>
+                        </a:tabLst>
+                        <a:defRPr>
+                          <a:solidFill>
+                            <a:srgbClr val="000000"/>
+                          </a:solidFill>
+                          <a:latin typeface="Tahoma" pitchFamily="34" charset="0"/>
+                          <a:ea typeface="DejaVu Sans" charset="0"/>
+                          <a:cs typeface="DejaVu Sans" charset="0"/>
+                        </a:defRPr>
+                      </a:lvl8pPr>
+                      <a:lvl9pPr marL="3886200" indent="-228600" defTabSz="449263" eaLnBrk="0" fontAlgn="base" hangingPunct="0">
+                        <a:spcBef>
+                          <a:spcPts val="500"/>
+                        </a:spcBef>
+                        <a:spcAft>
+                          <a:spcPct val="0"/>
+                        </a:spcAft>
+                        <a:buClr>
+                          <a:srgbClr val="000000"/>
+                        </a:buClr>
+                        <a:buSzPct val="100000"/>
+                        <a:buFont typeface="Times New Roman" pitchFamily="18" charset="0"/>
+                        <a:tabLst>
+                          <a:tab pos="0" algn="l"/>
+                          <a:tab pos="914400" algn="l"/>
+                          <a:tab pos="1828800" algn="l"/>
+                          <a:tab pos="2743200" algn="l"/>
+                          <a:tab pos="3657600" algn="l"/>
+                          <a:tab pos="4572000" algn="l"/>
+                          <a:tab pos="5486400" algn="l"/>
+                          <a:tab pos="6400800" algn="l"/>
+                          <a:tab pos="7315200" algn="l"/>
+                          <a:tab pos="8229600" algn="l"/>
+                          <a:tab pos="9144000" algn="l"/>
+                          <a:tab pos="10058400" algn="l"/>
+                        </a:tabLst>
+                        <a:defRPr>
+                          <a:solidFill>
+                            <a:srgbClr val="000000"/>
+                          </a:solidFill>
+                          <a:latin typeface="Tahoma" pitchFamily="34" charset="0"/>
+                          <a:ea typeface="DejaVu Sans" charset="0"/>
+                          <a:cs typeface="DejaVu Sans" charset="0"/>
+                        </a:defRPr>
+                      </a:lvl9pPr>
+                    </a:lstStyle>
+                    <a:p>
+                      <a:pPr marL="0" marR="0" lvl="0" indent="0" algn="l" defTabSz="449263" rtl="0" eaLnBrk="1" fontAlgn="base" latinLnBrk="0" hangingPunct="1">
+                        <a:lnSpc>
+                          <a:spcPct val="98000"/>
+                        </a:lnSpc>
+                        <a:spcBef>
+                          <a:spcPct val="0"/>
+                        </a:spcBef>
+                        <a:spcAft>
+                          <a:spcPct val="0"/>
+                        </a:spcAft>
+                        <a:buClrTx/>
+                        <a:buSzPct val="100000"/>
+                        <a:buFontTx/>
+                        <a:buNone/>
+                        <a:tabLst>
+                          <a:tab pos="0" algn="l"/>
+                          <a:tab pos="914400" algn="l"/>
+                          <a:tab pos="1828800" algn="l"/>
+                          <a:tab pos="2743200" algn="l"/>
+                          <a:tab pos="3657600" algn="l"/>
+                          <a:tab pos="4572000" algn="l"/>
+                          <a:tab pos="5486400" algn="l"/>
+                          <a:tab pos="6400800" algn="l"/>
+                          <a:tab pos="7315200" algn="l"/>
+                          <a:tab pos="8229600" algn="l"/>
+                          <a:tab pos="9144000" algn="l"/>
+                          <a:tab pos="10058400" algn="l"/>
+                        </a:tabLst>
+                      </a:pPr>
+                      <a:endParaRPr kumimoji="0" lang="pt-BR" altLang="pt-BR" sz="1400" b="1" i="0" u="none" strike="noStrike" cap="none" normalizeH="0" baseline="0" dirty="0">
+                        <a:ln>
+                          <a:noFill/>
+                        </a:ln>
+                        <a:solidFill>
+                          <a:srgbClr val="000000"/>
+                        </a:solidFill>
+                        <a:effectLst/>
+                        <a:latin typeface="Tahoma" pitchFamily="34" charset="0"/>
+                        <a:ea typeface="DejaVu Sans" charset="0"/>
+                        <a:cs typeface="DejaVu Sans" charset="0"/>
+                      </a:endParaRPr>
+                    </a:p>
+                  </a:txBody>
+                  <a:tcPr marL="90000" marR="90000" marT="49249" marB="45721" horzOverflow="overflow">
+                    <a:lnL w="2880" cap="flat" cmpd="sng" algn="ctr">
+                      <a:solidFill>
+                        <a:srgbClr val="FFFFFF"/>
+                      </a:solidFill>
+                      <a:prstDash val="solid"/>
+                      <a:round/>
+                      <a:headEnd type="none" w="med" len="med"/>
+                      <a:tailEnd type="none" w="med" len="med"/>
+                    </a:lnL>
+                    <a:lnR w="2880" cap="flat" cmpd="sng" algn="ctr">
+                      <a:solidFill>
+                        <a:srgbClr val="FFFFFF"/>
+                      </a:solidFill>
+                      <a:prstDash val="solid"/>
+                      <a:round/>
+                      <a:headEnd type="none" w="med" len="med"/>
+                      <a:tailEnd type="none" w="med" len="med"/>
+                    </a:lnR>
+                    <a:lnT w="2880" cap="flat" cmpd="sng" algn="ctr">
+                      <a:solidFill>
+                        <a:srgbClr val="FFFFFF"/>
+                      </a:solidFill>
+                      <a:prstDash val="solid"/>
+                      <a:round/>
+                      <a:headEnd type="none" w="med" len="med"/>
+                      <a:tailEnd type="none" w="med" len="med"/>
+                    </a:lnT>
+                    <a:lnB w="2880" cap="flat" cmpd="sng" algn="ctr">
+                      <a:solidFill>
+                        <a:srgbClr val="FFFFFF"/>
+                      </a:solidFill>
+                      <a:prstDash val="solid"/>
+                      <a:round/>
+                      <a:headEnd type="none" w="med" len="med"/>
+                      <a:tailEnd type="none" w="med" len="med"/>
+                    </a:lnB>
+                    <a:lnTlToBr>
+                      <a:noFill/>
+                    </a:lnTlToBr>
+                    <a:lnBlToTr>
+                      <a:noFill/>
+                    </a:lnBlToTr>
+                    <a:solidFill>
+                      <a:srgbClr val="CCD1E1"/>
+                    </a:solidFill>
+                  </a:tcPr>
+                </a:tc>
+                <a:extLst>
+                  <a:ext uri="{0D108BD9-81ED-4DB2-BD59-A6C34878D82A}">
+                    <a16:rowId xmlns:a16="http://schemas.microsoft.com/office/drawing/2014/main" val="1028984922"/>
                   </a:ext>
                 </a:extLst>
               </a:tr>
